--- a/Presentación final/Presentación Final.pptx
+++ b/Presentación final/Presentación Final.pptx
@@ -5,17 +5,22 @@
     <p:sldMasterId id="2147483648" r:id="rId4"/>
   </p:sldMasterIdLst>
   <p:notesMasterIdLst>
-    <p:notesMasterId r:id="rId13"/>
+    <p:notesMasterId r:id="rId18"/>
   </p:notesMasterIdLst>
   <p:sldIdLst>
     <p:sldId id="524" r:id="rId5"/>
-    <p:sldId id="583" r:id="rId6"/>
-    <p:sldId id="584" r:id="rId7"/>
-    <p:sldId id="589" r:id="rId8"/>
-    <p:sldId id="590" r:id="rId9"/>
-    <p:sldId id="591" r:id="rId10"/>
-    <p:sldId id="593" r:id="rId11"/>
-    <p:sldId id="592" r:id="rId12"/>
+    <p:sldId id="590" r:id="rId6"/>
+    <p:sldId id="593" r:id="rId7"/>
+    <p:sldId id="594" r:id="rId8"/>
+    <p:sldId id="583" r:id="rId9"/>
+    <p:sldId id="587" r:id="rId10"/>
+    <p:sldId id="595" r:id="rId11"/>
+    <p:sldId id="596" r:id="rId12"/>
+    <p:sldId id="597" r:id="rId13"/>
+    <p:sldId id="584" r:id="rId14"/>
+    <p:sldId id="589" r:id="rId15"/>
+    <p:sldId id="591" r:id="rId16"/>
+    <p:sldId id="599" r:id="rId17"/>
   </p:sldIdLst>
   <p:sldSz cx="12192000" cy="6858000"/>
   <p:notesSz cx="6858000" cy="9144000"/>
@@ -230,7 +235,7 @@
           <a:p>
             <a:fld id="{98579D94-66C5-1640-BC45-2FD8B630A032}" type="datetimeFigureOut">
               <a:rPr lang="en-US" smtClean="0"/>
-              <a:t>2/23/2022</a:t>
+              <a:t>2/25/2022</a:t>
             </a:fld>
             <a:endParaRPr lang="es-CL"/>
           </a:p>
@@ -389,7 +394,7 @@
           <a:p>
             <a:fld id="{1F034908-70E2-024B-ABAE-80E06A166772}" type="slidenum">
               <a:rPr lang="es-CL" smtClean="0"/>
-              <a:t>‹Nº›</a:t>
+              <a:t>‹#›</a:t>
             </a:fld>
             <a:endParaRPr lang="es-CL"/>
           </a:p>
@@ -582,6 +587,174 @@
 </p:notes>
 </file>
 
+<file path=ppt/notesSlides/notesSlide2.xml><?xml version="1.0" encoding="utf-8"?>
+<p:notes xmlns:a="http://schemas.openxmlformats.org/drawingml/2006/main" xmlns:r="http://schemas.openxmlformats.org/officeDocument/2006/relationships" xmlns:p="http://schemas.openxmlformats.org/presentationml/2006/main">
+  <p:cSld>
+    <p:spTree>
+      <p:nvGrpSpPr>
+        <p:cNvPr id="1" name=""/>
+        <p:cNvGrpSpPr/>
+        <p:nvPr/>
+      </p:nvGrpSpPr>
+      <p:grpSpPr>
+        <a:xfrm>
+          <a:off x="0" y="0"/>
+          <a:ext cx="0" cy="0"/>
+          <a:chOff x="0" y="0"/>
+          <a:chExt cx="0" cy="0"/>
+        </a:xfrm>
+      </p:grpSpPr>
+      <p:sp>
+        <p:nvSpPr>
+          <p:cNvPr id="2" name="Marcador de imagen de diapositiva 1"/>
+          <p:cNvSpPr>
+            <a:spLocks noGrp="1" noRot="1" noChangeAspect="1"/>
+          </p:cNvSpPr>
+          <p:nvPr>
+            <p:ph type="sldImg"/>
+          </p:nvPr>
+        </p:nvSpPr>
+        <p:spPr/>
+      </p:sp>
+      <p:sp>
+        <p:nvSpPr>
+          <p:cNvPr id="3" name="Marcador de notas 2"/>
+          <p:cNvSpPr>
+            <a:spLocks noGrp="1"/>
+          </p:cNvSpPr>
+          <p:nvPr>
+            <p:ph type="body" idx="1"/>
+          </p:nvPr>
+        </p:nvSpPr>
+        <p:spPr/>
+        <p:txBody>
+          <a:bodyPr/>
+          <a:lstStyle/>
+          <a:p>
+            <a:endParaRPr lang="es-CL" dirty="0"/>
+          </a:p>
+        </p:txBody>
+      </p:sp>
+      <p:sp>
+        <p:nvSpPr>
+          <p:cNvPr id="4" name="Marcador de número de diapositiva 3"/>
+          <p:cNvSpPr>
+            <a:spLocks noGrp="1"/>
+          </p:cNvSpPr>
+          <p:nvPr>
+            <p:ph type="sldNum" sz="quarter" idx="5"/>
+          </p:nvPr>
+        </p:nvSpPr>
+        <p:spPr/>
+        <p:txBody>
+          <a:bodyPr/>
+          <a:lstStyle/>
+          <a:p>
+            <a:fld id="{1F034908-70E2-024B-ABAE-80E06A166772}" type="slidenum">
+              <a:rPr lang="es-CL" smtClean="0"/>
+              <a:t>4</a:t>
+            </a:fld>
+            <a:endParaRPr lang="es-CL"/>
+          </a:p>
+        </p:txBody>
+      </p:sp>
+    </p:spTree>
+    <p:extLst>
+      <p:ext uri="{BB962C8B-B14F-4D97-AF65-F5344CB8AC3E}">
+        <p14:creationId xmlns:p14="http://schemas.microsoft.com/office/powerpoint/2010/main" val="116734197"/>
+      </p:ext>
+    </p:extLst>
+  </p:cSld>
+  <p:clrMapOvr>
+    <a:masterClrMapping/>
+  </p:clrMapOvr>
+</p:notes>
+</file>
+
+<file path=ppt/notesSlides/notesSlide3.xml><?xml version="1.0" encoding="utf-8"?>
+<p:notes xmlns:a="http://schemas.openxmlformats.org/drawingml/2006/main" xmlns:r="http://schemas.openxmlformats.org/officeDocument/2006/relationships" xmlns:p="http://schemas.openxmlformats.org/presentationml/2006/main">
+  <p:cSld>
+    <p:spTree>
+      <p:nvGrpSpPr>
+        <p:cNvPr id="1" name=""/>
+        <p:cNvGrpSpPr/>
+        <p:nvPr/>
+      </p:nvGrpSpPr>
+      <p:grpSpPr>
+        <a:xfrm>
+          <a:off x="0" y="0"/>
+          <a:ext cx="0" cy="0"/>
+          <a:chOff x="0" y="0"/>
+          <a:chExt cx="0" cy="0"/>
+        </a:xfrm>
+      </p:grpSpPr>
+      <p:sp>
+        <p:nvSpPr>
+          <p:cNvPr id="2" name="Marcador de imagen de diapositiva 1"/>
+          <p:cNvSpPr>
+            <a:spLocks noGrp="1" noRot="1" noChangeAspect="1"/>
+          </p:cNvSpPr>
+          <p:nvPr>
+            <p:ph type="sldImg"/>
+          </p:nvPr>
+        </p:nvSpPr>
+        <p:spPr/>
+      </p:sp>
+      <p:sp>
+        <p:nvSpPr>
+          <p:cNvPr id="3" name="Marcador de notas 2"/>
+          <p:cNvSpPr>
+            <a:spLocks noGrp="1"/>
+          </p:cNvSpPr>
+          <p:nvPr>
+            <p:ph type="body" idx="1"/>
+          </p:nvPr>
+        </p:nvSpPr>
+        <p:spPr/>
+        <p:txBody>
+          <a:bodyPr/>
+          <a:lstStyle/>
+          <a:p>
+            <a:endParaRPr lang="es-ES_tradnl" sz="1000" dirty="0"/>
+          </a:p>
+        </p:txBody>
+      </p:sp>
+      <p:sp>
+        <p:nvSpPr>
+          <p:cNvPr id="4" name="Marcador de número de diapositiva 3"/>
+          <p:cNvSpPr>
+            <a:spLocks noGrp="1"/>
+          </p:cNvSpPr>
+          <p:nvPr>
+            <p:ph type="sldNum" sz="quarter" idx="10"/>
+          </p:nvPr>
+        </p:nvSpPr>
+        <p:spPr/>
+        <p:txBody>
+          <a:bodyPr/>
+          <a:lstStyle/>
+          <a:p>
+            <a:fld id="{1F034908-70E2-024B-ABAE-80E06A166772}" type="slidenum">
+              <a:rPr lang="es-CL" smtClean="0"/>
+              <a:t>13</a:t>
+            </a:fld>
+            <a:endParaRPr lang="es-CL" dirty="0"/>
+          </a:p>
+        </p:txBody>
+      </p:sp>
+    </p:spTree>
+    <p:extLst>
+      <p:ext uri="{BB962C8B-B14F-4D97-AF65-F5344CB8AC3E}">
+        <p14:creationId xmlns:p14="http://schemas.microsoft.com/office/powerpoint/2010/main" val="1564593848"/>
+      </p:ext>
+    </p:extLst>
+  </p:cSld>
+  <p:clrMapOvr>
+    <a:masterClrMapping/>
+  </p:clrMapOvr>
+</p:notes>
+</file>
+
 <file path=ppt/slideLayouts/slideLayout1.xml><?xml version="1.0" encoding="utf-8"?>
 <p:sldLayout xmlns:a="http://schemas.openxmlformats.org/drawingml/2006/main" xmlns:r="http://schemas.openxmlformats.org/officeDocument/2006/relationships" xmlns:p="http://schemas.openxmlformats.org/presentationml/2006/main" type="title" preserve="1">
   <p:cSld name="Diapositiva de título">
@@ -713,7 +886,7 @@
           <a:p>
             <a:fld id="{12527108-BDCE-4187-A135-FDF32784A951}" type="datetimeFigureOut">
               <a:rPr lang="x-none" smtClean="0"/>
-              <a:t>23-02-2022</a:t>
+              <a:t>25/02/2022</a:t>
             </a:fld>
             <a:endParaRPr lang="x-none"/>
           </a:p>
@@ -755,7 +928,7 @@
           <a:p>
             <a:fld id="{ACF7EE71-6F2F-4451-B149-7968BDC313D9}" type="slidenum">
               <a:rPr lang="x-none" smtClean="0"/>
-              <a:t>‹Nº›</a:t>
+              <a:t>‹#›</a:t>
             </a:fld>
             <a:endParaRPr lang="x-none"/>
           </a:p>
@@ -883,7 +1056,7 @@
           <a:p>
             <a:fld id="{12527108-BDCE-4187-A135-FDF32784A951}" type="datetimeFigureOut">
               <a:rPr lang="x-none" smtClean="0"/>
-              <a:t>23-02-2022</a:t>
+              <a:t>25/02/2022</a:t>
             </a:fld>
             <a:endParaRPr lang="x-none"/>
           </a:p>
@@ -925,7 +1098,7 @@
           <a:p>
             <a:fld id="{ACF7EE71-6F2F-4451-B149-7968BDC313D9}" type="slidenum">
               <a:rPr lang="x-none" smtClean="0"/>
-              <a:t>‹Nº›</a:t>
+              <a:t>‹#›</a:t>
             </a:fld>
             <a:endParaRPr lang="x-none"/>
           </a:p>
@@ -1063,7 +1236,7 @@
           <a:p>
             <a:fld id="{12527108-BDCE-4187-A135-FDF32784A951}" type="datetimeFigureOut">
               <a:rPr lang="x-none" smtClean="0"/>
-              <a:t>23-02-2022</a:t>
+              <a:t>25/02/2022</a:t>
             </a:fld>
             <a:endParaRPr lang="x-none"/>
           </a:p>
@@ -1105,7 +1278,7 @@
           <a:p>
             <a:fld id="{ACF7EE71-6F2F-4451-B149-7968BDC313D9}" type="slidenum">
               <a:rPr lang="x-none" smtClean="0"/>
-              <a:t>‹Nº›</a:t>
+              <a:t>‹#›</a:t>
             </a:fld>
             <a:endParaRPr lang="x-none"/>
           </a:p>
@@ -1233,7 +1406,7 @@
           <a:p>
             <a:fld id="{12527108-BDCE-4187-A135-FDF32784A951}" type="datetimeFigureOut">
               <a:rPr lang="x-none" smtClean="0"/>
-              <a:t>23-02-2022</a:t>
+              <a:t>25/02/2022</a:t>
             </a:fld>
             <a:endParaRPr lang="x-none"/>
           </a:p>
@@ -1275,7 +1448,7 @@
           <a:p>
             <a:fld id="{ACF7EE71-6F2F-4451-B149-7968BDC313D9}" type="slidenum">
               <a:rPr lang="x-none" smtClean="0"/>
-              <a:t>‹Nº›</a:t>
+              <a:t>‹#›</a:t>
             </a:fld>
             <a:endParaRPr lang="x-none"/>
           </a:p>
@@ -1479,7 +1652,7 @@
           <a:p>
             <a:fld id="{12527108-BDCE-4187-A135-FDF32784A951}" type="datetimeFigureOut">
               <a:rPr lang="x-none" smtClean="0"/>
-              <a:t>23-02-2022</a:t>
+              <a:t>25/02/2022</a:t>
             </a:fld>
             <a:endParaRPr lang="x-none"/>
           </a:p>
@@ -1521,7 +1694,7 @@
           <a:p>
             <a:fld id="{ACF7EE71-6F2F-4451-B149-7968BDC313D9}" type="slidenum">
               <a:rPr lang="x-none" smtClean="0"/>
-              <a:t>‹Nº›</a:t>
+              <a:t>‹#›</a:t>
             </a:fld>
             <a:endParaRPr lang="x-none"/>
           </a:p>
@@ -1711,7 +1884,7 @@
           <a:p>
             <a:fld id="{12527108-BDCE-4187-A135-FDF32784A951}" type="datetimeFigureOut">
               <a:rPr lang="x-none" smtClean="0"/>
-              <a:t>23-02-2022</a:t>
+              <a:t>25/02/2022</a:t>
             </a:fld>
             <a:endParaRPr lang="x-none"/>
           </a:p>
@@ -1753,7 +1926,7 @@
           <a:p>
             <a:fld id="{ACF7EE71-6F2F-4451-B149-7968BDC313D9}" type="slidenum">
               <a:rPr lang="x-none" smtClean="0"/>
-              <a:t>‹Nº›</a:t>
+              <a:t>‹#›</a:t>
             </a:fld>
             <a:endParaRPr lang="x-none"/>
           </a:p>
@@ -2078,7 +2251,7 @@
           <a:p>
             <a:fld id="{12527108-BDCE-4187-A135-FDF32784A951}" type="datetimeFigureOut">
               <a:rPr lang="x-none" smtClean="0"/>
-              <a:t>23-02-2022</a:t>
+              <a:t>25/02/2022</a:t>
             </a:fld>
             <a:endParaRPr lang="x-none"/>
           </a:p>
@@ -2120,7 +2293,7 @@
           <a:p>
             <a:fld id="{ACF7EE71-6F2F-4451-B149-7968BDC313D9}" type="slidenum">
               <a:rPr lang="x-none" smtClean="0"/>
-              <a:t>‹Nº›</a:t>
+              <a:t>‹#›</a:t>
             </a:fld>
             <a:endParaRPr lang="x-none"/>
           </a:p>
@@ -2196,7 +2369,7 @@
           <a:p>
             <a:fld id="{12527108-BDCE-4187-A135-FDF32784A951}" type="datetimeFigureOut">
               <a:rPr lang="x-none" smtClean="0"/>
-              <a:t>23-02-2022</a:t>
+              <a:t>25/02/2022</a:t>
             </a:fld>
             <a:endParaRPr lang="x-none"/>
           </a:p>
@@ -2238,7 +2411,7 @@
           <a:p>
             <a:fld id="{ACF7EE71-6F2F-4451-B149-7968BDC313D9}" type="slidenum">
               <a:rPr lang="x-none" smtClean="0"/>
-              <a:t>‹Nº›</a:t>
+              <a:t>‹#›</a:t>
             </a:fld>
             <a:endParaRPr lang="x-none"/>
           </a:p>
@@ -2291,7 +2464,7 @@
           <a:p>
             <a:fld id="{12527108-BDCE-4187-A135-FDF32784A951}" type="datetimeFigureOut">
               <a:rPr lang="x-none" smtClean="0"/>
-              <a:t>23-02-2022</a:t>
+              <a:t>25/02/2022</a:t>
             </a:fld>
             <a:endParaRPr lang="x-none"/>
           </a:p>
@@ -2333,7 +2506,7 @@
           <a:p>
             <a:fld id="{ACF7EE71-6F2F-4451-B149-7968BDC313D9}" type="slidenum">
               <a:rPr lang="x-none" smtClean="0"/>
-              <a:t>‹Nº›</a:t>
+              <a:t>‹#›</a:t>
             </a:fld>
             <a:endParaRPr lang="x-none"/>
           </a:p>
@@ -2568,7 +2741,7 @@
           <a:p>
             <a:fld id="{12527108-BDCE-4187-A135-FDF32784A951}" type="datetimeFigureOut">
               <a:rPr lang="x-none" smtClean="0"/>
-              <a:t>23-02-2022</a:t>
+              <a:t>25/02/2022</a:t>
             </a:fld>
             <a:endParaRPr lang="x-none"/>
           </a:p>
@@ -2610,7 +2783,7 @@
           <a:p>
             <a:fld id="{ACF7EE71-6F2F-4451-B149-7968BDC313D9}" type="slidenum">
               <a:rPr lang="x-none" smtClean="0"/>
-              <a:t>‹Nº›</a:t>
+              <a:t>‹#›</a:t>
             </a:fld>
             <a:endParaRPr lang="x-none"/>
           </a:p>
@@ -2821,7 +2994,7 @@
           <a:p>
             <a:fld id="{12527108-BDCE-4187-A135-FDF32784A951}" type="datetimeFigureOut">
               <a:rPr lang="x-none" smtClean="0"/>
-              <a:t>23-02-2022</a:t>
+              <a:t>25/02/2022</a:t>
             </a:fld>
             <a:endParaRPr lang="x-none"/>
           </a:p>
@@ -2863,7 +3036,7 @@
           <a:p>
             <a:fld id="{ACF7EE71-6F2F-4451-B149-7968BDC313D9}" type="slidenum">
               <a:rPr lang="x-none" smtClean="0"/>
-              <a:t>‹Nº›</a:t>
+              <a:t>‹#›</a:t>
             </a:fld>
             <a:endParaRPr lang="x-none"/>
           </a:p>
@@ -3034,7 +3207,7 @@
           <a:p>
             <a:fld id="{12527108-BDCE-4187-A135-FDF32784A951}" type="datetimeFigureOut">
               <a:rPr lang="x-none" smtClean="0"/>
-              <a:t>23-02-2022</a:t>
+              <a:t>25/02/2022</a:t>
             </a:fld>
             <a:endParaRPr lang="x-none"/>
           </a:p>
@@ -3112,7 +3285,7 @@
           <a:p>
             <a:fld id="{ACF7EE71-6F2F-4451-B149-7968BDC313D9}" type="slidenum">
               <a:rPr lang="x-none" smtClean="0"/>
-              <a:t>‹Nº›</a:t>
+              <a:t>‹#›</a:t>
             </a:fld>
             <a:endParaRPr lang="x-none"/>
           </a:p>
@@ -3493,7 +3666,7 @@
           <a:lstStyle/>
           <a:p>
             <a:pPr algn="ctr"/>
-            <a:endParaRPr lang="es-CL"/>
+            <a:endParaRPr lang="es-CL" dirty="0"/>
           </a:p>
         </p:txBody>
       </p:sp>
@@ -4874,7 +5047,7 @@
           </a:bodyPr>
           <a:lstStyle/>
           <a:p>
-            <a:endParaRPr lang="es-CL"/>
+            <a:endParaRPr lang="es-CL" dirty="0"/>
           </a:p>
         </p:txBody>
       </p:sp>
@@ -4932,7 +5105,7 @@
 </p:sld>
 </file>
 
-<file path=ppt/slides/slide2.xml><?xml version="1.0" encoding="utf-8"?>
+<file path=ppt/slides/slide10.xml><?xml version="1.0" encoding="utf-8"?>
 <p:sld xmlns:a="http://schemas.openxmlformats.org/drawingml/2006/main" xmlns:r="http://schemas.openxmlformats.org/officeDocument/2006/relationships" xmlns:p="http://schemas.openxmlformats.org/presentationml/2006/main">
   <p:cSld>
     <p:spTree>
@@ -4951,10 +5124,10 @@
       </p:grpSpPr>
       <p:sp>
         <p:nvSpPr>
-          <p:cNvPr id="5" name="Rectángulo 4">
+          <p:cNvPr id="4" name="Rectángulo 3">
             <a:extLst>
               <a:ext uri="{FF2B5EF4-FFF2-40B4-BE49-F238E27FC236}">
-                <a16:creationId xmlns:a16="http://schemas.microsoft.com/office/drawing/2014/main" id="{CF8E19B6-A807-4E83-A804-36128B910A0C}"/>
+                <a16:creationId xmlns:a16="http://schemas.microsoft.com/office/drawing/2014/main" id="{9CB754E8-A00B-44BE-BAED-C552D858D6A3}"/>
               </a:ext>
             </a:extLst>
           </p:cNvPr>
@@ -5018,403 +5191,6 @@
           <a:p>
             <a:pPr algn="ctr"/>
             <a:endParaRPr lang="es-CL" sz="2700" dirty="0"/>
-          </a:p>
-        </p:txBody>
-      </p:sp>
-      <p:sp>
-        <p:nvSpPr>
-          <p:cNvPr id="7" name="CuadroTexto 6">
-            <a:extLst>
-              <a:ext uri="{FF2B5EF4-FFF2-40B4-BE49-F238E27FC236}">
-                <a16:creationId xmlns:a16="http://schemas.microsoft.com/office/drawing/2014/main" id="{3FFA1F71-1363-421C-9B2A-FA77D73DCEEA}"/>
-              </a:ext>
-            </a:extLst>
-          </p:cNvPr>
-          <p:cNvSpPr txBox="1"/>
-          <p:nvPr/>
-        </p:nvSpPr>
-        <p:spPr>
-          <a:xfrm>
-            <a:off x="204920" y="3024431"/>
-            <a:ext cx="2537840" cy="523220"/>
-          </a:xfrm>
-          <a:prstGeom prst="rect">
-            <a:avLst/>
-          </a:prstGeom>
-          <a:noFill/>
-        </p:spPr>
-        <p:txBody>
-          <a:bodyPr wrap="square">
-            <a:spAutoFit/>
-          </a:bodyPr>
-          <a:lstStyle/>
-          <a:p>
-            <a:pPr algn="ctr"/>
-            <a:r>
-              <a:rPr lang="es-ES" sz="2800" b="1" dirty="0">
-                <a:solidFill>
-                  <a:schemeClr val="bg1"/>
-                </a:solidFill>
-              </a:rPr>
-              <a:t>¿Qué es MQTT?</a:t>
-            </a:r>
-            <a:endParaRPr lang="es-CL" sz="2800" b="1" dirty="0">
-              <a:solidFill>
-                <a:schemeClr val="bg1"/>
-              </a:solidFill>
-            </a:endParaRPr>
-          </a:p>
-        </p:txBody>
-      </p:sp>
-      <p:pic>
-        <p:nvPicPr>
-          <p:cNvPr id="8" name="Imagen 7">
-            <a:extLst>
-              <a:ext uri="{FF2B5EF4-FFF2-40B4-BE49-F238E27FC236}">
-                <a16:creationId xmlns:a16="http://schemas.microsoft.com/office/drawing/2014/main" id="{CAE717F1-1BA4-45EA-BAC8-BEBC0DB288B1}"/>
-              </a:ext>
-            </a:extLst>
-          </p:cNvPr>
-          <p:cNvPicPr>
-            <a:picLocks noChangeAspect="1"/>
-          </p:cNvPicPr>
-          <p:nvPr/>
-        </p:nvPicPr>
-        <p:blipFill>
-          <a:blip r:embed="rId2"/>
-          <a:stretch>
-            <a:fillRect/>
-          </a:stretch>
-        </p:blipFill>
-        <p:spPr>
-          <a:xfrm>
-            <a:off x="702876" y="282685"/>
-            <a:ext cx="1541935" cy="1418580"/>
-          </a:xfrm>
-          <a:prstGeom prst="rect">
-            <a:avLst/>
-          </a:prstGeom>
-        </p:spPr>
-      </p:pic>
-      <p:pic>
-        <p:nvPicPr>
-          <p:cNvPr id="10" name="Gráfico 9">
-            <a:extLst>
-              <a:ext uri="{FF2B5EF4-FFF2-40B4-BE49-F238E27FC236}">
-                <a16:creationId xmlns:a16="http://schemas.microsoft.com/office/drawing/2014/main" id="{E354459E-9697-4F6F-8ED1-6DF3E912F854}"/>
-              </a:ext>
-            </a:extLst>
-          </p:cNvPr>
-          <p:cNvPicPr>
-            <a:picLocks noChangeAspect="1"/>
-          </p:cNvPicPr>
-          <p:nvPr/>
-        </p:nvPicPr>
-        <p:blipFill>
-          <a:blip r:embed="rId3" cstate="print">
-            <a:extLst>
-              <a:ext uri="{28A0092B-C50C-407E-A947-70E740481C1C}">
-                <a14:useLocalDpi xmlns:a14="http://schemas.microsoft.com/office/drawing/2010/main" val="0"/>
-              </a:ext>
-              <a:ext uri="{96DAC541-7B7A-43D3-8B79-37D633B846F1}">
-                <asvg:svgBlip xmlns:asvg="http://schemas.microsoft.com/office/drawing/2016/SVG/main" r:embed="rId4"/>
-              </a:ext>
-            </a:extLst>
-          </a:blip>
-          <a:stretch>
-            <a:fillRect/>
-          </a:stretch>
-        </p:blipFill>
-        <p:spPr>
-          <a:xfrm>
-            <a:off x="520158" y="4265216"/>
-            <a:ext cx="1907367" cy="485512"/>
-          </a:xfrm>
-          <a:prstGeom prst="rect">
-            <a:avLst/>
-          </a:prstGeom>
-        </p:spPr>
-      </p:pic>
-      <p:sp>
-        <p:nvSpPr>
-          <p:cNvPr id="15" name="CuadroTexto 14">
-            <a:extLst>
-              <a:ext uri="{FF2B5EF4-FFF2-40B4-BE49-F238E27FC236}">
-                <a16:creationId xmlns:a16="http://schemas.microsoft.com/office/drawing/2014/main" id="{DFE1B581-2EAC-4466-B932-6767EB5543B5}"/>
-              </a:ext>
-            </a:extLst>
-          </p:cNvPr>
-          <p:cNvSpPr txBox="1"/>
-          <p:nvPr/>
-        </p:nvSpPr>
-        <p:spPr>
-          <a:xfrm>
-            <a:off x="4578310" y="594783"/>
-            <a:ext cx="6186220" cy="1815882"/>
-          </a:xfrm>
-          <a:prstGeom prst="rect">
-            <a:avLst/>
-          </a:prstGeom>
-          <a:noFill/>
-        </p:spPr>
-        <p:txBody>
-          <a:bodyPr wrap="square" rtlCol="0">
-            <a:spAutoFit/>
-          </a:bodyPr>
-          <a:lstStyle/>
-          <a:p>
-            <a:pPr marL="285750" indent="-285750" algn="just">
-              <a:buFont typeface="Arial" panose="020B0604020202020204" pitchFamily="34" charset="0"/>
-              <a:buChar char="•"/>
-            </a:pPr>
-            <a:r>
-              <a:rPr lang="es-ES" sz="2800" dirty="0"/>
-              <a:t>Utiliza el modelo publicador/suscriptor.</a:t>
-            </a:r>
-          </a:p>
-          <a:p>
-            <a:pPr marL="285750" indent="-285750" algn="just">
-              <a:buFont typeface="Arial" panose="020B0604020202020204" pitchFamily="34" charset="0"/>
-              <a:buChar char="•"/>
-            </a:pPr>
-            <a:r>
-              <a:rPr lang="es-ES" sz="2800" dirty="0"/>
-              <a:t>Minimiza el ancho de banda de la red.</a:t>
-            </a:r>
-          </a:p>
-          <a:p>
-            <a:pPr marL="285750" indent="-285750" algn="just">
-              <a:buFont typeface="Arial" panose="020B0604020202020204" pitchFamily="34" charset="0"/>
-              <a:buChar char="•"/>
-            </a:pPr>
-            <a:r>
-              <a:rPr lang="es-ES" sz="2800" dirty="0"/>
-              <a:t>Garantiza confiabilidad.</a:t>
-            </a:r>
-          </a:p>
-          <a:p>
-            <a:pPr marL="285750" indent="-285750" algn="just">
-              <a:buFont typeface="Arial" panose="020B0604020202020204" pitchFamily="34" charset="0"/>
-              <a:buChar char="•"/>
-            </a:pPr>
-            <a:r>
-              <a:rPr lang="es-ES" sz="2800" dirty="0"/>
-              <a:t>Protocolo ideal para </a:t>
-            </a:r>
-            <a:r>
-              <a:rPr lang="es-ES" sz="2800" dirty="0" err="1"/>
-              <a:t>IoT</a:t>
-            </a:r>
-            <a:r>
-              <a:rPr lang="es-ES" sz="2800" dirty="0"/>
-              <a:t>.</a:t>
-            </a:r>
-          </a:p>
-        </p:txBody>
-      </p:sp>
-      <p:pic>
-        <p:nvPicPr>
-          <p:cNvPr id="1026" name="Picture 2" descr="IoT (Internet de las cosas) – Actus Today">
-            <a:extLst>
-              <a:ext uri="{FF2B5EF4-FFF2-40B4-BE49-F238E27FC236}">
-                <a16:creationId xmlns:a16="http://schemas.microsoft.com/office/drawing/2014/main" id="{821BF35B-6798-4EA7-AEA7-C5AB46438128}"/>
-              </a:ext>
-            </a:extLst>
-          </p:cNvPr>
-          <p:cNvPicPr>
-            <a:picLocks noChangeAspect="1" noChangeArrowheads="1"/>
-          </p:cNvPicPr>
-          <p:nvPr/>
-        </p:nvPicPr>
-        <p:blipFill>
-          <a:blip r:embed="rId5" cstate="print">
-            <a:extLst>
-              <a:ext uri="{28A0092B-C50C-407E-A947-70E740481C1C}">
-                <a14:useLocalDpi xmlns:a14="http://schemas.microsoft.com/office/drawing/2010/main" val="0"/>
-              </a:ext>
-            </a:extLst>
-          </a:blip>
-          <a:srcRect/>
-          <a:stretch>
-            <a:fillRect/>
-          </a:stretch>
-        </p:blipFill>
-        <p:spPr bwMode="auto">
-          <a:xfrm>
-            <a:off x="5700754" y="2806082"/>
-            <a:ext cx="3941332" cy="3911453"/>
-          </a:xfrm>
-          <a:prstGeom prst="rect">
-            <a:avLst/>
-          </a:prstGeom>
-          <a:noFill/>
-          <a:extLst>
-            <a:ext uri="{909E8E84-426E-40DD-AFC4-6F175D3DCCD1}">
-              <a14:hiddenFill xmlns:a14="http://schemas.microsoft.com/office/drawing/2010/main">
-                <a:solidFill>
-                  <a:srgbClr val="FFFFFF"/>
-                </a:solidFill>
-              </a14:hiddenFill>
-            </a:ext>
-          </a:extLst>
-        </p:spPr>
-      </p:pic>
-    </p:spTree>
-    <p:extLst>
-      <p:ext uri="{BB962C8B-B14F-4D97-AF65-F5344CB8AC3E}">
-        <p14:creationId xmlns:p14="http://schemas.microsoft.com/office/powerpoint/2010/main" val="2273859633"/>
-      </p:ext>
-    </p:extLst>
-  </p:cSld>
-  <p:clrMapOvr>
-    <a:masterClrMapping/>
-  </p:clrMapOvr>
-  <mc:AlternateContent xmlns:mc="http://schemas.openxmlformats.org/markup-compatibility/2006" xmlns:p159="http://schemas.microsoft.com/office/powerpoint/2015/09/main">
-    <mc:Choice Requires="p159">
-      <p:transition xmlns:p14="http://schemas.microsoft.com/office/powerpoint/2010/main" spd="slow" p14:dur="2000">
-        <p159:morph option="byObject"/>
-      </p:transition>
-    </mc:Choice>
-    <mc:Fallback xmlns="">
-      <p:transition spd="slow">
-        <p:fade/>
-      </p:transition>
-    </mc:Fallback>
-  </mc:AlternateContent>
-</p:sld>
-</file>
-
-<file path=ppt/slides/slide3.xml><?xml version="1.0" encoding="utf-8"?>
-<p:sld xmlns:a="http://schemas.openxmlformats.org/drawingml/2006/main" xmlns:r="http://schemas.openxmlformats.org/officeDocument/2006/relationships" xmlns:p="http://schemas.openxmlformats.org/presentationml/2006/main">
-  <p:cSld>
-    <p:spTree>
-      <p:nvGrpSpPr>
-        <p:cNvPr id="1" name=""/>
-        <p:cNvGrpSpPr/>
-        <p:nvPr/>
-      </p:nvGrpSpPr>
-      <p:grpSpPr>
-        <a:xfrm>
-          <a:off x="0" y="0"/>
-          <a:ext cx="0" cy="0"/>
-          <a:chOff x="0" y="0"/>
-          <a:chExt cx="0" cy="0"/>
-        </a:xfrm>
-      </p:grpSpPr>
-      <p:sp>
-        <p:nvSpPr>
-          <p:cNvPr id="4" name="Rectángulo 3">
-            <a:extLst>
-              <a:ext uri="{FF2B5EF4-FFF2-40B4-BE49-F238E27FC236}">
-                <a16:creationId xmlns:a16="http://schemas.microsoft.com/office/drawing/2014/main" id="{9CB754E8-A00B-44BE-BAED-C552D858D6A3}"/>
-              </a:ext>
-            </a:extLst>
-          </p:cNvPr>
-          <p:cNvSpPr/>
-          <p:nvPr/>
-        </p:nvSpPr>
-        <p:spPr>
-          <a:xfrm>
-            <a:off x="0" y="0"/>
-            <a:ext cx="2954215" cy="6898043"/>
-          </a:xfrm>
-          <a:prstGeom prst="rect">
-            <a:avLst/>
-          </a:prstGeom>
-          <a:gradFill flip="none" rotWithShape="1">
-            <a:gsLst>
-              <a:gs pos="0">
-                <a:schemeClr val="accent5">
-                  <a:lumMod val="40000"/>
-                  <a:lumOff val="60000"/>
-                </a:schemeClr>
-              </a:gs>
-              <a:gs pos="25000">
-                <a:schemeClr val="accent5">
-                  <a:lumMod val="95000"/>
-                  <a:lumOff val="5000"/>
-                </a:schemeClr>
-              </a:gs>
-              <a:gs pos="100000">
-                <a:schemeClr val="accent5">
-                  <a:lumMod val="60000"/>
-                </a:schemeClr>
-              </a:gs>
-            </a:gsLst>
-            <a:lin ang="16200000" scaled="1"/>
-            <a:tileRect/>
-          </a:gradFill>
-          <a:ln>
-            <a:noFill/>
-          </a:ln>
-        </p:spPr>
-        <p:style>
-          <a:lnRef idx="2">
-            <a:schemeClr val="accent1">
-              <a:shade val="50000"/>
-            </a:schemeClr>
-          </a:lnRef>
-          <a:fillRef idx="1">
-            <a:schemeClr val="accent1"/>
-          </a:fillRef>
-          <a:effectRef idx="0">
-            <a:schemeClr val="accent1"/>
-          </a:effectRef>
-          <a:fontRef idx="minor">
-            <a:schemeClr val="lt1"/>
-          </a:fontRef>
-        </p:style>
-        <p:txBody>
-          <a:bodyPr rtlCol="0" anchor="ctr"/>
-          <a:lstStyle/>
-          <a:p>
-            <a:pPr algn="ctr"/>
-            <a:endParaRPr lang="es-CL" sz="2700" dirty="0"/>
-          </a:p>
-        </p:txBody>
-      </p:sp>
-      <p:sp>
-        <p:nvSpPr>
-          <p:cNvPr id="5" name="CuadroTexto 4">
-            <a:extLst>
-              <a:ext uri="{FF2B5EF4-FFF2-40B4-BE49-F238E27FC236}">
-                <a16:creationId xmlns:a16="http://schemas.microsoft.com/office/drawing/2014/main" id="{0F8B770B-C84B-4A37-8FE1-D627E7517EDF}"/>
-              </a:ext>
-            </a:extLst>
-          </p:cNvPr>
-          <p:cNvSpPr txBox="1"/>
-          <p:nvPr/>
-        </p:nvSpPr>
-        <p:spPr>
-          <a:xfrm>
-            <a:off x="169531" y="2951946"/>
-            <a:ext cx="2608618" cy="954107"/>
-          </a:xfrm>
-          <a:prstGeom prst="rect">
-            <a:avLst/>
-          </a:prstGeom>
-          <a:noFill/>
-        </p:spPr>
-        <p:txBody>
-          <a:bodyPr wrap="square">
-            <a:spAutoFit/>
-          </a:bodyPr>
-          <a:lstStyle/>
-          <a:p>
-            <a:pPr algn="ctr"/>
-            <a:r>
-              <a:rPr lang="es-ES" sz="2800" b="1" dirty="0">
-                <a:solidFill>
-                  <a:schemeClr val="bg1"/>
-                </a:solidFill>
-              </a:rPr>
-              <a:t>¿Cómo funciona MQTT?</a:t>
-            </a:r>
-            <a:endParaRPr lang="es-CL" sz="2800" b="1" dirty="0">
-              <a:solidFill>
-                <a:schemeClr val="bg1"/>
-              </a:solidFill>
-            </a:endParaRPr>
           </a:p>
         </p:txBody>
       </p:sp>
@@ -5509,7 +5285,7 @@
         </p:blipFill>
         <p:spPr>
           <a:xfrm>
-            <a:off x="520156" y="4410455"/>
+            <a:off x="520156" y="4167699"/>
             <a:ext cx="1907367" cy="485512"/>
           </a:xfrm>
           <a:prstGeom prst="rect">
@@ -5517,6 +5293,51 @@
           </a:prstGeom>
         </p:spPr>
       </p:pic>
+      <p:sp>
+        <p:nvSpPr>
+          <p:cNvPr id="8" name="CuadroTexto 6">
+            <a:extLst>
+              <a:ext uri="{FF2B5EF4-FFF2-40B4-BE49-F238E27FC236}">
+                <a16:creationId xmlns:a16="http://schemas.microsoft.com/office/drawing/2014/main" id="{7715FDA5-5FEB-4A7C-8A4B-88AAE2E50313}"/>
+              </a:ext>
+            </a:extLst>
+          </p:cNvPr>
+          <p:cNvSpPr txBox="1"/>
+          <p:nvPr/>
+        </p:nvSpPr>
+        <p:spPr>
+          <a:xfrm>
+            <a:off x="99193" y="2971967"/>
+            <a:ext cx="2749295" cy="954107"/>
+          </a:xfrm>
+          <a:prstGeom prst="rect">
+            <a:avLst/>
+          </a:prstGeom>
+          <a:noFill/>
+        </p:spPr>
+        <p:txBody>
+          <a:bodyPr wrap="square">
+            <a:spAutoFit/>
+          </a:bodyPr>
+          <a:lstStyle/>
+          <a:p>
+            <a:pPr algn="ctr"/>
+            <a:r>
+              <a:rPr lang="es-ES" sz="2800" b="1" dirty="0">
+                <a:solidFill>
+                  <a:schemeClr val="bg1"/>
+                </a:solidFill>
+              </a:rPr>
+              <a:t>¿Cómo funciona MQTT?</a:t>
+            </a:r>
+            <a:endParaRPr lang="es-CL" sz="2800" b="1" dirty="0">
+              <a:solidFill>
+                <a:schemeClr val="bg1"/>
+              </a:solidFill>
+            </a:endParaRPr>
+          </a:p>
+        </p:txBody>
+      </p:sp>
     </p:spTree>
     <p:extLst>
       <p:ext uri="{BB962C8B-B14F-4D97-AF65-F5344CB8AC3E}">
@@ -5527,14 +5348,14 @@
   <p:clrMapOvr>
     <a:masterClrMapping/>
   </p:clrMapOvr>
-  <mc:AlternateContent xmlns:mc="http://schemas.openxmlformats.org/markup-compatibility/2006" xmlns:p14="http://schemas.microsoft.com/office/powerpoint/2010/main">
-    <mc:Choice Requires="p14">
-      <p:transition spd="med" p14:dur="700">
-        <p:fade/>
+  <mc:AlternateContent xmlns:mc="http://schemas.openxmlformats.org/markup-compatibility/2006">
+    <mc:Choice xmlns:p159="http://schemas.microsoft.com/office/powerpoint/2015/09/main" Requires="p159">
+      <p:transition xmlns:p14="http://schemas.microsoft.com/office/powerpoint/2010/main" spd="slow" p14:dur="2000">
+        <p159:morph option="byObject"/>
       </p:transition>
     </mc:Choice>
-    <mc:Fallback xmlns="">
-      <p:transition spd="med">
+    <mc:Fallback>
+      <p:transition spd="slow">
         <p:fade/>
       </p:transition>
     </mc:Fallback>
@@ -5542,7 +5363,7 @@
 </p:sld>
 </file>
 
-<file path=ppt/slides/slide4.xml><?xml version="1.0" encoding="utf-8"?>
+<file path=ppt/slides/slide11.xml><?xml version="1.0" encoding="utf-8"?>
 <p:sld xmlns:a="http://schemas.openxmlformats.org/drawingml/2006/main" xmlns:r="http://schemas.openxmlformats.org/officeDocument/2006/relationships" xmlns:p="http://schemas.openxmlformats.org/presentationml/2006/main">
   <p:cSld>
     <p:spTree>
@@ -5722,8 +5543,8 @@
         </p:nvSpPr>
         <p:spPr>
           <a:xfrm>
-            <a:off x="869291" y="3187411"/>
-            <a:ext cx="1209103" cy="523220"/>
+            <a:off x="702876" y="2971967"/>
+            <a:ext cx="1611653" cy="954107"/>
           </a:xfrm>
           <a:prstGeom prst="rect">
             <a:avLst/>
@@ -5743,7 +5564,7 @@
                   <a:schemeClr val="bg1"/>
                 </a:solidFill>
               </a:rPr>
-              <a:t>Broker</a:t>
+              <a:t>Broker utilizado</a:t>
             </a:r>
             <a:endParaRPr lang="es-CL" sz="2800" b="1" dirty="0">
               <a:solidFill>
@@ -5812,7 +5633,7 @@
         </p:blipFill>
         <p:spPr bwMode="auto">
           <a:xfrm>
-            <a:off x="466739" y="3710631"/>
+            <a:off x="466740" y="3455592"/>
             <a:ext cx="2014205" cy="2014205"/>
           </a:xfrm>
           <a:prstGeom prst="rect">
@@ -5870,14 +5691,14 @@
   <p:clrMapOvr>
     <a:masterClrMapping/>
   </p:clrMapOvr>
-  <mc:AlternateContent xmlns:mc="http://schemas.openxmlformats.org/markup-compatibility/2006" xmlns:p14="http://schemas.microsoft.com/office/powerpoint/2010/main">
-    <mc:Choice Requires="p14">
-      <p:transition spd="med" p14:dur="700">
-        <p:fade/>
+  <mc:AlternateContent xmlns:mc="http://schemas.openxmlformats.org/markup-compatibility/2006">
+    <mc:Choice xmlns:p159="http://schemas.microsoft.com/office/powerpoint/2015/09/main" Requires="p159">
+      <p:transition xmlns:p14="http://schemas.microsoft.com/office/powerpoint/2010/main" spd="slow" p14:dur="2000">
+        <p159:morph option="byObject"/>
       </p:transition>
     </mc:Choice>
-    <mc:Fallback xmlns="">
-      <p:transition spd="med">
+    <mc:Fallback>
+      <p:transition spd="slow">
         <p:fade/>
       </p:transition>
     </mc:Fallback>
@@ -5885,7 +5706,1841 @@
 </p:sld>
 </file>
 
-<file path=ppt/slides/slide5.xml><?xml version="1.0" encoding="utf-8"?>
+<file path=ppt/slides/slide12.xml><?xml version="1.0" encoding="utf-8"?>
+<p:sld xmlns:a="http://schemas.openxmlformats.org/drawingml/2006/main" xmlns:r="http://schemas.openxmlformats.org/officeDocument/2006/relationships" xmlns:p="http://schemas.openxmlformats.org/presentationml/2006/main">
+  <p:cSld>
+    <p:spTree>
+      <p:nvGrpSpPr>
+        <p:cNvPr id="1" name=""/>
+        <p:cNvGrpSpPr/>
+        <p:nvPr/>
+      </p:nvGrpSpPr>
+      <p:grpSpPr>
+        <a:xfrm>
+          <a:off x="0" y="0"/>
+          <a:ext cx="0" cy="0"/>
+          <a:chOff x="0" y="0"/>
+          <a:chExt cx="0" cy="0"/>
+        </a:xfrm>
+      </p:grpSpPr>
+      <p:sp>
+        <p:nvSpPr>
+          <p:cNvPr id="4" name="Rectángulo 3">
+            <a:extLst>
+              <a:ext uri="{FF2B5EF4-FFF2-40B4-BE49-F238E27FC236}">
+                <a16:creationId xmlns:a16="http://schemas.microsoft.com/office/drawing/2014/main" id="{5A9AF112-E561-4D1C-9BEF-E52EF103FBD9}"/>
+              </a:ext>
+            </a:extLst>
+          </p:cNvPr>
+          <p:cNvSpPr/>
+          <p:nvPr/>
+        </p:nvSpPr>
+        <p:spPr>
+          <a:xfrm>
+            <a:off x="0" y="0"/>
+            <a:ext cx="2954215" cy="6898043"/>
+          </a:xfrm>
+          <a:prstGeom prst="rect">
+            <a:avLst/>
+          </a:prstGeom>
+          <a:gradFill flip="none" rotWithShape="1">
+            <a:gsLst>
+              <a:gs pos="0">
+                <a:schemeClr val="accent5">
+                  <a:lumMod val="40000"/>
+                  <a:lumOff val="60000"/>
+                </a:schemeClr>
+              </a:gs>
+              <a:gs pos="25000">
+                <a:schemeClr val="accent5">
+                  <a:lumMod val="95000"/>
+                  <a:lumOff val="5000"/>
+                </a:schemeClr>
+              </a:gs>
+              <a:gs pos="100000">
+                <a:schemeClr val="accent5">
+                  <a:lumMod val="60000"/>
+                </a:schemeClr>
+              </a:gs>
+            </a:gsLst>
+            <a:lin ang="16200000" scaled="1"/>
+            <a:tileRect/>
+          </a:gradFill>
+          <a:ln>
+            <a:noFill/>
+          </a:ln>
+        </p:spPr>
+        <p:style>
+          <a:lnRef idx="2">
+            <a:schemeClr val="accent1">
+              <a:shade val="50000"/>
+            </a:schemeClr>
+          </a:lnRef>
+          <a:fillRef idx="1">
+            <a:schemeClr val="accent1"/>
+          </a:fillRef>
+          <a:effectRef idx="0">
+            <a:schemeClr val="accent1"/>
+          </a:effectRef>
+          <a:fontRef idx="minor">
+            <a:schemeClr val="lt1"/>
+          </a:fontRef>
+        </p:style>
+        <p:txBody>
+          <a:bodyPr rtlCol="0" anchor="ctr"/>
+          <a:lstStyle/>
+          <a:p>
+            <a:pPr algn="ctr"/>
+            <a:endParaRPr lang="es-CL" sz="2700" dirty="0"/>
+          </a:p>
+        </p:txBody>
+      </p:sp>
+      <p:pic>
+        <p:nvPicPr>
+          <p:cNvPr id="5" name="Imagen 4">
+            <a:extLst>
+              <a:ext uri="{FF2B5EF4-FFF2-40B4-BE49-F238E27FC236}">
+                <a16:creationId xmlns:a16="http://schemas.microsoft.com/office/drawing/2014/main" id="{ABED8ECB-9EF6-419F-9111-D383B376614C}"/>
+              </a:ext>
+            </a:extLst>
+          </p:cNvPr>
+          <p:cNvPicPr>
+            <a:picLocks noChangeAspect="1"/>
+          </p:cNvPicPr>
+          <p:nvPr/>
+        </p:nvPicPr>
+        <p:blipFill>
+          <a:blip r:embed="rId2"/>
+          <a:stretch>
+            <a:fillRect/>
+          </a:stretch>
+        </p:blipFill>
+        <p:spPr>
+          <a:xfrm>
+            <a:off x="702876" y="282685"/>
+            <a:ext cx="1541935" cy="1418580"/>
+          </a:xfrm>
+          <a:prstGeom prst="rect">
+            <a:avLst/>
+          </a:prstGeom>
+        </p:spPr>
+      </p:pic>
+      <p:sp>
+        <p:nvSpPr>
+          <p:cNvPr id="8" name="CuadroTexto 7">
+            <a:extLst>
+              <a:ext uri="{FF2B5EF4-FFF2-40B4-BE49-F238E27FC236}">
+                <a16:creationId xmlns:a16="http://schemas.microsoft.com/office/drawing/2014/main" id="{E75E5CA2-2090-4EFA-A424-738AD8FAF512}"/>
+              </a:ext>
+            </a:extLst>
+          </p:cNvPr>
+          <p:cNvSpPr txBox="1"/>
+          <p:nvPr/>
+        </p:nvSpPr>
+        <p:spPr>
+          <a:xfrm>
+            <a:off x="3226827" y="1701265"/>
+            <a:ext cx="8509453" cy="4154984"/>
+          </a:xfrm>
+          <a:prstGeom prst="rect">
+            <a:avLst/>
+          </a:prstGeom>
+          <a:noFill/>
+        </p:spPr>
+        <p:txBody>
+          <a:bodyPr wrap="square" rtlCol="0">
+            <a:spAutoFit/>
+          </a:bodyPr>
+          <a:lstStyle/>
+          <a:p>
+            <a:pPr algn="just"/>
+            <a:r>
+              <a:rPr lang="es-ES" sz="2400" dirty="0"/>
+              <a:t>Paso 1: Configurar un servidor para que actúe como broker.</a:t>
+            </a:r>
+          </a:p>
+          <a:p>
+            <a:pPr algn="just"/>
+            <a:r>
+              <a:rPr lang="es-ES" sz="2400" dirty="0"/>
+              <a:t>Paso 2: Programar el ESP32</a:t>
+            </a:r>
+            <a:r>
+              <a:rPr lang="es-CL" sz="2400" dirty="0"/>
+              <a:t> para:</a:t>
+            </a:r>
+            <a:endParaRPr lang="es-ES" sz="2400" dirty="0"/>
+          </a:p>
+          <a:p>
+            <a:pPr marL="800100" lvl="1" indent="-342900" algn="just">
+              <a:buFont typeface="Arial" panose="020B0604020202020204" pitchFamily="34" charset="0"/>
+              <a:buChar char="•"/>
+            </a:pPr>
+            <a:r>
+              <a:rPr lang="es-ES" sz="2400" dirty="0"/>
+              <a:t>Enviar temperaturas al servidor utilizando la Termocupla con el MAXIM6675.</a:t>
+            </a:r>
+          </a:p>
+          <a:p>
+            <a:pPr marL="800100" lvl="1" indent="-342900" algn="just">
+              <a:buFont typeface="Arial" panose="020B0604020202020204" pitchFamily="34" charset="0"/>
+              <a:buChar char="•"/>
+            </a:pPr>
+            <a:r>
+              <a:rPr lang="es-ES" sz="2400" dirty="0"/>
+              <a:t>Recibir datos desde el servidor para cambiar el estado del relé.</a:t>
+            </a:r>
+            <a:endParaRPr lang="es-CL" sz="2400" dirty="0"/>
+          </a:p>
+          <a:p>
+            <a:pPr algn="just"/>
+            <a:r>
+              <a:rPr lang="es-CL" sz="2400" dirty="0"/>
+              <a:t>Paso 3: Crear una plataforma de administración y monitoreo para el envío y la recepción de datos desde el servidor.</a:t>
+            </a:r>
+          </a:p>
+          <a:p>
+            <a:pPr algn="just"/>
+            <a:r>
+              <a:rPr lang="es-CL" sz="2400" dirty="0"/>
+              <a:t>Paso 4: Conectar el ESP32 con una base de datos.</a:t>
+            </a:r>
+          </a:p>
+          <a:p>
+            <a:pPr algn="just"/>
+            <a:r>
+              <a:rPr lang="es-CL" sz="2400" dirty="0"/>
+              <a:t>Paso 5: Graficar las temperaturas en la plataforma para poder obtener una tendencia.</a:t>
+            </a:r>
+          </a:p>
+        </p:txBody>
+      </p:sp>
+      <p:sp>
+        <p:nvSpPr>
+          <p:cNvPr id="9" name="CuadroTexto 8">
+            <a:extLst>
+              <a:ext uri="{FF2B5EF4-FFF2-40B4-BE49-F238E27FC236}">
+                <a16:creationId xmlns:a16="http://schemas.microsoft.com/office/drawing/2014/main" id="{BBC8A8D0-1CE9-49D2-B369-D9804A833420}"/>
+              </a:ext>
+            </a:extLst>
+          </p:cNvPr>
+          <p:cNvSpPr txBox="1"/>
+          <p:nvPr/>
+        </p:nvSpPr>
+        <p:spPr>
+          <a:xfrm>
+            <a:off x="272612" y="3165991"/>
+            <a:ext cx="2402461" cy="954107"/>
+          </a:xfrm>
+          <a:prstGeom prst="rect">
+            <a:avLst/>
+          </a:prstGeom>
+          <a:noFill/>
+        </p:spPr>
+        <p:txBody>
+          <a:bodyPr wrap="square">
+            <a:spAutoFit/>
+          </a:bodyPr>
+          <a:lstStyle/>
+          <a:p>
+            <a:pPr algn="ctr"/>
+            <a:r>
+              <a:rPr lang="es-ES" sz="2800" b="1" dirty="0">
+                <a:solidFill>
+                  <a:schemeClr val="bg1"/>
+                </a:solidFill>
+              </a:rPr>
+              <a:t>Proyecto para </a:t>
+            </a:r>
+            <a:r>
+              <a:rPr lang="es-ES" sz="2800" b="1" dirty="0" err="1">
+                <a:solidFill>
+                  <a:schemeClr val="bg1"/>
+                </a:solidFill>
+              </a:rPr>
+              <a:t>Datco</a:t>
+            </a:r>
+            <a:endParaRPr lang="es-CL" sz="2800" b="1" dirty="0">
+              <a:solidFill>
+                <a:schemeClr val="bg1"/>
+              </a:solidFill>
+            </a:endParaRPr>
+          </a:p>
+        </p:txBody>
+      </p:sp>
+      <p:sp>
+        <p:nvSpPr>
+          <p:cNvPr id="10" name="CuadroTexto 9">
+            <a:extLst>
+              <a:ext uri="{FF2B5EF4-FFF2-40B4-BE49-F238E27FC236}">
+                <a16:creationId xmlns:a16="http://schemas.microsoft.com/office/drawing/2014/main" id="{1082BBBD-BDA3-4131-BDA8-8915D174A932}"/>
+              </a:ext>
+            </a:extLst>
+          </p:cNvPr>
+          <p:cNvSpPr txBox="1"/>
+          <p:nvPr/>
+        </p:nvSpPr>
+        <p:spPr>
+          <a:xfrm>
+            <a:off x="4625578" y="956603"/>
+            <a:ext cx="5895058" cy="584775"/>
+          </a:xfrm>
+          <a:prstGeom prst="rect">
+            <a:avLst/>
+          </a:prstGeom>
+          <a:noFill/>
+        </p:spPr>
+        <p:txBody>
+          <a:bodyPr wrap="square">
+            <a:spAutoFit/>
+          </a:bodyPr>
+          <a:lstStyle/>
+          <a:p>
+            <a:pPr algn="ctr"/>
+            <a:r>
+              <a:rPr lang="es-ES" sz="3200" b="1" dirty="0"/>
+              <a:t>¿Qué fue lo que se hizo y cómo?</a:t>
+            </a:r>
+            <a:endParaRPr lang="es-CL" sz="3200" b="1" dirty="0"/>
+          </a:p>
+        </p:txBody>
+      </p:sp>
+    </p:spTree>
+    <p:extLst>
+      <p:ext uri="{BB962C8B-B14F-4D97-AF65-F5344CB8AC3E}">
+        <p14:creationId xmlns:p14="http://schemas.microsoft.com/office/powerpoint/2010/main" val="3025363573"/>
+      </p:ext>
+    </p:extLst>
+  </p:cSld>
+  <p:clrMapOvr>
+    <a:masterClrMapping/>
+  </p:clrMapOvr>
+  <mc:AlternateContent xmlns:mc="http://schemas.openxmlformats.org/markup-compatibility/2006">
+    <mc:Choice xmlns:p159="http://schemas.microsoft.com/office/powerpoint/2015/09/main" Requires="p159">
+      <p:transition xmlns:p14="http://schemas.microsoft.com/office/powerpoint/2010/main" spd="slow" p14:dur="2000">
+        <p159:morph option="byObject"/>
+      </p:transition>
+    </mc:Choice>
+    <mc:Fallback>
+      <p:transition spd="slow">
+        <p:fade/>
+      </p:transition>
+    </mc:Fallback>
+  </mc:AlternateContent>
+</p:sld>
+</file>
+
+<file path=ppt/slides/slide13.xml><?xml version="1.0" encoding="utf-8"?>
+<p:sld xmlns:a="http://schemas.openxmlformats.org/drawingml/2006/main" xmlns:r="http://schemas.openxmlformats.org/officeDocument/2006/relationships" xmlns:p="http://schemas.openxmlformats.org/presentationml/2006/main">
+  <p:cSld>
+    <p:spTree>
+      <p:nvGrpSpPr>
+        <p:cNvPr id="1" name=""/>
+        <p:cNvGrpSpPr/>
+        <p:nvPr/>
+      </p:nvGrpSpPr>
+      <p:grpSpPr>
+        <a:xfrm>
+          <a:off x="0" y="0"/>
+          <a:ext cx="0" cy="0"/>
+          <a:chOff x="0" y="0"/>
+          <a:chExt cx="0" cy="0"/>
+        </a:xfrm>
+      </p:grpSpPr>
+      <p:sp>
+        <p:nvSpPr>
+          <p:cNvPr id="9" name="Rectángulo 8"/>
+          <p:cNvSpPr/>
+          <p:nvPr/>
+        </p:nvSpPr>
+        <p:spPr>
+          <a:xfrm>
+            <a:off x="1" y="0"/>
+            <a:ext cx="12191999" cy="6858000"/>
+          </a:xfrm>
+          <a:prstGeom prst="rect">
+            <a:avLst/>
+          </a:prstGeom>
+          <a:gradFill flip="none" rotWithShape="1">
+            <a:gsLst>
+              <a:gs pos="0">
+                <a:srgbClr val="00B0EE"/>
+              </a:gs>
+              <a:gs pos="64000">
+                <a:srgbClr val="0075BB"/>
+              </a:gs>
+              <a:gs pos="100000">
+                <a:srgbClr val="0055A0"/>
+              </a:gs>
+            </a:gsLst>
+            <a:lin ang="0" scaled="1"/>
+            <a:tileRect/>
+          </a:gradFill>
+          <a:ln>
+            <a:noFill/>
+          </a:ln>
+        </p:spPr>
+        <p:style>
+          <a:lnRef idx="2">
+            <a:schemeClr val="accent1">
+              <a:shade val="50000"/>
+            </a:schemeClr>
+          </a:lnRef>
+          <a:fillRef idx="1">
+            <a:schemeClr val="accent1"/>
+          </a:fillRef>
+          <a:effectRef idx="0">
+            <a:schemeClr val="accent1"/>
+          </a:effectRef>
+          <a:fontRef idx="minor">
+            <a:schemeClr val="lt1"/>
+          </a:fontRef>
+        </p:style>
+        <p:txBody>
+          <a:bodyPr rtlCol="0" anchor="ctr"/>
+          <a:lstStyle/>
+          <a:p>
+            <a:pPr algn="ctr"/>
+            <a:endParaRPr lang="es-CL" dirty="0"/>
+          </a:p>
+        </p:txBody>
+      </p:sp>
+      <p:sp>
+        <p:nvSpPr>
+          <p:cNvPr id="62" name="CuadroTexto 61"/>
+          <p:cNvSpPr txBox="1"/>
+          <p:nvPr/>
+        </p:nvSpPr>
+        <p:spPr>
+          <a:xfrm>
+            <a:off x="3559151" y="5600700"/>
+            <a:ext cx="5073697" cy="292388"/>
+          </a:xfrm>
+          <a:prstGeom prst="rect">
+            <a:avLst/>
+          </a:prstGeom>
+          <a:noFill/>
+        </p:spPr>
+        <p:txBody>
+          <a:bodyPr wrap="none" rtlCol="0">
+            <a:spAutoFit/>
+          </a:bodyPr>
+          <a:lstStyle/>
+          <a:p>
+            <a:pPr algn="ctr"/>
+            <a:r>
+              <a:rPr lang="es-ES_tradnl" sz="1300" dirty="0">
+                <a:solidFill>
+                  <a:schemeClr val="bg1"/>
+                </a:solidFill>
+                <a:latin typeface="+mj-lt"/>
+              </a:rPr>
+              <a:t>ARGENTINA · BRASIL · CHILE · COLOMBIA · MÉXICO · PERÚ · PUERTO RICO</a:t>
+            </a:r>
+          </a:p>
+        </p:txBody>
+      </p:sp>
+      <p:sp>
+        <p:nvSpPr>
+          <p:cNvPr id="63" name="CuadroTexto 62"/>
+          <p:cNvSpPr txBox="1"/>
+          <p:nvPr/>
+        </p:nvSpPr>
+        <p:spPr>
+          <a:xfrm>
+            <a:off x="2527908" y="5905500"/>
+            <a:ext cx="7136185" cy="338554"/>
+          </a:xfrm>
+          <a:prstGeom prst="rect">
+            <a:avLst/>
+          </a:prstGeom>
+          <a:noFill/>
+        </p:spPr>
+        <p:txBody>
+          <a:bodyPr wrap="none" rtlCol="0">
+            <a:spAutoFit/>
+          </a:bodyPr>
+          <a:lstStyle/>
+          <a:p>
+            <a:pPr algn="ctr"/>
+            <a:r>
+              <a:rPr lang="es-ES_tradnl" sz="1600" b="1" dirty="0">
+                <a:solidFill>
+                  <a:schemeClr val="bg1"/>
+                </a:solidFill>
+              </a:rPr>
+              <a:t>DAT</a:t>
+            </a:r>
+            <a:r>
+              <a:rPr lang="es-ES_tradnl" sz="1600" dirty="0">
+                <a:solidFill>
+                  <a:schemeClr val="bg1"/>
+                </a:solidFill>
+                <a:latin typeface="+mj-lt"/>
+              </a:rPr>
+              <a:t>CO · </a:t>
+            </a:r>
+            <a:r>
+              <a:rPr lang="es-ES_tradnl" sz="1600" b="1" dirty="0">
+                <a:solidFill>
+                  <a:schemeClr val="bg1"/>
+                </a:solidFill>
+              </a:rPr>
+              <a:t>BAIT</a:t>
+            </a:r>
+            <a:r>
+              <a:rPr lang="es-ES_tradnl" sz="1600" dirty="0">
+                <a:solidFill>
+                  <a:schemeClr val="bg1"/>
+                </a:solidFill>
+                <a:latin typeface="+mj-lt"/>
+              </a:rPr>
+              <a:t>CON · </a:t>
+            </a:r>
+            <a:r>
+              <a:rPr lang="es-ES_tradnl" sz="1600" b="1" dirty="0">
+                <a:solidFill>
+                  <a:schemeClr val="bg1"/>
+                </a:solidFill>
+              </a:rPr>
+              <a:t>INTER</a:t>
+            </a:r>
+            <a:r>
+              <a:rPr lang="es-ES_tradnl" sz="1600" dirty="0">
+                <a:solidFill>
+                  <a:schemeClr val="bg1"/>
+                </a:solidFill>
+                <a:latin typeface="+mj-lt"/>
+              </a:rPr>
+              <a:t>SERVICES · </a:t>
+            </a:r>
+            <a:r>
+              <a:rPr lang="es-ES_tradnl" sz="1600" b="1" dirty="0">
+                <a:solidFill>
+                  <a:schemeClr val="bg1"/>
+                </a:solidFill>
+              </a:rPr>
+              <a:t>SILICA</a:t>
+            </a:r>
+            <a:r>
+              <a:rPr lang="es-ES_tradnl" sz="1600" dirty="0">
+                <a:solidFill>
+                  <a:schemeClr val="bg1"/>
+                </a:solidFill>
+                <a:latin typeface="+mj-lt"/>
+              </a:rPr>
+              <a:t>NETWORKS · </a:t>
+            </a:r>
+            <a:r>
+              <a:rPr lang="es-ES_tradnl" sz="1600" b="1" dirty="0">
+                <a:solidFill>
+                  <a:schemeClr val="bg1"/>
+                </a:solidFill>
+              </a:rPr>
+              <a:t>VELO</a:t>
+            </a:r>
+            <a:r>
+              <a:rPr lang="es-ES_tradnl" sz="1600" dirty="0">
+                <a:solidFill>
+                  <a:schemeClr val="bg1"/>
+                </a:solidFill>
+                <a:latin typeface="+mj-lt"/>
+              </a:rPr>
+              <a:t>COM · </a:t>
+            </a:r>
+            <a:r>
+              <a:rPr lang="es-ES_tradnl" sz="1600" b="1" dirty="0">
+                <a:solidFill>
+                  <a:schemeClr val="bg1"/>
+                </a:solidFill>
+              </a:rPr>
+              <a:t>SER</a:t>
+            </a:r>
+            <a:r>
+              <a:rPr lang="es-ES_tradnl" sz="1600" dirty="0">
+                <a:solidFill>
+                  <a:schemeClr val="bg1"/>
+                </a:solidFill>
+                <a:latin typeface="+mj-lt"/>
+              </a:rPr>
+              <a:t>SAT · </a:t>
+            </a:r>
+            <a:r>
+              <a:rPr lang="es-ES_tradnl" sz="1600" b="1" dirty="0">
+                <a:solidFill>
+                  <a:schemeClr val="bg1"/>
+                </a:solidFill>
+              </a:rPr>
+              <a:t>FO</a:t>
+            </a:r>
+            <a:r>
+              <a:rPr lang="es-ES_tradnl" sz="1600" dirty="0">
+                <a:solidFill>
+                  <a:schemeClr val="bg1"/>
+                </a:solidFill>
+                <a:latin typeface="+mj-lt"/>
+              </a:rPr>
+              <a:t>CUS</a:t>
+            </a:r>
+          </a:p>
+        </p:txBody>
+      </p:sp>
+      <p:sp>
+        <p:nvSpPr>
+          <p:cNvPr id="5" name="Freeform 5"/>
+          <p:cNvSpPr>
+            <a:spLocks noEditPoints="1"/>
+          </p:cNvSpPr>
+          <p:nvPr/>
+        </p:nvSpPr>
+        <p:spPr bwMode="auto">
+          <a:xfrm>
+            <a:off x="3309938" y="2081213"/>
+            <a:ext cx="5570538" cy="1889125"/>
+          </a:xfrm>
+          <a:custGeom>
+            <a:avLst/>
+            <a:gdLst>
+              <a:gd name="T0" fmla="*/ 5682 w 5833"/>
+              <a:gd name="T1" fmla="*/ 1167 h 1970"/>
+              <a:gd name="T2" fmla="*/ 5682 w 5833"/>
+              <a:gd name="T3" fmla="*/ 895 h 1970"/>
+              <a:gd name="T4" fmla="*/ 5832 w 5833"/>
+              <a:gd name="T5" fmla="*/ 1031 h 1970"/>
+              <a:gd name="T6" fmla="*/ 5532 w 5833"/>
+              <a:gd name="T7" fmla="*/ 1031 h 1970"/>
+              <a:gd name="T8" fmla="*/ 5832 w 5833"/>
+              <a:gd name="T9" fmla="*/ 1031 h 1970"/>
+              <a:gd name="T10" fmla="*/ 5300 w 5833"/>
+              <a:gd name="T11" fmla="*/ 1167 h 1970"/>
+              <a:gd name="T12" fmla="*/ 5300 w 5833"/>
+              <a:gd name="T13" fmla="*/ 895 h 1970"/>
+              <a:gd name="T14" fmla="*/ 5189 w 5833"/>
+              <a:gd name="T15" fmla="*/ 868 h 1970"/>
+              <a:gd name="T16" fmla="*/ 5449 w 5833"/>
+              <a:gd name="T17" fmla="*/ 1109 h 1970"/>
+              <a:gd name="T18" fmla="*/ 4801 w 5833"/>
+              <a:gd name="T19" fmla="*/ 827 h 1970"/>
+              <a:gd name="T20" fmla="*/ 4987 w 5833"/>
+              <a:gd name="T21" fmla="*/ 1234 h 1970"/>
+              <a:gd name="T22" fmla="*/ 4693 w 5833"/>
+              <a:gd name="T23" fmla="*/ 1095 h 1970"/>
+              <a:gd name="T24" fmla="*/ 4821 w 5833"/>
+              <a:gd name="T25" fmla="*/ 1234 h 1970"/>
+              <a:gd name="T26" fmla="*/ 4463 w 5833"/>
+              <a:gd name="T27" fmla="*/ 1234 h 1970"/>
+              <a:gd name="T28" fmla="*/ 4738 w 5833"/>
+              <a:gd name="T29" fmla="*/ 1234 h 1970"/>
+              <a:gd name="T30" fmla="*/ 4330 w 5833"/>
+              <a:gd name="T31" fmla="*/ 1138 h 1970"/>
+              <a:gd name="T32" fmla="*/ 4270 w 5833"/>
+              <a:gd name="T33" fmla="*/ 898 h 1970"/>
+              <a:gd name="T34" fmla="*/ 4426 w 5833"/>
+              <a:gd name="T35" fmla="*/ 1029 h 1970"/>
+              <a:gd name="T36" fmla="*/ 4131 w 5833"/>
+              <a:gd name="T37" fmla="*/ 1234 h 1970"/>
+              <a:gd name="T38" fmla="*/ 3968 w 5833"/>
+              <a:gd name="T39" fmla="*/ 1031 h 1970"/>
+              <a:gd name="T40" fmla="*/ 3799 w 5833"/>
+              <a:gd name="T41" fmla="*/ 1169 h 1970"/>
+              <a:gd name="T42" fmla="*/ 3940 w 5833"/>
+              <a:gd name="T43" fmla="*/ 892 h 1970"/>
+              <a:gd name="T44" fmla="*/ 3974 w 5833"/>
+              <a:gd name="T45" fmla="*/ 866 h 1970"/>
+              <a:gd name="T46" fmla="*/ 3766 w 5833"/>
+              <a:gd name="T47" fmla="*/ 1195 h 1970"/>
+              <a:gd name="T48" fmla="*/ 3611 w 5833"/>
+              <a:gd name="T49" fmla="*/ 947 h 1970"/>
+              <a:gd name="T50" fmla="*/ 3421 w 5833"/>
+              <a:gd name="T51" fmla="*/ 866 h 1970"/>
+              <a:gd name="T52" fmla="*/ 3654 w 5833"/>
+              <a:gd name="T53" fmla="*/ 947 h 1970"/>
+              <a:gd name="T54" fmla="*/ 3421 w 5833"/>
+              <a:gd name="T55" fmla="*/ 1234 h 1970"/>
+              <a:gd name="T56" fmla="*/ 3271 w 5833"/>
+              <a:gd name="T57" fmla="*/ 1100 h 1970"/>
+              <a:gd name="T58" fmla="*/ 3228 w 5833"/>
+              <a:gd name="T59" fmla="*/ 1096 h 1970"/>
+              <a:gd name="T60" fmla="*/ 2988 w 5833"/>
+              <a:gd name="T61" fmla="*/ 827 h 1970"/>
+              <a:gd name="T62" fmla="*/ 2846 w 5833"/>
+              <a:gd name="T63" fmla="*/ 941 h 1970"/>
+              <a:gd name="T64" fmla="*/ 2657 w 5833"/>
+              <a:gd name="T65" fmla="*/ 866 h 1970"/>
+              <a:gd name="T66" fmla="*/ 2897 w 5833"/>
+              <a:gd name="T67" fmla="*/ 1234 h 1970"/>
+              <a:gd name="T68" fmla="*/ 2613 w 5833"/>
+              <a:gd name="T69" fmla="*/ 827 h 1970"/>
+              <a:gd name="T70" fmla="*/ 2754 w 5833"/>
+              <a:gd name="T71" fmla="*/ 1053 h 1970"/>
+              <a:gd name="T72" fmla="*/ 2495 w 5833"/>
+              <a:gd name="T73" fmla="*/ 1085 h 1970"/>
+              <a:gd name="T74" fmla="*/ 2452 w 5833"/>
+              <a:gd name="T75" fmla="*/ 1059 h 1970"/>
+              <a:gd name="T76" fmla="*/ 2281 w 5833"/>
+              <a:gd name="T77" fmla="*/ 1170 h 1970"/>
+              <a:gd name="T78" fmla="*/ 2450 w 5833"/>
+              <a:gd name="T79" fmla="*/ 946 h 1970"/>
+              <a:gd name="T80" fmla="*/ 2210 w 5833"/>
+              <a:gd name="T81" fmla="*/ 1031 h 1970"/>
+              <a:gd name="T82" fmla="*/ 2495 w 5833"/>
+              <a:gd name="T83" fmla="*/ 1085 h 1970"/>
+              <a:gd name="T84" fmla="*/ 982 w 5833"/>
+              <a:gd name="T85" fmla="*/ 263 h 1970"/>
+              <a:gd name="T86" fmla="*/ 1244 w 5833"/>
+              <a:gd name="T87" fmla="*/ 735 h 1970"/>
+              <a:gd name="T88" fmla="*/ 893 w 5833"/>
+              <a:gd name="T89" fmla="*/ 791 h 1970"/>
+              <a:gd name="T90" fmla="*/ 823 w 5833"/>
+              <a:gd name="T91" fmla="*/ 808 h 1970"/>
+              <a:gd name="T92" fmla="*/ 764 w 5833"/>
+              <a:gd name="T93" fmla="*/ 1088 h 1970"/>
+              <a:gd name="T94" fmla="*/ 709 w 5833"/>
+              <a:gd name="T95" fmla="*/ 695 h 1970"/>
+              <a:gd name="T96" fmla="*/ 553 w 5833"/>
+              <a:gd name="T97" fmla="*/ 1021 h 1970"/>
+              <a:gd name="T98" fmla="*/ 1891 w 5833"/>
+              <a:gd name="T99" fmla="*/ 1126 h 1970"/>
+              <a:gd name="T100" fmla="*/ 73 w 5833"/>
+              <a:gd name="T101" fmla="*/ 1117 h 1970"/>
+              <a:gd name="T102" fmla="*/ 1896 w 5833"/>
+              <a:gd name="T103" fmla="*/ 852 h 1970"/>
+              <a:gd name="T104" fmla="*/ 1224 w 5833"/>
+              <a:gd name="T105" fmla="*/ 590 h 1970"/>
+              <a:gd name="T106" fmla="*/ 888 w 5833"/>
+              <a:gd name="T107" fmla="*/ 391 h 1970"/>
+            </a:gdLst>
+            <a:ahLst/>
+            <a:cxnLst>
+              <a:cxn ang="0">
+                <a:pos x="T0" y="T1"/>
+              </a:cxn>
+              <a:cxn ang="0">
+                <a:pos x="T2" y="T3"/>
+              </a:cxn>
+              <a:cxn ang="0">
+                <a:pos x="T4" y="T5"/>
+              </a:cxn>
+              <a:cxn ang="0">
+                <a:pos x="T6" y="T7"/>
+              </a:cxn>
+              <a:cxn ang="0">
+                <a:pos x="T8" y="T9"/>
+              </a:cxn>
+              <a:cxn ang="0">
+                <a:pos x="T10" y="T11"/>
+              </a:cxn>
+              <a:cxn ang="0">
+                <a:pos x="T12" y="T13"/>
+              </a:cxn>
+              <a:cxn ang="0">
+                <a:pos x="T14" y="T15"/>
+              </a:cxn>
+              <a:cxn ang="0">
+                <a:pos x="T16" y="T17"/>
+              </a:cxn>
+              <a:cxn ang="0">
+                <a:pos x="T18" y="T19"/>
+              </a:cxn>
+              <a:cxn ang="0">
+                <a:pos x="T20" y="T21"/>
+              </a:cxn>
+              <a:cxn ang="0">
+                <a:pos x="T22" y="T23"/>
+              </a:cxn>
+              <a:cxn ang="0">
+                <a:pos x="T24" y="T25"/>
+              </a:cxn>
+              <a:cxn ang="0">
+                <a:pos x="T26" y="T27"/>
+              </a:cxn>
+              <a:cxn ang="0">
+                <a:pos x="T28" y="T29"/>
+              </a:cxn>
+              <a:cxn ang="0">
+                <a:pos x="T30" y="T31"/>
+              </a:cxn>
+              <a:cxn ang="0">
+                <a:pos x="T32" y="T33"/>
+              </a:cxn>
+              <a:cxn ang="0">
+                <a:pos x="T34" y="T35"/>
+              </a:cxn>
+              <a:cxn ang="0">
+                <a:pos x="T36" y="T37"/>
+              </a:cxn>
+              <a:cxn ang="0">
+                <a:pos x="T38" y="T39"/>
+              </a:cxn>
+              <a:cxn ang="0">
+                <a:pos x="T40" y="T41"/>
+              </a:cxn>
+              <a:cxn ang="0">
+                <a:pos x="T42" y="T43"/>
+              </a:cxn>
+              <a:cxn ang="0">
+                <a:pos x="T44" y="T45"/>
+              </a:cxn>
+              <a:cxn ang="0">
+                <a:pos x="T46" y="T47"/>
+              </a:cxn>
+              <a:cxn ang="0">
+                <a:pos x="T48" y="T49"/>
+              </a:cxn>
+              <a:cxn ang="0">
+                <a:pos x="T50" y="T51"/>
+              </a:cxn>
+              <a:cxn ang="0">
+                <a:pos x="T52" y="T53"/>
+              </a:cxn>
+              <a:cxn ang="0">
+                <a:pos x="T54" y="T55"/>
+              </a:cxn>
+              <a:cxn ang="0">
+                <a:pos x="T56" y="T57"/>
+              </a:cxn>
+              <a:cxn ang="0">
+                <a:pos x="T58" y="T59"/>
+              </a:cxn>
+              <a:cxn ang="0">
+                <a:pos x="T60" y="T61"/>
+              </a:cxn>
+              <a:cxn ang="0">
+                <a:pos x="T62" y="T63"/>
+              </a:cxn>
+              <a:cxn ang="0">
+                <a:pos x="T64" y="T65"/>
+              </a:cxn>
+              <a:cxn ang="0">
+                <a:pos x="T66" y="T67"/>
+              </a:cxn>
+              <a:cxn ang="0">
+                <a:pos x="T68" y="T69"/>
+              </a:cxn>
+              <a:cxn ang="0">
+                <a:pos x="T70" y="T71"/>
+              </a:cxn>
+              <a:cxn ang="0">
+                <a:pos x="T72" y="T73"/>
+              </a:cxn>
+              <a:cxn ang="0">
+                <a:pos x="T74" y="T75"/>
+              </a:cxn>
+              <a:cxn ang="0">
+                <a:pos x="T76" y="T77"/>
+              </a:cxn>
+              <a:cxn ang="0">
+                <a:pos x="T78" y="T79"/>
+              </a:cxn>
+              <a:cxn ang="0">
+                <a:pos x="T80" y="T81"/>
+              </a:cxn>
+              <a:cxn ang="0">
+                <a:pos x="T82" y="T83"/>
+              </a:cxn>
+              <a:cxn ang="0">
+                <a:pos x="T84" y="T85"/>
+              </a:cxn>
+              <a:cxn ang="0">
+                <a:pos x="T86" y="T87"/>
+              </a:cxn>
+              <a:cxn ang="0">
+                <a:pos x="T88" y="T89"/>
+              </a:cxn>
+              <a:cxn ang="0">
+                <a:pos x="T90" y="T91"/>
+              </a:cxn>
+              <a:cxn ang="0">
+                <a:pos x="T92" y="T93"/>
+              </a:cxn>
+              <a:cxn ang="0">
+                <a:pos x="T94" y="T95"/>
+              </a:cxn>
+              <a:cxn ang="0">
+                <a:pos x="T96" y="T97"/>
+              </a:cxn>
+              <a:cxn ang="0">
+                <a:pos x="T98" y="T99"/>
+              </a:cxn>
+              <a:cxn ang="0">
+                <a:pos x="T100" y="T101"/>
+              </a:cxn>
+              <a:cxn ang="0">
+                <a:pos x="T102" y="T103"/>
+              </a:cxn>
+              <a:cxn ang="0">
+                <a:pos x="T104" y="T105"/>
+              </a:cxn>
+              <a:cxn ang="0">
+                <a:pos x="T106" y="T107"/>
+              </a:cxn>
+            </a:cxnLst>
+            <a:rect l="0" t="0" r="r" b="b"/>
+            <a:pathLst>
+              <a:path w="5833" h="1970">
+                <a:moveTo>
+                  <a:pt x="5753" y="1031"/>
+                </a:moveTo>
+                <a:lnTo>
+                  <a:pt x="5753" y="1031"/>
+                </a:lnTo>
+                <a:cubicBezTo>
+                  <a:pt x="5753" y="1109"/>
+                  <a:pt x="5748" y="1128"/>
+                  <a:pt x="5733" y="1145"/>
+                </a:cubicBezTo>
+                <a:cubicBezTo>
+                  <a:pt x="5721" y="1158"/>
+                  <a:pt x="5704" y="1167"/>
+                  <a:pt x="5682" y="1167"/>
+                </a:cubicBezTo>
+                <a:cubicBezTo>
+                  <a:pt x="5660" y="1167"/>
+                  <a:pt x="5642" y="1158"/>
+                  <a:pt x="5631" y="1145"/>
+                </a:cubicBezTo>
+                <a:cubicBezTo>
+                  <a:pt x="5615" y="1128"/>
+                  <a:pt x="5611" y="1109"/>
+                  <a:pt x="5611" y="1031"/>
+                </a:cubicBezTo>
+                <a:cubicBezTo>
+                  <a:pt x="5611" y="952"/>
+                  <a:pt x="5615" y="934"/>
+                  <a:pt x="5631" y="916"/>
+                </a:cubicBezTo>
+                <a:cubicBezTo>
+                  <a:pt x="5642" y="903"/>
+                  <a:pt x="5660" y="895"/>
+                  <a:pt x="5682" y="895"/>
+                </a:cubicBezTo>
+                <a:cubicBezTo>
+                  <a:pt x="5704" y="895"/>
+                  <a:pt x="5721" y="903"/>
+                  <a:pt x="5733" y="916"/>
+                </a:cubicBezTo>
+                <a:cubicBezTo>
+                  <a:pt x="5748" y="934"/>
+                  <a:pt x="5753" y="952"/>
+                  <a:pt x="5753" y="1031"/>
+                </a:cubicBezTo>
+                <a:close/>
+                <a:moveTo>
+                  <a:pt x="5832" y="1031"/>
+                </a:moveTo>
+                <a:lnTo>
+                  <a:pt x="5832" y="1031"/>
+                </a:lnTo>
+                <a:cubicBezTo>
+                  <a:pt x="5832" y="960"/>
+                  <a:pt x="5833" y="910"/>
+                  <a:pt x="5792" y="868"/>
+                </a:cubicBezTo>
+                <a:cubicBezTo>
+                  <a:pt x="5763" y="840"/>
+                  <a:pt x="5728" y="824"/>
+                  <a:pt x="5682" y="824"/>
+                </a:cubicBezTo>
+                <a:cubicBezTo>
+                  <a:pt x="5636" y="824"/>
+                  <a:pt x="5600" y="840"/>
+                  <a:pt x="5572" y="868"/>
+                </a:cubicBezTo>
+                <a:cubicBezTo>
+                  <a:pt x="5531" y="910"/>
+                  <a:pt x="5532" y="960"/>
+                  <a:pt x="5532" y="1031"/>
+                </a:cubicBezTo>
+                <a:cubicBezTo>
+                  <a:pt x="5532" y="1101"/>
+                  <a:pt x="5531" y="1152"/>
+                  <a:pt x="5572" y="1193"/>
+                </a:cubicBezTo>
+                <a:cubicBezTo>
+                  <a:pt x="5600" y="1221"/>
+                  <a:pt x="5636" y="1237"/>
+                  <a:pt x="5682" y="1237"/>
+                </a:cubicBezTo>
+                <a:cubicBezTo>
+                  <a:pt x="5728" y="1237"/>
+                  <a:pt x="5763" y="1221"/>
+                  <a:pt x="5792" y="1193"/>
+                </a:cubicBezTo>
+                <a:cubicBezTo>
+                  <a:pt x="5833" y="1152"/>
+                  <a:pt x="5832" y="1101"/>
+                  <a:pt x="5832" y="1031"/>
+                </a:cubicBezTo>
+                <a:close/>
+                <a:moveTo>
+                  <a:pt x="5449" y="1109"/>
+                </a:moveTo>
+                <a:lnTo>
+                  <a:pt x="5449" y="1109"/>
+                </a:lnTo>
+                <a:lnTo>
+                  <a:pt x="5368" y="1109"/>
+                </a:lnTo>
+                <a:cubicBezTo>
+                  <a:pt x="5360" y="1141"/>
+                  <a:pt x="5340" y="1167"/>
+                  <a:pt x="5300" y="1167"/>
+                </a:cubicBezTo>
+                <a:cubicBezTo>
+                  <a:pt x="5278" y="1167"/>
+                  <a:pt x="5260" y="1159"/>
+                  <a:pt x="5249" y="1145"/>
+                </a:cubicBezTo>
+                <a:cubicBezTo>
+                  <a:pt x="5233" y="1128"/>
+                  <a:pt x="5229" y="1109"/>
+                  <a:pt x="5229" y="1031"/>
+                </a:cubicBezTo>
+                <a:cubicBezTo>
+                  <a:pt x="5229" y="952"/>
+                  <a:pt x="5233" y="933"/>
+                  <a:pt x="5249" y="916"/>
+                </a:cubicBezTo>
+                <a:cubicBezTo>
+                  <a:pt x="5260" y="903"/>
+                  <a:pt x="5278" y="895"/>
+                  <a:pt x="5300" y="895"/>
+                </a:cubicBezTo>
+                <a:cubicBezTo>
+                  <a:pt x="5340" y="895"/>
+                  <a:pt x="5360" y="920"/>
+                  <a:pt x="5368" y="952"/>
+                </a:cubicBezTo>
+                <a:lnTo>
+                  <a:pt x="5449" y="952"/>
+                </a:lnTo>
+                <a:cubicBezTo>
+                  <a:pt x="5434" y="867"/>
+                  <a:pt x="5375" y="824"/>
+                  <a:pt x="5299" y="824"/>
+                </a:cubicBezTo>
+                <a:cubicBezTo>
+                  <a:pt x="5254" y="824"/>
+                  <a:pt x="5218" y="840"/>
+                  <a:pt x="5189" y="868"/>
+                </a:cubicBezTo>
+                <a:cubicBezTo>
+                  <a:pt x="5148" y="910"/>
+                  <a:pt x="5149" y="960"/>
+                  <a:pt x="5149" y="1031"/>
+                </a:cubicBezTo>
+                <a:cubicBezTo>
+                  <a:pt x="5149" y="1101"/>
+                  <a:pt x="5148" y="1152"/>
+                  <a:pt x="5189" y="1193"/>
+                </a:cubicBezTo>
+                <a:cubicBezTo>
+                  <a:pt x="5218" y="1221"/>
+                  <a:pt x="5254" y="1237"/>
+                  <a:pt x="5299" y="1237"/>
+                </a:cubicBezTo>
+                <a:cubicBezTo>
+                  <a:pt x="5374" y="1237"/>
+                  <a:pt x="5434" y="1194"/>
+                  <a:pt x="5449" y="1109"/>
+                </a:cubicBezTo>
+                <a:close/>
+                <a:moveTo>
+                  <a:pt x="5093" y="898"/>
+                </a:moveTo>
+                <a:lnTo>
+                  <a:pt x="5093" y="898"/>
+                </a:lnTo>
+                <a:lnTo>
+                  <a:pt x="5093" y="827"/>
+                </a:lnTo>
+                <a:lnTo>
+                  <a:pt x="4801" y="827"/>
+                </a:lnTo>
+                <a:lnTo>
+                  <a:pt x="4801" y="898"/>
+                </a:lnTo>
+                <a:lnTo>
+                  <a:pt x="4907" y="898"/>
+                </a:lnTo>
+                <a:lnTo>
+                  <a:pt x="4907" y="1234"/>
+                </a:lnTo>
+                <a:lnTo>
+                  <a:pt x="4987" y="1234"/>
+                </a:lnTo>
+                <a:lnTo>
+                  <a:pt x="4987" y="898"/>
+                </a:lnTo>
+                <a:lnTo>
+                  <a:pt x="5093" y="898"/>
+                </a:lnTo>
+                <a:close/>
+                <a:moveTo>
+                  <a:pt x="4693" y="1095"/>
+                </a:moveTo>
+                <a:lnTo>
+                  <a:pt x="4693" y="1095"/>
+                </a:lnTo>
+                <a:lnTo>
+                  <a:pt x="4592" y="1095"/>
+                </a:lnTo>
+                <a:lnTo>
+                  <a:pt x="4644" y="947"/>
+                </a:lnTo>
+                <a:lnTo>
+                  <a:pt x="4693" y="1095"/>
+                </a:lnTo>
+                <a:close/>
+                <a:moveTo>
+                  <a:pt x="4821" y="1234"/>
+                </a:moveTo>
+                <a:lnTo>
+                  <a:pt x="4821" y="1234"/>
+                </a:lnTo>
+                <a:lnTo>
+                  <a:pt x="4673" y="827"/>
+                </a:lnTo>
+                <a:lnTo>
+                  <a:pt x="4611" y="827"/>
+                </a:lnTo>
+                <a:lnTo>
+                  <a:pt x="4463" y="1234"/>
+                </a:lnTo>
+                <a:lnTo>
+                  <a:pt x="4545" y="1234"/>
+                </a:lnTo>
+                <a:lnTo>
+                  <a:pt x="4570" y="1162"/>
+                </a:lnTo>
+                <a:lnTo>
+                  <a:pt x="4714" y="1162"/>
+                </a:lnTo>
+                <a:lnTo>
+                  <a:pt x="4738" y="1234"/>
+                </a:lnTo>
+                <a:lnTo>
+                  <a:pt x="4821" y="1234"/>
+                </a:lnTo>
+                <a:close/>
+                <a:moveTo>
+                  <a:pt x="4347" y="1029"/>
+                </a:moveTo>
+                <a:lnTo>
+                  <a:pt x="4347" y="1029"/>
+                </a:lnTo>
+                <a:cubicBezTo>
+                  <a:pt x="4347" y="1091"/>
+                  <a:pt x="4345" y="1120"/>
+                  <a:pt x="4330" y="1138"/>
+                </a:cubicBezTo>
+                <a:cubicBezTo>
+                  <a:pt x="4316" y="1155"/>
+                  <a:pt x="4298" y="1163"/>
+                  <a:pt x="4270" y="1163"/>
+                </a:cubicBezTo>
+                <a:lnTo>
+                  <a:pt x="4210" y="1163"/>
+                </a:lnTo>
+                <a:lnTo>
+                  <a:pt x="4210" y="898"/>
+                </a:lnTo>
+                <a:lnTo>
+                  <a:pt x="4270" y="898"/>
+                </a:lnTo>
+                <a:cubicBezTo>
+                  <a:pt x="4298" y="898"/>
+                  <a:pt x="4316" y="907"/>
+                  <a:pt x="4330" y="923"/>
+                </a:cubicBezTo>
+                <a:cubicBezTo>
+                  <a:pt x="4345" y="942"/>
+                  <a:pt x="4347" y="967"/>
+                  <a:pt x="4347" y="1029"/>
+                </a:cubicBezTo>
+                <a:close/>
+                <a:moveTo>
+                  <a:pt x="4426" y="1029"/>
+                </a:moveTo>
+                <a:lnTo>
+                  <a:pt x="4426" y="1029"/>
+                </a:lnTo>
+                <a:cubicBezTo>
+                  <a:pt x="4426" y="968"/>
+                  <a:pt x="4431" y="912"/>
+                  <a:pt x="4385" y="866"/>
+                </a:cubicBezTo>
+                <a:cubicBezTo>
+                  <a:pt x="4358" y="839"/>
+                  <a:pt x="4320" y="827"/>
+                  <a:pt x="4278" y="827"/>
+                </a:cubicBezTo>
+                <a:lnTo>
+                  <a:pt x="4131" y="827"/>
+                </a:lnTo>
+                <a:lnTo>
+                  <a:pt x="4131" y="1234"/>
+                </a:lnTo>
+                <a:lnTo>
+                  <a:pt x="4278" y="1234"/>
+                </a:lnTo>
+                <a:cubicBezTo>
+                  <a:pt x="4320" y="1234"/>
+                  <a:pt x="4358" y="1222"/>
+                  <a:pt x="4385" y="1195"/>
+                </a:cubicBezTo>
+                <a:cubicBezTo>
+                  <a:pt x="4431" y="1149"/>
+                  <a:pt x="4426" y="1090"/>
+                  <a:pt x="4426" y="1029"/>
+                </a:cubicBezTo>
+                <a:close/>
+                <a:moveTo>
+                  <a:pt x="3968" y="1031"/>
+                </a:moveTo>
+                <a:lnTo>
+                  <a:pt x="3968" y="1031"/>
+                </a:lnTo>
+                <a:cubicBezTo>
+                  <a:pt x="3968" y="1116"/>
+                  <a:pt x="3966" y="1143"/>
+                  <a:pt x="3940" y="1169"/>
+                </a:cubicBezTo>
+                <a:cubicBezTo>
+                  <a:pt x="3922" y="1188"/>
+                  <a:pt x="3896" y="1199"/>
+                  <a:pt x="3870" y="1199"/>
+                </a:cubicBezTo>
+                <a:cubicBezTo>
+                  <a:pt x="3843" y="1199"/>
+                  <a:pt x="3817" y="1188"/>
+                  <a:pt x="3799" y="1169"/>
+                </a:cubicBezTo>
+                <a:cubicBezTo>
+                  <a:pt x="3774" y="1143"/>
+                  <a:pt x="3771" y="1116"/>
+                  <a:pt x="3771" y="1031"/>
+                </a:cubicBezTo>
+                <a:cubicBezTo>
+                  <a:pt x="3771" y="946"/>
+                  <a:pt x="3774" y="918"/>
+                  <a:pt x="3799" y="892"/>
+                </a:cubicBezTo>
+                <a:cubicBezTo>
+                  <a:pt x="3817" y="874"/>
+                  <a:pt x="3843" y="863"/>
+                  <a:pt x="3870" y="863"/>
+                </a:cubicBezTo>
+                <a:cubicBezTo>
+                  <a:pt x="3896" y="863"/>
+                  <a:pt x="3922" y="874"/>
+                  <a:pt x="3940" y="892"/>
+                </a:cubicBezTo>
+                <a:cubicBezTo>
+                  <a:pt x="3966" y="918"/>
+                  <a:pt x="3968" y="946"/>
+                  <a:pt x="3968" y="1031"/>
+                </a:cubicBezTo>
+                <a:close/>
+                <a:moveTo>
+                  <a:pt x="4012" y="1031"/>
+                </a:moveTo>
+                <a:lnTo>
+                  <a:pt x="4012" y="1031"/>
+                </a:lnTo>
+                <a:cubicBezTo>
+                  <a:pt x="4012" y="944"/>
+                  <a:pt x="4012" y="904"/>
+                  <a:pt x="3974" y="866"/>
+                </a:cubicBezTo>
+                <a:cubicBezTo>
+                  <a:pt x="3946" y="839"/>
+                  <a:pt x="3910" y="824"/>
+                  <a:pt x="3870" y="824"/>
+                </a:cubicBezTo>
+                <a:cubicBezTo>
+                  <a:pt x="3829" y="824"/>
+                  <a:pt x="3793" y="839"/>
+                  <a:pt x="3766" y="866"/>
+                </a:cubicBezTo>
+                <a:cubicBezTo>
+                  <a:pt x="3727" y="904"/>
+                  <a:pt x="3727" y="944"/>
+                  <a:pt x="3727" y="1031"/>
+                </a:cubicBezTo>
+                <a:cubicBezTo>
+                  <a:pt x="3727" y="1117"/>
+                  <a:pt x="3727" y="1157"/>
+                  <a:pt x="3766" y="1195"/>
+                </a:cubicBezTo>
+                <a:cubicBezTo>
+                  <a:pt x="3793" y="1223"/>
+                  <a:pt x="3829" y="1237"/>
+                  <a:pt x="3870" y="1237"/>
+                </a:cubicBezTo>
+                <a:cubicBezTo>
+                  <a:pt x="3910" y="1237"/>
+                  <a:pt x="3946" y="1223"/>
+                  <a:pt x="3974" y="1195"/>
+                </a:cubicBezTo>
+                <a:cubicBezTo>
+                  <a:pt x="4012" y="1157"/>
+                  <a:pt x="4012" y="1117"/>
+                  <a:pt x="4012" y="1031"/>
+                </a:cubicBezTo>
+                <a:close/>
+                <a:moveTo>
+                  <a:pt x="3611" y="947"/>
+                </a:moveTo>
+                <a:lnTo>
+                  <a:pt x="3611" y="947"/>
+                </a:lnTo>
+                <a:cubicBezTo>
+                  <a:pt x="3611" y="1000"/>
+                  <a:pt x="3576" y="1028"/>
+                  <a:pt x="3525" y="1028"/>
+                </a:cubicBezTo>
+                <a:lnTo>
+                  <a:pt x="3421" y="1028"/>
+                </a:lnTo>
+                <a:lnTo>
+                  <a:pt x="3421" y="866"/>
+                </a:lnTo>
+                <a:lnTo>
+                  <a:pt x="3525" y="866"/>
+                </a:lnTo>
+                <a:cubicBezTo>
+                  <a:pt x="3576" y="866"/>
+                  <a:pt x="3611" y="893"/>
+                  <a:pt x="3611" y="947"/>
+                </a:cubicBezTo>
+                <a:close/>
+                <a:moveTo>
+                  <a:pt x="3654" y="947"/>
+                </a:moveTo>
+                <a:lnTo>
+                  <a:pt x="3654" y="947"/>
+                </a:lnTo>
+                <a:cubicBezTo>
+                  <a:pt x="3654" y="874"/>
+                  <a:pt x="3603" y="827"/>
+                  <a:pt x="3529" y="827"/>
+                </a:cubicBezTo>
+                <a:lnTo>
+                  <a:pt x="3377" y="827"/>
+                </a:lnTo>
+                <a:lnTo>
+                  <a:pt x="3377" y="1234"/>
+                </a:lnTo>
+                <a:lnTo>
+                  <a:pt x="3421" y="1234"/>
+                </a:lnTo>
+                <a:lnTo>
+                  <a:pt x="3421" y="1067"/>
+                </a:lnTo>
+                <a:lnTo>
+                  <a:pt x="3529" y="1067"/>
+                </a:lnTo>
+                <a:cubicBezTo>
+                  <a:pt x="3603" y="1067"/>
+                  <a:pt x="3654" y="1020"/>
+                  <a:pt x="3654" y="947"/>
+                </a:cubicBezTo>
+                <a:close/>
+                <a:moveTo>
+                  <a:pt x="3271" y="1100"/>
+                </a:moveTo>
+                <a:lnTo>
+                  <a:pt x="3271" y="1100"/>
+                </a:lnTo>
+                <a:lnTo>
+                  <a:pt x="3271" y="827"/>
+                </a:lnTo>
+                <a:lnTo>
+                  <a:pt x="3228" y="827"/>
+                </a:lnTo>
+                <a:lnTo>
+                  <a:pt x="3228" y="1096"/>
+                </a:lnTo>
+                <a:cubicBezTo>
+                  <a:pt x="3228" y="1158"/>
+                  <a:pt x="3189" y="1199"/>
+                  <a:pt x="3129" y="1199"/>
+                </a:cubicBezTo>
+                <a:cubicBezTo>
+                  <a:pt x="3070" y="1199"/>
+                  <a:pt x="3031" y="1158"/>
+                  <a:pt x="3031" y="1096"/>
+                </a:cubicBezTo>
+                <a:lnTo>
+                  <a:pt x="3031" y="827"/>
+                </a:lnTo>
+                <a:lnTo>
+                  <a:pt x="2988" y="827"/>
+                </a:lnTo>
+                <a:lnTo>
+                  <a:pt x="2988" y="1100"/>
+                </a:lnTo>
+                <a:cubicBezTo>
+                  <a:pt x="2988" y="1181"/>
+                  <a:pt x="3047" y="1237"/>
+                  <a:pt x="3129" y="1237"/>
+                </a:cubicBezTo>
+                <a:cubicBezTo>
+                  <a:pt x="3211" y="1237"/>
+                  <a:pt x="3271" y="1181"/>
+                  <a:pt x="3271" y="1100"/>
+                </a:cubicBezTo>
+                <a:close/>
+                <a:moveTo>
+                  <a:pt x="2846" y="941"/>
+                </a:moveTo>
+                <a:lnTo>
+                  <a:pt x="2846" y="941"/>
+                </a:lnTo>
+                <a:cubicBezTo>
+                  <a:pt x="2846" y="991"/>
+                  <a:pt x="2812" y="1015"/>
+                  <a:pt x="2765" y="1015"/>
+                </a:cubicBezTo>
+                <a:lnTo>
+                  <a:pt x="2657" y="1015"/>
+                </a:lnTo>
+                <a:lnTo>
+                  <a:pt x="2657" y="866"/>
+                </a:lnTo>
+                <a:lnTo>
+                  <a:pt x="2765" y="866"/>
+                </a:lnTo>
+                <a:cubicBezTo>
+                  <a:pt x="2812" y="866"/>
+                  <a:pt x="2846" y="891"/>
+                  <a:pt x="2846" y="941"/>
+                </a:cubicBezTo>
+                <a:close/>
+                <a:moveTo>
+                  <a:pt x="2897" y="1234"/>
+                </a:moveTo>
+                <a:lnTo>
+                  <a:pt x="2897" y="1234"/>
+                </a:lnTo>
+                <a:lnTo>
+                  <a:pt x="2801" y="1049"/>
+                </a:lnTo>
+                <a:cubicBezTo>
+                  <a:pt x="2854" y="1039"/>
+                  <a:pt x="2890" y="1000"/>
+                  <a:pt x="2890" y="940"/>
+                </a:cubicBezTo>
+                <a:cubicBezTo>
+                  <a:pt x="2890" y="870"/>
+                  <a:pt x="2840" y="827"/>
+                  <a:pt x="2769" y="827"/>
+                </a:cubicBezTo>
+                <a:lnTo>
+                  <a:pt x="2613" y="827"/>
+                </a:lnTo>
+                <a:lnTo>
+                  <a:pt x="2613" y="1234"/>
+                </a:lnTo>
+                <a:lnTo>
+                  <a:pt x="2657" y="1234"/>
+                </a:lnTo>
+                <a:lnTo>
+                  <a:pt x="2657" y="1053"/>
+                </a:lnTo>
+                <a:lnTo>
+                  <a:pt x="2754" y="1053"/>
+                </a:lnTo>
+                <a:lnTo>
+                  <a:pt x="2847" y="1234"/>
+                </a:lnTo>
+                <a:lnTo>
+                  <a:pt x="2897" y="1234"/>
+                </a:lnTo>
+                <a:close/>
+                <a:moveTo>
+                  <a:pt x="2495" y="1085"/>
+                </a:moveTo>
+                <a:lnTo>
+                  <a:pt x="2495" y="1085"/>
+                </a:lnTo>
+                <a:lnTo>
+                  <a:pt x="2495" y="1021"/>
+                </a:lnTo>
+                <a:lnTo>
+                  <a:pt x="2352" y="1021"/>
+                </a:lnTo>
+                <a:lnTo>
+                  <a:pt x="2352" y="1059"/>
+                </a:lnTo>
+                <a:lnTo>
+                  <a:pt x="2452" y="1059"/>
+                </a:lnTo>
+                <a:lnTo>
+                  <a:pt x="2452" y="1090"/>
+                </a:lnTo>
+                <a:cubicBezTo>
+                  <a:pt x="2452" y="1121"/>
+                  <a:pt x="2445" y="1144"/>
+                  <a:pt x="2429" y="1164"/>
+                </a:cubicBezTo>
+                <a:cubicBezTo>
+                  <a:pt x="2410" y="1187"/>
+                  <a:pt x="2381" y="1199"/>
+                  <a:pt x="2352" y="1199"/>
+                </a:cubicBezTo>
+                <a:cubicBezTo>
+                  <a:pt x="2325" y="1199"/>
+                  <a:pt x="2299" y="1188"/>
+                  <a:pt x="2281" y="1170"/>
+                </a:cubicBezTo>
+                <a:cubicBezTo>
+                  <a:pt x="2256" y="1144"/>
+                  <a:pt x="2253" y="1116"/>
+                  <a:pt x="2253" y="1031"/>
+                </a:cubicBezTo>
+                <a:cubicBezTo>
+                  <a:pt x="2253" y="946"/>
+                  <a:pt x="2256" y="918"/>
+                  <a:pt x="2281" y="892"/>
+                </a:cubicBezTo>
+                <a:cubicBezTo>
+                  <a:pt x="2299" y="874"/>
+                  <a:pt x="2325" y="863"/>
+                  <a:pt x="2352" y="863"/>
+                </a:cubicBezTo>
+                <a:cubicBezTo>
+                  <a:pt x="2403" y="863"/>
+                  <a:pt x="2439" y="894"/>
+                  <a:pt x="2450" y="946"/>
+                </a:cubicBezTo>
+                <a:lnTo>
+                  <a:pt x="2494" y="946"/>
+                </a:lnTo>
+                <a:cubicBezTo>
+                  <a:pt x="2482" y="874"/>
+                  <a:pt x="2429" y="824"/>
+                  <a:pt x="2352" y="824"/>
+                </a:cubicBezTo>
+                <a:cubicBezTo>
+                  <a:pt x="2311" y="824"/>
+                  <a:pt x="2275" y="839"/>
+                  <a:pt x="2248" y="866"/>
+                </a:cubicBezTo>
+                <a:cubicBezTo>
+                  <a:pt x="2210" y="904"/>
+                  <a:pt x="2210" y="944"/>
+                  <a:pt x="2210" y="1031"/>
+                </a:cubicBezTo>
+                <a:cubicBezTo>
+                  <a:pt x="2210" y="1117"/>
+                  <a:pt x="2210" y="1157"/>
+                  <a:pt x="2248" y="1195"/>
+                </a:cubicBezTo>
+                <a:cubicBezTo>
+                  <a:pt x="2275" y="1223"/>
+                  <a:pt x="2312" y="1237"/>
+                  <a:pt x="2352" y="1237"/>
+                </a:cubicBezTo>
+                <a:cubicBezTo>
+                  <a:pt x="2393" y="1237"/>
+                  <a:pt x="2432" y="1221"/>
+                  <a:pt x="2460" y="1191"/>
+                </a:cubicBezTo>
+                <a:cubicBezTo>
+                  <a:pt x="2485" y="1164"/>
+                  <a:pt x="2495" y="1132"/>
+                  <a:pt x="2495" y="1085"/>
+                </a:cubicBezTo>
+                <a:close/>
+                <a:moveTo>
+                  <a:pt x="1311" y="592"/>
+                </a:moveTo>
+                <a:lnTo>
+                  <a:pt x="1311" y="592"/>
+                </a:lnTo>
+                <a:cubicBezTo>
+                  <a:pt x="1311" y="505"/>
+                  <a:pt x="1243" y="442"/>
+                  <a:pt x="1184" y="384"/>
+                </a:cubicBezTo>
+                <a:cubicBezTo>
+                  <a:pt x="1126" y="325"/>
+                  <a:pt x="1069" y="263"/>
+                  <a:pt x="982" y="263"/>
+                </a:cubicBezTo>
+                <a:cubicBezTo>
+                  <a:pt x="930" y="263"/>
+                  <a:pt x="881" y="287"/>
+                  <a:pt x="838" y="330"/>
+                </a:cubicBezTo>
+                <a:lnTo>
+                  <a:pt x="696" y="472"/>
+                </a:lnTo>
+                <a:lnTo>
+                  <a:pt x="1102" y="878"/>
+                </a:lnTo>
+                <a:lnTo>
+                  <a:pt x="1244" y="735"/>
+                </a:lnTo>
+                <a:cubicBezTo>
+                  <a:pt x="1286" y="693"/>
+                  <a:pt x="1311" y="644"/>
+                  <a:pt x="1311" y="592"/>
+                </a:cubicBezTo>
+                <a:close/>
+                <a:moveTo>
+                  <a:pt x="963" y="930"/>
+                </a:moveTo>
+                <a:lnTo>
+                  <a:pt x="963" y="930"/>
+                </a:lnTo>
+                <a:cubicBezTo>
+                  <a:pt x="961" y="878"/>
+                  <a:pt x="939" y="837"/>
+                  <a:pt x="893" y="791"/>
+                </a:cubicBezTo>
+                <a:lnTo>
+                  <a:pt x="828" y="726"/>
+                </a:lnTo>
+                <a:lnTo>
+                  <a:pt x="685" y="869"/>
+                </a:lnTo>
+                <a:lnTo>
+                  <a:pt x="723" y="907"/>
+                </a:lnTo>
+                <a:lnTo>
+                  <a:pt x="823" y="808"/>
+                </a:lnTo>
+                <a:lnTo>
+                  <a:pt x="854" y="838"/>
+                </a:lnTo>
+                <a:cubicBezTo>
+                  <a:pt x="885" y="870"/>
+                  <a:pt x="901" y="898"/>
+                  <a:pt x="905" y="935"/>
+                </a:cubicBezTo>
+                <a:cubicBezTo>
+                  <a:pt x="909" y="976"/>
+                  <a:pt x="892" y="1017"/>
+                  <a:pt x="863" y="1046"/>
+                </a:cubicBezTo>
+                <a:cubicBezTo>
+                  <a:pt x="836" y="1073"/>
+                  <a:pt x="800" y="1089"/>
+                  <a:pt x="764" y="1088"/>
+                </a:cubicBezTo>
+                <a:cubicBezTo>
+                  <a:pt x="712" y="1087"/>
+                  <a:pt x="681" y="1062"/>
+                  <a:pt x="596" y="977"/>
+                </a:cubicBezTo>
+                <a:cubicBezTo>
+                  <a:pt x="511" y="893"/>
+                  <a:pt x="487" y="862"/>
+                  <a:pt x="486" y="810"/>
+                </a:cubicBezTo>
+                <a:cubicBezTo>
+                  <a:pt x="486" y="775"/>
+                  <a:pt x="501" y="738"/>
+                  <a:pt x="527" y="711"/>
+                </a:cubicBezTo>
+                <a:cubicBezTo>
+                  <a:pt x="578" y="661"/>
+                  <a:pt x="646" y="655"/>
+                  <a:pt x="709" y="695"/>
+                </a:cubicBezTo>
+                <a:lnTo>
+                  <a:pt x="752" y="652"/>
+                </a:lnTo>
+                <a:cubicBezTo>
+                  <a:pt x="669" y="593"/>
+                  <a:pt x="566" y="595"/>
+                  <a:pt x="489" y="673"/>
+                </a:cubicBezTo>
+                <a:cubicBezTo>
+                  <a:pt x="448" y="713"/>
+                  <a:pt x="427" y="764"/>
+                  <a:pt x="427" y="818"/>
+                </a:cubicBezTo>
+                <a:cubicBezTo>
+                  <a:pt x="427" y="895"/>
+                  <a:pt x="467" y="935"/>
+                  <a:pt x="553" y="1021"/>
+                </a:cubicBezTo>
+                <a:cubicBezTo>
+                  <a:pt x="639" y="1107"/>
+                  <a:pt x="679" y="1147"/>
+                  <a:pt x="755" y="1147"/>
+                </a:cubicBezTo>
+                <a:cubicBezTo>
+                  <a:pt x="810" y="1147"/>
+                  <a:pt x="861" y="1125"/>
+                  <a:pt x="901" y="1085"/>
+                </a:cubicBezTo>
+                <a:cubicBezTo>
+                  <a:pt x="943" y="1044"/>
+                  <a:pt x="965" y="989"/>
+                  <a:pt x="963" y="930"/>
+                </a:cubicBezTo>
+                <a:close/>
+                <a:moveTo>
+                  <a:pt x="1891" y="1126"/>
+                </a:moveTo>
+                <a:lnTo>
+                  <a:pt x="1891" y="1126"/>
+                </a:lnTo>
+                <a:lnTo>
+                  <a:pt x="1126" y="1891"/>
+                </a:lnTo>
+                <a:cubicBezTo>
+                  <a:pt x="1049" y="1968"/>
+                  <a:pt x="926" y="1970"/>
+                  <a:pt x="852" y="1896"/>
+                </a:cubicBezTo>
+                <a:lnTo>
+                  <a:pt x="73" y="1117"/>
+                </a:lnTo>
+                <a:cubicBezTo>
+                  <a:pt x="0" y="1043"/>
+                  <a:pt x="2" y="920"/>
+                  <a:pt x="78" y="843"/>
+                </a:cubicBezTo>
+                <a:lnTo>
+                  <a:pt x="843" y="78"/>
+                </a:lnTo>
+                <a:cubicBezTo>
+                  <a:pt x="920" y="2"/>
+                  <a:pt x="1043" y="0"/>
+                  <a:pt x="1117" y="73"/>
+                </a:cubicBezTo>
+                <a:lnTo>
+                  <a:pt x="1896" y="852"/>
+                </a:lnTo>
+                <a:cubicBezTo>
+                  <a:pt x="1970" y="926"/>
+                  <a:pt x="1968" y="1049"/>
+                  <a:pt x="1891" y="1126"/>
+                </a:cubicBezTo>
+                <a:close/>
+                <a:moveTo>
+                  <a:pt x="1123" y="445"/>
+                </a:moveTo>
+                <a:lnTo>
+                  <a:pt x="1123" y="445"/>
+                </a:lnTo>
+                <a:cubicBezTo>
+                  <a:pt x="1179" y="501"/>
+                  <a:pt x="1222" y="546"/>
+                  <a:pt x="1224" y="590"/>
+                </a:cubicBezTo>
+                <a:cubicBezTo>
+                  <a:pt x="1226" y="626"/>
+                  <a:pt x="1212" y="657"/>
+                  <a:pt x="1183" y="686"/>
+                </a:cubicBezTo>
+                <a:lnTo>
+                  <a:pt x="1108" y="761"/>
+                </a:lnTo>
+                <a:lnTo>
+                  <a:pt x="813" y="466"/>
+                </a:lnTo>
+                <a:lnTo>
+                  <a:pt x="888" y="391"/>
+                </a:lnTo>
+                <a:cubicBezTo>
+                  <a:pt x="917" y="362"/>
+                  <a:pt x="948" y="348"/>
+                  <a:pt x="984" y="350"/>
+                </a:cubicBezTo>
+                <a:cubicBezTo>
+                  <a:pt x="1028" y="352"/>
+                  <a:pt x="1067" y="389"/>
+                  <a:pt x="1123" y="445"/>
+                </a:cubicBezTo>
+                <a:close/>
+              </a:path>
+            </a:pathLst>
+          </a:custGeom>
+          <a:solidFill>
+            <a:srgbClr val="FFFFFF"/>
+          </a:solidFill>
+          <a:ln w="0">
+            <a:noFill/>
+            <a:prstDash val="solid"/>
+            <a:round/>
+            <a:headEnd/>
+            <a:tailEnd/>
+          </a:ln>
+        </p:spPr>
+        <p:txBody>
+          <a:bodyPr vert="horz" wrap="square" lIns="91440" tIns="45720" rIns="91440" bIns="45720" numCol="1" anchor="t" anchorCtr="0" compatLnSpc="1">
+            <a:prstTxWarp prst="textNoShape">
+              <a:avLst/>
+            </a:prstTxWarp>
+          </a:bodyPr>
+          <a:lstStyle/>
+          <a:p>
+            <a:endParaRPr lang="es-CL" dirty="0"/>
+          </a:p>
+        </p:txBody>
+      </p:sp>
+      <p:pic>
+        <p:nvPicPr>
+          <p:cNvPr id="6" name="Imagen 5">
+            <a:extLst>
+              <a:ext uri="{FF2B5EF4-FFF2-40B4-BE49-F238E27FC236}">
+                <a16:creationId xmlns:a16="http://schemas.microsoft.com/office/drawing/2014/main" id="{A5FD1A8A-DBFB-4FA1-B033-6DFE2E15F920}"/>
+              </a:ext>
+            </a:extLst>
+          </p:cNvPr>
+          <p:cNvPicPr>
+            <a:picLocks noChangeAspect="1"/>
+          </p:cNvPicPr>
+          <p:nvPr/>
+        </p:nvPicPr>
+        <p:blipFill>
+          <a:blip r:embed="rId3"/>
+          <a:srcRect/>
+          <a:stretch/>
+        </p:blipFill>
+        <p:spPr>
+          <a:xfrm>
+            <a:off x="3856143" y="3466242"/>
+            <a:ext cx="2134393" cy="1622139"/>
+          </a:xfrm>
+          <a:prstGeom prst="rect">
+            <a:avLst/>
+          </a:prstGeom>
+        </p:spPr>
+      </p:pic>
+    </p:spTree>
+    <p:extLst>
+      <p:ext uri="{BB962C8B-B14F-4D97-AF65-F5344CB8AC3E}">
+        <p14:creationId xmlns:p14="http://schemas.microsoft.com/office/powerpoint/2010/main" val="2607398667"/>
+      </p:ext>
+    </p:extLst>
+  </p:cSld>
+  <p:clrMapOvr>
+    <a:masterClrMapping/>
+  </p:clrMapOvr>
+  <mc:AlternateContent xmlns:mc="http://schemas.openxmlformats.org/markup-compatibility/2006">
+    <mc:Choice xmlns:p159="http://schemas.microsoft.com/office/powerpoint/2015/09/main" Requires="p159">
+      <p:transition xmlns:p14="http://schemas.microsoft.com/office/powerpoint/2010/main" spd="slow" p14:dur="2000">
+        <p159:morph option="byObject"/>
+      </p:transition>
+    </mc:Choice>
+    <mc:Fallback>
+      <p:transition spd="slow">
+        <p:fade/>
+      </p:transition>
+    </mc:Fallback>
+  </mc:AlternateContent>
+</p:sld>
+</file>
+
+<file path=ppt/slides/slide2.xml><?xml version="1.0" encoding="utf-8"?>
 <p:sld xmlns:a="http://schemas.openxmlformats.org/drawingml/2006/main" xmlns:r="http://schemas.openxmlformats.org/officeDocument/2006/relationships" xmlns:p="http://schemas.openxmlformats.org/presentationml/2006/main">
   <p:cSld>
     <p:spTree>
@@ -6165,7 +7820,7 @@
         </p:blipFill>
         <p:spPr>
           <a:xfrm>
-            <a:off x="2947685" y="2056343"/>
+            <a:off x="2965441" y="2056343"/>
             <a:ext cx="3579426" cy="3257944"/>
           </a:xfrm>
           <a:prstGeom prst="rect">
@@ -6219,10 +7874,22 @@
   <p:clrMapOvr>
     <a:masterClrMapping/>
   </p:clrMapOvr>
+  <mc:AlternateContent xmlns:mc="http://schemas.openxmlformats.org/markup-compatibility/2006">
+    <mc:Choice xmlns:p159="http://schemas.microsoft.com/office/powerpoint/2015/09/main" Requires="p159">
+      <p:transition xmlns:p14="http://schemas.microsoft.com/office/powerpoint/2010/main" spd="slow" p14:dur="2000">
+        <p159:morph option="byObject"/>
+      </p:transition>
+    </mc:Choice>
+    <mc:Fallback>
+      <p:transition spd="slow">
+        <p:fade/>
+      </p:transition>
+    </mc:Fallback>
+  </mc:AlternateContent>
 </p:sld>
 </file>
 
-<file path=ppt/slides/slide6.xml><?xml version="1.0" encoding="utf-8"?>
+<file path=ppt/slides/slide3.xml><?xml version="1.0" encoding="utf-8"?>
 <p:sld xmlns:a="http://schemas.openxmlformats.org/drawingml/2006/main" xmlns:r="http://schemas.openxmlformats.org/officeDocument/2006/relationships" xmlns:p="http://schemas.openxmlformats.org/presentationml/2006/main">
   <p:cSld>
     <p:spTree>
@@ -6355,8 +8022,8 @@
         </p:nvSpPr>
         <p:spPr>
           <a:xfrm>
-            <a:off x="3226827" y="1701265"/>
-            <a:ext cx="8692561" cy="3785652"/>
+            <a:off x="3226827" y="991975"/>
+            <a:ext cx="6050338" cy="2677656"/>
           </a:xfrm>
           <a:prstGeom prst="rect">
             <a:avLst/>
@@ -6372,61 +8039,68 @@
             <a:pPr algn="just"/>
             <a:r>
               <a:rPr lang="es-ES" sz="2400" dirty="0"/>
-              <a:t>Paso 1: Configurar un servidor para que actúe como broker.</a:t>
-            </a:r>
-          </a:p>
-          <a:p>
-            <a:pPr algn="just"/>
-            <a:r>
-              <a:rPr lang="es-ES" sz="2400" dirty="0"/>
-              <a:t>Paso 2: Programar el ESP32</a:t>
-            </a:r>
-            <a:r>
-              <a:rPr lang="es-CL" sz="2400" dirty="0"/>
-              <a:t> para:</a:t>
-            </a:r>
-            <a:endParaRPr lang="es-ES" sz="2400" dirty="0"/>
-          </a:p>
-          <a:p>
-            <a:pPr marL="800100" lvl="1" indent="-342900" algn="just">
+              <a:t>Lenguajes de programación: </a:t>
+            </a:r>
+          </a:p>
+          <a:p>
+            <a:pPr marL="342900" indent="-342900" algn="just">
               <a:buFont typeface="Arial" panose="020B0604020202020204" pitchFamily="34" charset="0"/>
               <a:buChar char="•"/>
             </a:pPr>
             <a:r>
               <a:rPr lang="es-ES" sz="2400" dirty="0"/>
-              <a:t>Enviar temperaturas al servidor utilizando la Termocupla con el MAXIM6675.</a:t>
-            </a:r>
-          </a:p>
-          <a:p>
-            <a:pPr marL="800100" lvl="1" indent="-342900" algn="just">
+              <a:t>Lenguaje C (Arduino)</a:t>
+            </a:r>
+          </a:p>
+          <a:p>
+            <a:pPr marL="342900" indent="-342900" algn="just">
               <a:buFont typeface="Arial" panose="020B0604020202020204" pitchFamily="34" charset="0"/>
               <a:buChar char="•"/>
             </a:pPr>
             <a:r>
               <a:rPr lang="es-ES" sz="2400" dirty="0"/>
-              <a:t>Recibir datos desde el servidor para cambiar el estado del relé.</a:t>
-            </a:r>
-            <a:endParaRPr lang="es-CL" sz="2400" dirty="0"/>
-          </a:p>
-          <a:p>
-            <a:pPr algn="just"/>
-            <a:r>
-              <a:rPr lang="es-CL" sz="2400" dirty="0"/>
-              <a:t>Paso 3: Crear una plataforma de administración y monitoreo para el envío y la recepción de datos desde el servidor.</a:t>
-            </a:r>
-          </a:p>
-          <a:p>
-            <a:pPr algn="just"/>
-            <a:r>
-              <a:rPr lang="es-CL" sz="2400" dirty="0"/>
-              <a:t>Paso 4: Conectar el ESP32 con una base de datos.</a:t>
-            </a:r>
-          </a:p>
-          <a:p>
-            <a:pPr algn="just"/>
-            <a:r>
-              <a:rPr lang="es-CL" sz="2400" dirty="0"/>
-              <a:t>Paso 5: Graficar la tendencia de las temperaturas en la plataforma.</a:t>
+              <a:t>HTML5</a:t>
+            </a:r>
+          </a:p>
+          <a:p>
+            <a:pPr marL="342900" indent="-342900" algn="just">
+              <a:buFont typeface="Arial" panose="020B0604020202020204" pitchFamily="34" charset="0"/>
+              <a:buChar char="•"/>
+            </a:pPr>
+            <a:r>
+              <a:rPr lang="es-ES" sz="2400" dirty="0"/>
+              <a:t>CSS</a:t>
+            </a:r>
+          </a:p>
+          <a:p>
+            <a:pPr marL="342900" indent="-342900" algn="just">
+              <a:buFont typeface="Arial" panose="020B0604020202020204" pitchFamily="34" charset="0"/>
+              <a:buChar char="•"/>
+            </a:pPr>
+            <a:r>
+              <a:rPr lang="es-ES" sz="2400" dirty="0" err="1"/>
+              <a:t>Javascript</a:t>
+            </a:r>
+            <a:endParaRPr lang="es-ES" sz="2400" dirty="0"/>
+          </a:p>
+          <a:p>
+            <a:pPr marL="342900" indent="-342900" algn="just">
+              <a:buFont typeface="Arial" panose="020B0604020202020204" pitchFamily="34" charset="0"/>
+              <a:buChar char="•"/>
+            </a:pPr>
+            <a:r>
+              <a:rPr lang="es-ES" sz="2400" dirty="0"/>
+              <a:t>PHP</a:t>
+            </a:r>
+          </a:p>
+          <a:p>
+            <a:pPr marL="342900" indent="-342900" algn="just">
+              <a:buFont typeface="Arial" panose="020B0604020202020204" pitchFamily="34" charset="0"/>
+              <a:buChar char="•"/>
+            </a:pPr>
+            <a:r>
+              <a:rPr lang="es-ES" sz="2400" dirty="0"/>
+              <a:t>Python</a:t>
             </a:r>
           </a:p>
         </p:txBody>
@@ -6498,8 +8172,8 @@
         </p:nvSpPr>
         <p:spPr>
           <a:xfrm>
-            <a:off x="4625578" y="956603"/>
-            <a:ext cx="5895058" cy="584775"/>
+            <a:off x="4355449" y="158626"/>
+            <a:ext cx="6670779" cy="584775"/>
           </a:xfrm>
           <a:prstGeom prst="rect">
             <a:avLst/>
@@ -6515,26 +8189,173 @@
             <a:pPr algn="ctr"/>
             <a:r>
               <a:rPr lang="es-ES" sz="3200" b="1" dirty="0"/>
-              <a:t>¿Qué fue lo que se hizo y cómo?</a:t>
+              <a:t>Herramientas utilizadas</a:t>
             </a:r>
             <a:endParaRPr lang="es-CL" sz="3200" b="1" dirty="0"/>
+          </a:p>
+        </p:txBody>
+      </p:sp>
+      <p:sp>
+        <p:nvSpPr>
+          <p:cNvPr id="7" name="CuadroTexto 6">
+            <a:extLst>
+              <a:ext uri="{FF2B5EF4-FFF2-40B4-BE49-F238E27FC236}">
+                <a16:creationId xmlns:a16="http://schemas.microsoft.com/office/drawing/2014/main" id="{A7F186D1-59D3-41BF-82B4-CD5CA3F53A40}"/>
+              </a:ext>
+            </a:extLst>
+          </p:cNvPr>
+          <p:cNvSpPr txBox="1"/>
+          <p:nvPr/>
+        </p:nvSpPr>
+        <p:spPr>
+          <a:xfrm>
+            <a:off x="7690838" y="991975"/>
+            <a:ext cx="4160851" cy="2677656"/>
+          </a:xfrm>
+          <a:prstGeom prst="rect">
+            <a:avLst/>
+          </a:prstGeom>
+          <a:noFill/>
+        </p:spPr>
+        <p:txBody>
+          <a:bodyPr wrap="square" rtlCol="0">
+            <a:spAutoFit/>
+          </a:bodyPr>
+          <a:lstStyle/>
+          <a:p>
+            <a:pPr algn="just"/>
+            <a:r>
+              <a:rPr lang="es-ES" sz="2400" dirty="0"/>
+              <a:t>Dispositivos utilizados:</a:t>
+            </a:r>
+          </a:p>
+          <a:p>
+            <a:pPr marL="342900" indent="-342900" algn="just">
+              <a:buFont typeface="Arial" panose="020B0604020202020204" pitchFamily="34" charset="0"/>
+              <a:buChar char="•"/>
+            </a:pPr>
+            <a:r>
+              <a:rPr lang="es-ES" sz="2400" dirty="0"/>
+              <a:t>ESP32</a:t>
+            </a:r>
+          </a:p>
+          <a:p>
+            <a:pPr marL="342900" indent="-342900" algn="just">
+              <a:buFont typeface="Arial" panose="020B0604020202020204" pitchFamily="34" charset="0"/>
+              <a:buChar char="•"/>
+            </a:pPr>
+            <a:r>
+              <a:rPr lang="es-ES" sz="2400" dirty="0"/>
+              <a:t>MAXIM6675</a:t>
+            </a:r>
+          </a:p>
+          <a:p>
+            <a:pPr marL="342900" indent="-342900" algn="just">
+              <a:buFont typeface="Arial" panose="020B0604020202020204" pitchFamily="34" charset="0"/>
+              <a:buChar char="•"/>
+            </a:pPr>
+            <a:r>
+              <a:rPr lang="es-ES" sz="2400" dirty="0"/>
+              <a:t>Termocupla tipo K</a:t>
+            </a:r>
+          </a:p>
+          <a:p>
+            <a:pPr marL="342900" indent="-342900" algn="just">
+              <a:buFont typeface="Arial" panose="020B0604020202020204" pitchFamily="34" charset="0"/>
+              <a:buChar char="•"/>
+            </a:pPr>
+            <a:r>
+              <a:rPr lang="es-ES" sz="2400" dirty="0"/>
+              <a:t>Relé</a:t>
+            </a:r>
+          </a:p>
+          <a:p>
+            <a:pPr marL="342900" indent="-342900" algn="just">
+              <a:buFont typeface="Arial" panose="020B0604020202020204" pitchFamily="34" charset="0"/>
+              <a:buChar char="•"/>
+            </a:pPr>
+            <a:r>
+              <a:rPr lang="es-ES" sz="2400" dirty="0"/>
+              <a:t>Servidor en dirección: 190.110.108.59</a:t>
+            </a:r>
+          </a:p>
+        </p:txBody>
+      </p:sp>
+      <p:sp>
+        <p:nvSpPr>
+          <p:cNvPr id="2" name="TextBox 1">
+            <a:extLst>
+              <a:ext uri="{FF2B5EF4-FFF2-40B4-BE49-F238E27FC236}">
+                <a16:creationId xmlns:a16="http://schemas.microsoft.com/office/drawing/2014/main" id="{56F65B05-A19B-43DA-AEA8-7A597283F309}"/>
+              </a:ext>
+            </a:extLst>
+          </p:cNvPr>
+          <p:cNvSpPr txBox="1"/>
+          <p:nvPr/>
+        </p:nvSpPr>
+        <p:spPr>
+          <a:xfrm>
+            <a:off x="3226827" y="3918205"/>
+            <a:ext cx="6161103" cy="1107996"/>
+          </a:xfrm>
+          <a:prstGeom prst="rect">
+            <a:avLst/>
+          </a:prstGeom>
+          <a:noFill/>
+        </p:spPr>
+        <p:txBody>
+          <a:bodyPr wrap="square" rtlCol="0">
+            <a:spAutoFit/>
+          </a:bodyPr>
+          <a:lstStyle/>
+          <a:p>
+            <a:pPr algn="just"/>
+            <a:r>
+              <a:rPr lang="es-ES" sz="2400" dirty="0"/>
+              <a:t>Sistema de administración de bases de datos:</a:t>
+            </a:r>
+          </a:p>
+          <a:p>
+            <a:pPr marL="342900" indent="-342900" algn="just">
+              <a:buFont typeface="Arial" panose="020B0604020202020204" pitchFamily="34" charset="0"/>
+              <a:buChar char="•"/>
+            </a:pPr>
+            <a:r>
+              <a:rPr lang="es-ES" sz="2400" dirty="0"/>
+              <a:t>MySQL</a:t>
+            </a:r>
+          </a:p>
+          <a:p>
+            <a:endParaRPr lang="es-ES" dirty="0"/>
           </a:p>
         </p:txBody>
       </p:sp>
     </p:spTree>
     <p:extLst>
       <p:ext uri="{BB962C8B-B14F-4D97-AF65-F5344CB8AC3E}">
-        <p14:creationId xmlns:p14="http://schemas.microsoft.com/office/powerpoint/2010/main" val="3025363573"/>
+        <p14:creationId xmlns:p14="http://schemas.microsoft.com/office/powerpoint/2010/main" val="1773131349"/>
       </p:ext>
     </p:extLst>
   </p:cSld>
   <p:clrMapOvr>
     <a:masterClrMapping/>
   </p:clrMapOvr>
+  <mc:AlternateContent xmlns:mc="http://schemas.openxmlformats.org/markup-compatibility/2006">
+    <mc:Choice xmlns:p159="http://schemas.microsoft.com/office/powerpoint/2015/09/main" Requires="p159">
+      <p:transition xmlns:p14="http://schemas.microsoft.com/office/powerpoint/2010/main" spd="slow" p14:dur="2000">
+        <p159:morph option="byObject"/>
+      </p:transition>
+    </mc:Choice>
+    <mc:Fallback>
+      <p:transition spd="slow">
+        <p:fade/>
+      </p:transition>
+    </mc:Fallback>
+  </mc:AlternateContent>
 </p:sld>
 </file>
 
-<file path=ppt/slides/slide7.xml><?xml version="1.0" encoding="utf-8"?>
+<file path=ppt/slides/slide4.xml><?xml version="1.0" encoding="utf-8"?>
 <p:sld xmlns:a="http://schemas.openxmlformats.org/drawingml/2006/main" xmlns:r="http://schemas.openxmlformats.org/officeDocument/2006/relationships" xmlns:p="http://schemas.openxmlformats.org/presentationml/2006/main">
   <p:cSld>
     <p:spTree>
@@ -6556,7 +8377,7 @@
           <p:cNvPr id="4" name="Rectángulo 3">
             <a:extLst>
               <a:ext uri="{FF2B5EF4-FFF2-40B4-BE49-F238E27FC236}">
-                <a16:creationId xmlns:a16="http://schemas.microsoft.com/office/drawing/2014/main" id="{5A9AF112-E561-4D1C-9BEF-E52EF103FBD9}"/>
+                <a16:creationId xmlns:a16="http://schemas.microsoft.com/office/drawing/2014/main" id="{696AA7AA-8563-4D9C-AE86-CAF72F930CED}"/>
               </a:ext>
             </a:extLst>
           </p:cNvPr>
@@ -6628,7 +8449,7 @@
           <p:cNvPr id="5" name="Imagen 4">
             <a:extLst>
               <a:ext uri="{FF2B5EF4-FFF2-40B4-BE49-F238E27FC236}">
-                <a16:creationId xmlns:a16="http://schemas.microsoft.com/office/drawing/2014/main" id="{ABED8ECB-9EF6-419F-9111-D383B376614C}"/>
+                <a16:creationId xmlns:a16="http://schemas.microsoft.com/office/drawing/2014/main" id="{756320FF-D4BD-4F17-A679-F4092C00011D}"/>
               </a:ext>
             </a:extLst>
           </p:cNvPr>
@@ -6638,7 +8459,7 @@
           <p:nvPr/>
         </p:nvPicPr>
         <p:blipFill>
-          <a:blip r:embed="rId2"/>
+          <a:blip r:embed="rId3"/>
           <a:stretch>
             <a:fillRect/>
           </a:stretch>
@@ -6655,10 +8476,10 @@
       </p:pic>
       <p:sp>
         <p:nvSpPr>
-          <p:cNvPr id="8" name="CuadroTexto 7">
+          <p:cNvPr id="7" name="CuadroTexto 6">
             <a:extLst>
               <a:ext uri="{FF2B5EF4-FFF2-40B4-BE49-F238E27FC236}">
-                <a16:creationId xmlns:a16="http://schemas.microsoft.com/office/drawing/2014/main" id="{E75E5CA2-2090-4EFA-A424-738AD8FAF512}"/>
+                <a16:creationId xmlns:a16="http://schemas.microsoft.com/office/drawing/2014/main" id="{4D0D0C0F-5C15-47C2-9D19-81BE24C346C6}"/>
               </a:ext>
             </a:extLst>
           </p:cNvPr>
@@ -6667,8 +8488,8 @@
         </p:nvSpPr>
         <p:spPr>
           <a:xfrm>
-            <a:off x="3226827" y="1701265"/>
-            <a:ext cx="3483462" cy="2308324"/>
+            <a:off x="585129" y="3274075"/>
+            <a:ext cx="1777427" cy="954107"/>
           </a:xfrm>
           <a:prstGeom prst="rect">
             <a:avLst/>
@@ -6676,75 +8497,25 @@
           <a:noFill/>
         </p:spPr>
         <p:txBody>
-          <a:bodyPr wrap="square" rtlCol="0">
+          <a:bodyPr wrap="square">
             <a:spAutoFit/>
           </a:bodyPr>
           <a:lstStyle/>
           <a:p>
-            <a:pPr marL="342900" indent="-342900" algn="just">
-              <a:buFont typeface="Arial" panose="020B0604020202020204" pitchFamily="34" charset="0"/>
-              <a:buChar char="•"/>
-            </a:pPr>
-            <a:r>
-              <a:rPr lang="es-ES" sz="2400" dirty="0"/>
-              <a:t>Lenguaje C (Arduino)</a:t>
-            </a:r>
-          </a:p>
-          <a:p>
-            <a:pPr marL="342900" indent="-342900" algn="just">
-              <a:buFont typeface="Arial" panose="020B0604020202020204" pitchFamily="34" charset="0"/>
-              <a:buChar char="•"/>
-            </a:pPr>
-            <a:r>
-              <a:rPr lang="es-ES" sz="2400" dirty="0" err="1"/>
-              <a:t>Javascript</a:t>
-            </a:r>
-            <a:endParaRPr lang="es-ES" sz="2400" dirty="0"/>
-          </a:p>
-          <a:p>
-            <a:pPr marL="342900" indent="-342900" algn="just">
-              <a:buFont typeface="Arial" panose="020B0604020202020204" pitchFamily="34" charset="0"/>
-              <a:buChar char="•"/>
-            </a:pPr>
-            <a:r>
-              <a:rPr lang="es-ES" sz="2400" dirty="0"/>
-              <a:t>PHP</a:t>
-            </a:r>
-          </a:p>
-          <a:p>
-            <a:pPr marL="342900" indent="-342900" algn="just">
-              <a:buFont typeface="Arial" panose="020B0604020202020204" pitchFamily="34" charset="0"/>
-              <a:buChar char="•"/>
-            </a:pPr>
-            <a:r>
-              <a:rPr lang="es-ES" sz="2400" dirty="0"/>
-              <a:t>HTML5</a:t>
-            </a:r>
-          </a:p>
-          <a:p>
-            <a:pPr marL="342900" indent="-342900" algn="just">
-              <a:buFont typeface="Arial" panose="020B0604020202020204" pitchFamily="34" charset="0"/>
-              <a:buChar char="•"/>
-            </a:pPr>
-            <a:r>
-              <a:rPr lang="es-ES" sz="2400" dirty="0"/>
-              <a:t>Python</a:t>
-            </a:r>
-          </a:p>
-          <a:p>
-            <a:pPr marL="342900" indent="-342900" algn="just">
-              <a:buFont typeface="Arial" panose="020B0604020202020204" pitchFamily="34" charset="0"/>
-              <a:buChar char="•"/>
-            </a:pPr>
-            <a:r>
-              <a:rPr lang="es-ES" sz="2400" dirty="0"/>
-              <a:t>MySQL/</a:t>
-            </a:r>
-            <a:r>
-              <a:rPr lang="es-ES" sz="2400" dirty="0" err="1"/>
-              <a:t>Mariadb</a:t>
-            </a:r>
-            <a:endParaRPr lang="es-ES" sz="2400" dirty="0"/>
+            <a:pPr algn="ctr"/>
+            <a:r>
+              <a:rPr lang="es-ES" sz="2800" b="1" dirty="0">
+                <a:solidFill>
+                  <a:schemeClr val="bg1"/>
+                </a:solidFill>
+              </a:rPr>
+              <a:t>Requisitos técnicos</a:t>
+            </a:r>
+            <a:endParaRPr lang="es-CL" sz="2800" b="1" dirty="0">
+              <a:solidFill>
+                <a:schemeClr val="bg1"/>
+              </a:solidFill>
+            </a:endParaRPr>
           </a:p>
         </p:txBody>
       </p:sp>
@@ -6753,7 +8524,7 @@
           <p:cNvPr id="9" name="CuadroTexto 8">
             <a:extLst>
               <a:ext uri="{FF2B5EF4-FFF2-40B4-BE49-F238E27FC236}">
-                <a16:creationId xmlns:a16="http://schemas.microsoft.com/office/drawing/2014/main" id="{BBC8A8D0-1CE9-49D2-B369-D9804A833420}"/>
+                <a16:creationId xmlns:a16="http://schemas.microsoft.com/office/drawing/2014/main" id="{ADE1A2BC-770E-4432-9B7F-0A6DC25EA35F}"/>
               </a:ext>
             </a:extLst>
           </p:cNvPr>
@@ -6762,8 +8533,8 @@
         </p:nvSpPr>
         <p:spPr>
           <a:xfrm>
-            <a:off x="272612" y="3165991"/>
-            <a:ext cx="2402461" cy="954107"/>
+            <a:off x="3093558" y="1271890"/>
+            <a:ext cx="8395566" cy="2841034"/>
           </a:xfrm>
           <a:prstGeom prst="rect">
             <a:avLst/>
@@ -6776,154 +8547,193 @@
           </a:bodyPr>
           <a:lstStyle/>
           <a:p>
-            <a:pPr algn="ctr"/>
-            <a:r>
-              <a:rPr lang="es-ES" sz="2800" b="1" dirty="0">
-                <a:solidFill>
-                  <a:schemeClr val="bg1"/>
-                </a:solidFill>
+            <a:pPr lvl="0" algn="just">
+              <a:lnSpc>
+                <a:spcPct val="107000"/>
+              </a:lnSpc>
+            </a:pPr>
+            <a:r>
+              <a:rPr lang="es-CL" sz="2400" dirty="0">
+                <a:effectLst/>
+                <a:ea typeface="Calibri" panose="020F0502020204030204" pitchFamily="34" charset="0"/>
+                <a:cs typeface="Times New Roman" panose="02020603050405020304" pitchFamily="18" charset="0"/>
               </a:rPr>
-              <a:t>Proyecto para </a:t>
-            </a:r>
-            <a:r>
-              <a:rPr lang="es-ES" sz="2800" b="1" dirty="0" err="1">
-                <a:solidFill>
-                  <a:schemeClr val="bg1"/>
-                </a:solidFill>
+              <a:t>Los siguientes son los requisitos técnicos que requirió el servidor</a:t>
+            </a:r>
+            <a:r>
+              <a:rPr lang="es-CL" sz="2400" dirty="0">
+                <a:ea typeface="Calibri" panose="020F0502020204030204" pitchFamily="34" charset="0"/>
+                <a:cs typeface="Times New Roman" panose="02020603050405020304" pitchFamily="18" charset="0"/>
               </a:rPr>
-              <a:t>Datco</a:t>
-            </a:r>
-            <a:endParaRPr lang="es-CL" sz="2800" b="1" dirty="0">
-              <a:solidFill>
-                <a:schemeClr val="bg1"/>
-              </a:solidFill>
-            </a:endParaRPr>
-          </a:p>
-        </p:txBody>
-      </p:sp>
-      <p:sp>
-        <p:nvSpPr>
-          <p:cNvPr id="10" name="CuadroTexto 9">
+              <a:t>:</a:t>
+            </a:r>
+          </a:p>
+          <a:p>
+            <a:pPr marL="342900" lvl="0" indent="-342900" algn="just">
+              <a:lnSpc>
+                <a:spcPct val="107000"/>
+              </a:lnSpc>
+              <a:buFont typeface="Arial" panose="020B0604020202020204" pitchFamily="34" charset="0"/>
+              <a:buChar char="•"/>
+            </a:pPr>
+            <a:r>
+              <a:rPr lang="es-CL" sz="2400" dirty="0">
+                <a:effectLst/>
+                <a:ea typeface="Calibri" panose="020F0502020204030204" pitchFamily="34" charset="0"/>
+                <a:cs typeface="Times New Roman" panose="02020603050405020304" pitchFamily="18" charset="0"/>
+              </a:rPr>
+              <a:t>CPU: Procesador de 64 bits a 2GHz (2 núcleos)</a:t>
+            </a:r>
+          </a:p>
+          <a:p>
+            <a:pPr marL="342900" lvl="0" indent="-342900" algn="just">
+              <a:lnSpc>
+                <a:spcPct val="107000"/>
+              </a:lnSpc>
+              <a:buFont typeface="Arial" panose="020B0604020202020204" pitchFamily="34" charset="0"/>
+              <a:buChar char="•"/>
+            </a:pPr>
+            <a:r>
+              <a:rPr lang="es-CL" sz="2400" dirty="0">
+                <a:effectLst/>
+                <a:ea typeface="Calibri" panose="020F0502020204030204" pitchFamily="34" charset="0"/>
+                <a:cs typeface="Times New Roman" panose="02020603050405020304" pitchFamily="18" charset="0"/>
+              </a:rPr>
+              <a:t>RAM: 2 GB</a:t>
+            </a:r>
+          </a:p>
+          <a:p>
+            <a:pPr marL="342900" lvl="0" indent="-342900" algn="just">
+              <a:lnSpc>
+                <a:spcPct val="107000"/>
+              </a:lnSpc>
+              <a:buFont typeface="Arial" panose="020B0604020202020204" pitchFamily="34" charset="0"/>
+              <a:buChar char="•"/>
+            </a:pPr>
+            <a:r>
+              <a:rPr lang="es-CL" sz="2400" dirty="0">
+                <a:effectLst/>
+                <a:ea typeface="Calibri" panose="020F0502020204030204" pitchFamily="34" charset="0"/>
+                <a:cs typeface="Times New Roman" panose="02020603050405020304" pitchFamily="18" charset="0"/>
+              </a:rPr>
+              <a:t>Almacenamiento: 64 GB</a:t>
+            </a:r>
+          </a:p>
+          <a:p>
+            <a:pPr marL="342900" lvl="0" indent="-342900" algn="just">
+              <a:lnSpc>
+                <a:spcPct val="107000"/>
+              </a:lnSpc>
+              <a:buFont typeface="Arial" panose="020B0604020202020204" pitchFamily="34" charset="0"/>
+              <a:buChar char="•"/>
+            </a:pPr>
+            <a:r>
+              <a:rPr lang="es-CL" sz="2400" dirty="0">
+                <a:effectLst/>
+                <a:ea typeface="Calibri" panose="020F0502020204030204" pitchFamily="34" charset="0"/>
+                <a:cs typeface="Times New Roman" panose="02020603050405020304" pitchFamily="18" charset="0"/>
+              </a:rPr>
+              <a:t>Red: Adaptador Ethernet de 1 gigabit/s</a:t>
+            </a:r>
+          </a:p>
+          <a:p>
+            <a:pPr marL="342900" lvl="0" indent="-342900" algn="just">
+              <a:lnSpc>
+                <a:spcPct val="107000"/>
+              </a:lnSpc>
+              <a:buFont typeface="Arial" panose="020B0604020202020204" pitchFamily="34" charset="0"/>
+              <a:buChar char="•"/>
+            </a:pPr>
+            <a:r>
+              <a:rPr lang="es-CL" sz="2400" dirty="0">
+                <a:effectLst/>
+                <a:ea typeface="Calibri" panose="020F0502020204030204" pitchFamily="34" charset="0"/>
+                <a:cs typeface="Times New Roman" panose="02020603050405020304" pitchFamily="18" charset="0"/>
+              </a:rPr>
+              <a:t>Sistema operativo: Windows Server 2022</a:t>
+            </a:r>
+          </a:p>
+          <a:p>
+            <a:pPr marL="342900" indent="-342900" algn="just">
+              <a:lnSpc>
+                <a:spcPct val="107000"/>
+              </a:lnSpc>
+              <a:buFont typeface="Arial" panose="020B0604020202020204" pitchFamily="34" charset="0"/>
+              <a:buChar char="•"/>
+            </a:pPr>
+            <a:r>
+              <a:rPr lang="es-CL" sz="2400" dirty="0">
+                <a:effectLst/>
+                <a:ea typeface="Calibri" panose="020F0502020204030204" pitchFamily="34" charset="0"/>
+                <a:cs typeface="Times New Roman" panose="02020603050405020304" pitchFamily="18" charset="0"/>
+              </a:rPr>
+              <a:t>Puertos habilitados: 1883, 8083, 18083</a:t>
+            </a:r>
+          </a:p>
+        </p:txBody>
+      </p:sp>
+      <p:pic>
+        <p:nvPicPr>
+          <p:cNvPr id="3" name="Picture 2">
             <a:extLst>
               <a:ext uri="{FF2B5EF4-FFF2-40B4-BE49-F238E27FC236}">
-                <a16:creationId xmlns:a16="http://schemas.microsoft.com/office/drawing/2014/main" id="{1082BBBD-BDA3-4131-BDA8-8915D174A932}"/>
+                <a16:creationId xmlns:a16="http://schemas.microsoft.com/office/drawing/2014/main" id="{66EEA868-6FDE-4A23-8ED6-D31EB1727ABA}"/>
               </a:ext>
             </a:extLst>
           </p:cNvPr>
-          <p:cNvSpPr txBox="1"/>
+          <p:cNvPicPr>
+            <a:picLocks noChangeAspect="1"/>
+          </p:cNvPicPr>
           <p:nvPr/>
-        </p:nvSpPr>
+        </p:nvPicPr>
+        <p:blipFill>
+          <a:blip r:embed="rId4" cstate="print">
+            <a:extLst>
+              <a:ext uri="{28A0092B-C50C-407E-A947-70E740481C1C}">
+                <a14:useLocalDpi xmlns:a14="http://schemas.microsoft.com/office/drawing/2010/main" val="0"/>
+              </a:ext>
+            </a:extLst>
+          </a:blip>
+          <a:stretch>
+            <a:fillRect/>
+          </a:stretch>
+        </p:blipFill>
         <p:spPr>
           <a:xfrm>
-            <a:off x="4364326" y="407200"/>
-            <a:ext cx="6670779" cy="584775"/>
+            <a:off x="9236475" y="3759041"/>
+            <a:ext cx="3139002" cy="3139002"/>
           </a:xfrm>
           <a:prstGeom prst="rect">
             <a:avLst/>
           </a:prstGeom>
-          <a:noFill/>
         </p:spPr>
-        <p:txBody>
-          <a:bodyPr wrap="square">
-            <a:spAutoFit/>
-          </a:bodyPr>
-          <a:lstStyle/>
-          <a:p>
-            <a:pPr algn="ctr"/>
-            <a:r>
-              <a:rPr lang="es-ES" sz="3200" b="1" dirty="0"/>
-              <a:t>Lenguajes de programación utilizados</a:t>
-            </a:r>
-            <a:endParaRPr lang="es-CL" sz="3200" b="1" dirty="0"/>
-          </a:p>
-        </p:txBody>
-      </p:sp>
-      <p:sp>
-        <p:nvSpPr>
-          <p:cNvPr id="7" name="CuadroTexto 6">
-            <a:extLst>
-              <a:ext uri="{FF2B5EF4-FFF2-40B4-BE49-F238E27FC236}">
-                <a16:creationId xmlns:a16="http://schemas.microsoft.com/office/drawing/2014/main" id="{A7F186D1-59D3-41BF-82B4-CD5CA3F53A40}"/>
-              </a:ext>
-            </a:extLst>
-          </p:cNvPr>
-          <p:cNvSpPr txBox="1"/>
-          <p:nvPr/>
-        </p:nvSpPr>
-        <p:spPr>
-          <a:xfrm>
-            <a:off x="8204446" y="4104294"/>
-            <a:ext cx="3483462" cy="2308324"/>
-          </a:xfrm>
-          <a:prstGeom prst="rect">
-            <a:avLst/>
-          </a:prstGeom>
-          <a:noFill/>
-        </p:spPr>
-        <p:txBody>
-          <a:bodyPr wrap="square" rtlCol="0">
-            <a:spAutoFit/>
-          </a:bodyPr>
-          <a:lstStyle/>
-          <a:p>
-            <a:pPr algn="just"/>
-            <a:r>
-              <a:rPr lang="es-ES" sz="2400" dirty="0"/>
-              <a:t>ESP32</a:t>
-            </a:r>
-          </a:p>
-          <a:p>
-            <a:pPr algn="just"/>
-            <a:r>
-              <a:rPr lang="es-ES" sz="2400" dirty="0"/>
-              <a:t>MAXIM6675</a:t>
-            </a:r>
-          </a:p>
-          <a:p>
-            <a:pPr algn="just"/>
-            <a:r>
-              <a:rPr lang="es-ES" sz="2400" dirty="0"/>
-              <a:t>Termocupla tipo K</a:t>
-            </a:r>
-          </a:p>
-          <a:p>
-            <a:pPr algn="just"/>
-            <a:r>
-              <a:rPr lang="es-ES" sz="2400" dirty="0"/>
-              <a:t>Relé</a:t>
-            </a:r>
-          </a:p>
-          <a:p>
-            <a:pPr algn="just"/>
-            <a:r>
-              <a:rPr lang="es-ES" sz="2400" dirty="0"/>
-              <a:t>Servidor MQTT de </a:t>
-            </a:r>
-            <a:r>
-              <a:rPr lang="es-ES" sz="2400" dirty="0" err="1"/>
-              <a:t>Datco</a:t>
-            </a:r>
-            <a:r>
-              <a:rPr lang="es-ES" sz="2400" dirty="0"/>
-              <a:t> en dirección: XXX.XX.XX.X</a:t>
-            </a:r>
-          </a:p>
-        </p:txBody>
-      </p:sp>
+      </p:pic>
     </p:spTree>
     <p:extLst>
       <p:ext uri="{BB962C8B-B14F-4D97-AF65-F5344CB8AC3E}">
-        <p14:creationId xmlns:p14="http://schemas.microsoft.com/office/powerpoint/2010/main" val="1773131349"/>
+        <p14:creationId xmlns:p14="http://schemas.microsoft.com/office/powerpoint/2010/main" val="3264025201"/>
       </p:ext>
     </p:extLst>
   </p:cSld>
   <p:clrMapOvr>
     <a:masterClrMapping/>
   </p:clrMapOvr>
+  <mc:AlternateContent xmlns:mc="http://schemas.openxmlformats.org/markup-compatibility/2006">
+    <mc:Choice xmlns:p159="http://schemas.microsoft.com/office/powerpoint/2015/09/main" Requires="p159">
+      <p:transition xmlns:p14="http://schemas.microsoft.com/office/powerpoint/2010/main" spd="slow" p14:dur="2000">
+        <p159:morph option="byObject"/>
+      </p:transition>
+    </mc:Choice>
+    <mc:Fallback>
+      <p:transition spd="slow">
+        <p:fade/>
+      </p:transition>
+    </mc:Fallback>
+  </mc:AlternateContent>
 </p:sld>
 </file>
 
-<file path=ppt/slides/slide8.xml><?xml version="1.0" encoding="utf-8"?>
+<file path=ppt/slides/slide5.xml><?xml version="1.0" encoding="utf-8"?>
 <p:sld xmlns:a="http://schemas.openxmlformats.org/drawingml/2006/main" xmlns:r="http://schemas.openxmlformats.org/officeDocument/2006/relationships" xmlns:p="http://schemas.openxmlformats.org/presentationml/2006/main">
   <p:cSld>
     <p:spTree>
@@ -6942,10 +8752,10 @@
       </p:grpSpPr>
       <p:sp>
         <p:nvSpPr>
-          <p:cNvPr id="4" name="Rectángulo 3">
+          <p:cNvPr id="5" name="Rectángulo 4">
             <a:extLst>
               <a:ext uri="{FF2B5EF4-FFF2-40B4-BE49-F238E27FC236}">
-                <a16:creationId xmlns:a16="http://schemas.microsoft.com/office/drawing/2014/main" id="{366D61FB-8108-4536-BB5D-46C49ABD4A08}"/>
+                <a16:creationId xmlns:a16="http://schemas.microsoft.com/office/drawing/2014/main" id="{CF8E19B6-A807-4E83-A804-36128B910A0C}"/>
               </a:ext>
             </a:extLst>
           </p:cNvPr>
@@ -7012,12 +8822,57 @@
           </a:p>
         </p:txBody>
       </p:sp>
+      <p:sp>
+        <p:nvSpPr>
+          <p:cNvPr id="7" name="CuadroTexto 6">
+            <a:extLst>
+              <a:ext uri="{FF2B5EF4-FFF2-40B4-BE49-F238E27FC236}">
+                <a16:creationId xmlns:a16="http://schemas.microsoft.com/office/drawing/2014/main" id="{3FFA1F71-1363-421C-9B2A-FA77D73DCEEA}"/>
+              </a:ext>
+            </a:extLst>
+          </p:cNvPr>
+          <p:cNvSpPr txBox="1"/>
+          <p:nvPr/>
+        </p:nvSpPr>
+        <p:spPr>
+          <a:xfrm>
+            <a:off x="204920" y="3024431"/>
+            <a:ext cx="2537840" cy="523220"/>
+          </a:xfrm>
+          <a:prstGeom prst="rect">
+            <a:avLst/>
+          </a:prstGeom>
+          <a:noFill/>
+        </p:spPr>
+        <p:txBody>
+          <a:bodyPr wrap="square">
+            <a:spAutoFit/>
+          </a:bodyPr>
+          <a:lstStyle/>
+          <a:p>
+            <a:pPr algn="ctr"/>
+            <a:r>
+              <a:rPr lang="es-ES" sz="2800" b="1" dirty="0">
+                <a:solidFill>
+                  <a:schemeClr val="bg1"/>
+                </a:solidFill>
+              </a:rPr>
+              <a:t>¿Qué es MQTT?</a:t>
+            </a:r>
+            <a:endParaRPr lang="es-CL" sz="2800" b="1" dirty="0">
+              <a:solidFill>
+                <a:schemeClr val="bg1"/>
+              </a:solidFill>
+            </a:endParaRPr>
+          </a:p>
+        </p:txBody>
+      </p:sp>
       <p:pic>
         <p:nvPicPr>
-          <p:cNvPr id="5" name="Imagen 4">
+          <p:cNvPr id="8" name="Imagen 7">
             <a:extLst>
               <a:ext uri="{FF2B5EF4-FFF2-40B4-BE49-F238E27FC236}">
-                <a16:creationId xmlns:a16="http://schemas.microsoft.com/office/drawing/2014/main" id="{ECDDC9CA-4ABF-4ACE-B94F-A24C1C1B69C6}"/>
+                <a16:creationId xmlns:a16="http://schemas.microsoft.com/office/drawing/2014/main" id="{CAE717F1-1BA4-45EA-BAC8-BEBC0DB288B1}"/>
               </a:ext>
             </a:extLst>
           </p:cNvPr>
@@ -7044,10 +8899,10 @@
       </p:pic>
       <p:sp>
         <p:nvSpPr>
-          <p:cNvPr id="6" name="CuadroTexto 5">
+          <p:cNvPr id="15" name="CuadroTexto 14">
             <a:extLst>
               <a:ext uri="{FF2B5EF4-FFF2-40B4-BE49-F238E27FC236}">
-                <a16:creationId xmlns:a16="http://schemas.microsoft.com/office/drawing/2014/main" id="{FDB89CC9-ABEB-4751-9ADA-08306554C7D1}"/>
+                <a16:creationId xmlns:a16="http://schemas.microsoft.com/office/drawing/2014/main" id="{DFE1B581-2EAC-4466-B932-6767EB5543B5}"/>
               </a:ext>
             </a:extLst>
           </p:cNvPr>
@@ -7056,8 +8911,8 @@
         </p:nvSpPr>
         <p:spPr>
           <a:xfrm>
-            <a:off x="272612" y="3165991"/>
-            <a:ext cx="2402461" cy="954107"/>
+            <a:off x="4578310" y="594783"/>
+            <a:ext cx="6186220" cy="1815882"/>
           </a:xfrm>
           <a:prstGeom prst="rect">
             <a:avLst/>
@@ -7065,46 +8920,1668 @@
           <a:noFill/>
         </p:spPr>
         <p:txBody>
-          <a:bodyPr wrap="square">
+          <a:bodyPr wrap="square" rtlCol="0">
             <a:spAutoFit/>
           </a:bodyPr>
           <a:lstStyle/>
           <a:p>
-            <a:pPr algn="ctr"/>
-            <a:r>
-              <a:rPr lang="es-ES" sz="2800" b="1" dirty="0">
+            <a:pPr marL="285750" indent="-285750" algn="just">
+              <a:buFont typeface="Arial" panose="020B0604020202020204" pitchFamily="34" charset="0"/>
+              <a:buChar char="•"/>
+            </a:pPr>
+            <a:r>
+              <a:rPr lang="es-ES" sz="2800" dirty="0"/>
+              <a:t>Utiliza el modelo publicador/suscriptor.</a:t>
+            </a:r>
+          </a:p>
+          <a:p>
+            <a:pPr marL="285750" indent="-285750" algn="just">
+              <a:buFont typeface="Arial" panose="020B0604020202020204" pitchFamily="34" charset="0"/>
+              <a:buChar char="•"/>
+            </a:pPr>
+            <a:r>
+              <a:rPr lang="es-ES" sz="2800" dirty="0"/>
+              <a:t>Minimiza el ancho de banda de la red.</a:t>
+            </a:r>
+          </a:p>
+          <a:p>
+            <a:pPr marL="285750" indent="-285750" algn="just">
+              <a:buFont typeface="Arial" panose="020B0604020202020204" pitchFamily="34" charset="0"/>
+              <a:buChar char="•"/>
+            </a:pPr>
+            <a:r>
+              <a:rPr lang="es-ES" sz="2800" dirty="0"/>
+              <a:t>Garantiza confiabilidad.</a:t>
+            </a:r>
+          </a:p>
+          <a:p>
+            <a:pPr marL="285750" indent="-285750" algn="just">
+              <a:buFont typeface="Arial" panose="020B0604020202020204" pitchFamily="34" charset="0"/>
+              <a:buChar char="•"/>
+            </a:pPr>
+            <a:r>
+              <a:rPr lang="es-ES" sz="2800" dirty="0"/>
+              <a:t>Protocolo ideal para </a:t>
+            </a:r>
+            <a:r>
+              <a:rPr lang="es-ES" sz="2800" dirty="0" err="1"/>
+              <a:t>IoT</a:t>
+            </a:r>
+            <a:r>
+              <a:rPr lang="es-ES" sz="2800" dirty="0"/>
+              <a:t>.</a:t>
+            </a:r>
+          </a:p>
+        </p:txBody>
+      </p:sp>
+      <p:pic>
+        <p:nvPicPr>
+          <p:cNvPr id="1026" name="Picture 2" descr="IoT (Internet de las cosas) – Actus Today">
+            <a:extLst>
+              <a:ext uri="{FF2B5EF4-FFF2-40B4-BE49-F238E27FC236}">
+                <a16:creationId xmlns:a16="http://schemas.microsoft.com/office/drawing/2014/main" id="{821BF35B-6798-4EA7-AEA7-C5AB46438128}"/>
+              </a:ext>
+            </a:extLst>
+          </p:cNvPr>
+          <p:cNvPicPr>
+            <a:picLocks noChangeAspect="1" noChangeArrowheads="1"/>
+          </p:cNvPicPr>
+          <p:nvPr/>
+        </p:nvPicPr>
+        <p:blipFill>
+          <a:blip r:embed="rId3" cstate="print">
+            <a:extLst>
+              <a:ext uri="{28A0092B-C50C-407E-A947-70E740481C1C}">
+                <a14:useLocalDpi xmlns:a14="http://schemas.microsoft.com/office/drawing/2010/main" val="0"/>
+              </a:ext>
+            </a:extLst>
+          </a:blip>
+          <a:srcRect/>
+          <a:stretch>
+            <a:fillRect/>
+          </a:stretch>
+        </p:blipFill>
+        <p:spPr bwMode="auto">
+          <a:xfrm>
+            <a:off x="5700754" y="2806082"/>
+            <a:ext cx="3941332" cy="3911453"/>
+          </a:xfrm>
+          <a:prstGeom prst="rect">
+            <a:avLst/>
+          </a:prstGeom>
+          <a:noFill/>
+          <a:extLst>
+            <a:ext uri="{909E8E84-426E-40DD-AFC4-6F175D3DCCD1}">
+              <a14:hiddenFill xmlns:a14="http://schemas.microsoft.com/office/drawing/2010/main">
                 <a:solidFill>
-                  <a:schemeClr val="bg1"/>
+                  <a:srgbClr val="FFFFFF"/>
                 </a:solidFill>
-              </a:rPr>
-              <a:t>Proyecto para </a:t>
-            </a:r>
-            <a:r>
-              <a:rPr lang="es-ES" sz="2800" b="1" dirty="0" err="1">
-                <a:solidFill>
-                  <a:schemeClr val="bg1"/>
-                </a:solidFill>
-              </a:rPr>
-              <a:t>Datco</a:t>
-            </a:r>
-            <a:endParaRPr lang="es-CL" sz="2800" b="1" dirty="0">
-              <a:solidFill>
-                <a:schemeClr val="bg1"/>
-              </a:solidFill>
-            </a:endParaRPr>
-          </a:p>
-        </p:txBody>
-      </p:sp>
+              </a14:hiddenFill>
+            </a:ext>
+          </a:extLst>
+        </p:spPr>
+      </p:pic>
+      <p:pic>
+        <p:nvPicPr>
+          <p:cNvPr id="9" name="Gráfico 13">
+            <a:extLst>
+              <a:ext uri="{FF2B5EF4-FFF2-40B4-BE49-F238E27FC236}">
+                <a16:creationId xmlns:a16="http://schemas.microsoft.com/office/drawing/2014/main" id="{A4838600-2F1F-4DA3-B282-B0340C39E1DF}"/>
+              </a:ext>
+            </a:extLst>
+          </p:cNvPr>
+          <p:cNvPicPr>
+            <a:picLocks noChangeAspect="1"/>
+          </p:cNvPicPr>
+          <p:nvPr/>
+        </p:nvPicPr>
+        <p:blipFill>
+          <a:blip r:embed="rId4" cstate="print">
+            <a:extLst>
+              <a:ext uri="{28A0092B-C50C-407E-A947-70E740481C1C}">
+                <a14:useLocalDpi xmlns:a14="http://schemas.microsoft.com/office/drawing/2010/main" val="0"/>
+              </a:ext>
+              <a:ext uri="{96DAC541-7B7A-43D3-8B79-37D633B846F1}">
+                <asvg:svgBlip xmlns:asvg="http://schemas.microsoft.com/office/drawing/2016/SVG/main" r:embed="rId5"/>
+              </a:ext>
+            </a:extLst>
+          </a:blip>
+          <a:stretch>
+            <a:fillRect/>
+          </a:stretch>
+        </p:blipFill>
+        <p:spPr>
+          <a:xfrm>
+            <a:off x="520156" y="4167699"/>
+            <a:ext cx="1907367" cy="485512"/>
+          </a:xfrm>
+          <a:prstGeom prst="rect">
+            <a:avLst/>
+          </a:prstGeom>
+        </p:spPr>
+      </p:pic>
     </p:spTree>
     <p:extLst>
       <p:ext uri="{BB962C8B-B14F-4D97-AF65-F5344CB8AC3E}">
-        <p14:creationId xmlns:p14="http://schemas.microsoft.com/office/powerpoint/2010/main" val="2585310973"/>
+        <p14:creationId xmlns:p14="http://schemas.microsoft.com/office/powerpoint/2010/main" val="2273859633"/>
       </p:ext>
     </p:extLst>
   </p:cSld>
   <p:clrMapOvr>
     <a:masterClrMapping/>
   </p:clrMapOvr>
+  <mc:AlternateContent xmlns:mc="http://schemas.openxmlformats.org/markup-compatibility/2006">
+    <mc:Choice xmlns:p159="http://schemas.microsoft.com/office/powerpoint/2015/09/main" Requires="p159">
+      <p:transition xmlns:p14="http://schemas.microsoft.com/office/powerpoint/2010/main" spd="slow" p14:dur="2000">
+        <p159:morph option="byObject"/>
+      </p:transition>
+    </mc:Choice>
+    <mc:Fallback>
+      <p:transition spd="slow">
+        <p:fade/>
+      </p:transition>
+    </mc:Fallback>
+  </mc:AlternateContent>
+</p:sld>
+</file>
+
+<file path=ppt/slides/slide6.xml><?xml version="1.0" encoding="utf-8"?>
+<p:sld xmlns:a="http://schemas.openxmlformats.org/drawingml/2006/main" xmlns:r="http://schemas.openxmlformats.org/officeDocument/2006/relationships" xmlns:p="http://schemas.openxmlformats.org/presentationml/2006/main">
+  <p:cSld>
+    <p:spTree>
+      <p:nvGrpSpPr>
+        <p:cNvPr id="1" name=""/>
+        <p:cNvGrpSpPr/>
+        <p:nvPr/>
+      </p:nvGrpSpPr>
+      <p:grpSpPr>
+        <a:xfrm>
+          <a:off x="0" y="0"/>
+          <a:ext cx="0" cy="0"/>
+          <a:chOff x="0" y="0"/>
+          <a:chExt cx="0" cy="0"/>
+        </a:xfrm>
+      </p:grpSpPr>
+      <p:sp>
+        <p:nvSpPr>
+          <p:cNvPr id="4" name="Rectángulo 3">
+            <a:extLst>
+              <a:ext uri="{FF2B5EF4-FFF2-40B4-BE49-F238E27FC236}">
+                <a16:creationId xmlns:a16="http://schemas.microsoft.com/office/drawing/2014/main" id="{4D6588AC-00C1-49B8-8851-C429AC74C6AB}"/>
+              </a:ext>
+            </a:extLst>
+          </p:cNvPr>
+          <p:cNvSpPr/>
+          <p:nvPr/>
+        </p:nvSpPr>
+        <p:spPr>
+          <a:xfrm>
+            <a:off x="0" y="0"/>
+            <a:ext cx="2954215" cy="6898043"/>
+          </a:xfrm>
+          <a:prstGeom prst="rect">
+            <a:avLst/>
+          </a:prstGeom>
+          <a:gradFill flip="none" rotWithShape="1">
+            <a:gsLst>
+              <a:gs pos="0">
+                <a:schemeClr val="accent5">
+                  <a:lumMod val="40000"/>
+                  <a:lumOff val="60000"/>
+                </a:schemeClr>
+              </a:gs>
+              <a:gs pos="25000">
+                <a:schemeClr val="accent5">
+                  <a:lumMod val="95000"/>
+                  <a:lumOff val="5000"/>
+                </a:schemeClr>
+              </a:gs>
+              <a:gs pos="100000">
+                <a:schemeClr val="accent5">
+                  <a:lumMod val="60000"/>
+                </a:schemeClr>
+              </a:gs>
+            </a:gsLst>
+            <a:lin ang="16200000" scaled="1"/>
+            <a:tileRect/>
+          </a:gradFill>
+          <a:ln>
+            <a:noFill/>
+          </a:ln>
+        </p:spPr>
+        <p:style>
+          <a:lnRef idx="2">
+            <a:schemeClr val="accent1">
+              <a:shade val="50000"/>
+            </a:schemeClr>
+          </a:lnRef>
+          <a:fillRef idx="1">
+            <a:schemeClr val="accent1"/>
+          </a:fillRef>
+          <a:effectRef idx="0">
+            <a:schemeClr val="accent1"/>
+          </a:effectRef>
+          <a:fontRef idx="minor">
+            <a:schemeClr val="lt1"/>
+          </a:fontRef>
+        </p:style>
+        <p:txBody>
+          <a:bodyPr rtlCol="0" anchor="ctr"/>
+          <a:lstStyle/>
+          <a:p>
+            <a:pPr algn="ctr"/>
+            <a:endParaRPr lang="es-CL" sz="2700" dirty="0"/>
+          </a:p>
+        </p:txBody>
+      </p:sp>
+      <p:pic>
+        <p:nvPicPr>
+          <p:cNvPr id="5" name="Imagen 4">
+            <a:extLst>
+              <a:ext uri="{FF2B5EF4-FFF2-40B4-BE49-F238E27FC236}">
+                <a16:creationId xmlns:a16="http://schemas.microsoft.com/office/drawing/2014/main" id="{CBB0BA44-2BA1-4FA1-8C50-94338C6B08EF}"/>
+              </a:ext>
+            </a:extLst>
+          </p:cNvPr>
+          <p:cNvPicPr>
+            <a:picLocks noChangeAspect="1"/>
+          </p:cNvPicPr>
+          <p:nvPr/>
+        </p:nvPicPr>
+        <p:blipFill>
+          <a:blip r:embed="rId2"/>
+          <a:stretch>
+            <a:fillRect/>
+          </a:stretch>
+        </p:blipFill>
+        <p:spPr>
+          <a:xfrm>
+            <a:off x="702876" y="282685"/>
+            <a:ext cx="1541935" cy="1418580"/>
+          </a:xfrm>
+          <a:prstGeom prst="rect">
+            <a:avLst/>
+          </a:prstGeom>
+        </p:spPr>
+      </p:pic>
+      <p:sp>
+        <p:nvSpPr>
+          <p:cNvPr id="6" name="CuadroTexto 5">
+            <a:extLst>
+              <a:ext uri="{FF2B5EF4-FFF2-40B4-BE49-F238E27FC236}">
+                <a16:creationId xmlns:a16="http://schemas.microsoft.com/office/drawing/2014/main" id="{14E6CD5D-CA3D-4BC1-AA6C-F0B571A0D76D}"/>
+              </a:ext>
+            </a:extLst>
+          </p:cNvPr>
+          <p:cNvSpPr txBox="1"/>
+          <p:nvPr/>
+        </p:nvSpPr>
+        <p:spPr>
+          <a:xfrm>
+            <a:off x="569537" y="3156633"/>
+            <a:ext cx="1808608" cy="584775"/>
+          </a:xfrm>
+          <a:prstGeom prst="rect">
+            <a:avLst/>
+          </a:prstGeom>
+          <a:noFill/>
+        </p:spPr>
+        <p:txBody>
+          <a:bodyPr wrap="square">
+            <a:spAutoFit/>
+          </a:bodyPr>
+          <a:lstStyle/>
+          <a:p>
+            <a:pPr algn="ctr"/>
+            <a:r>
+              <a:rPr lang="es-ES" sz="3200" b="1" dirty="0">
+                <a:solidFill>
+                  <a:schemeClr val="bg1"/>
+                </a:solidFill>
+              </a:rPr>
+              <a:t>Broker</a:t>
+            </a:r>
+            <a:endParaRPr lang="es-CL" sz="3200" b="1" dirty="0">
+              <a:solidFill>
+                <a:schemeClr val="bg1"/>
+              </a:solidFill>
+            </a:endParaRPr>
+          </a:p>
+        </p:txBody>
+      </p:sp>
+      <p:pic>
+        <p:nvPicPr>
+          <p:cNvPr id="2052" name="Picture 4" descr="Principales broker MQTT Open Source para proyectos IoT">
+            <a:extLst>
+              <a:ext uri="{FF2B5EF4-FFF2-40B4-BE49-F238E27FC236}">
+                <a16:creationId xmlns:a16="http://schemas.microsoft.com/office/drawing/2014/main" id="{A49F1B2B-53A2-4DF0-981D-84DDDBFB43E0}"/>
+              </a:ext>
+            </a:extLst>
+          </p:cNvPr>
+          <p:cNvPicPr>
+            <a:picLocks noChangeAspect="1" noChangeArrowheads="1"/>
+          </p:cNvPicPr>
+          <p:nvPr/>
+        </p:nvPicPr>
+        <p:blipFill>
+          <a:blip r:embed="rId3">
+            <a:extLst>
+              <a:ext uri="{28A0092B-C50C-407E-A947-70E740481C1C}">
+                <a14:useLocalDpi xmlns:a14="http://schemas.microsoft.com/office/drawing/2010/main" val="0"/>
+              </a:ext>
+            </a:extLst>
+          </a:blip>
+          <a:srcRect/>
+          <a:stretch>
+            <a:fillRect/>
+          </a:stretch>
+        </p:blipFill>
+        <p:spPr bwMode="auto">
+          <a:xfrm>
+            <a:off x="8382000" y="-413152"/>
+            <a:ext cx="3810000" cy="2533650"/>
+          </a:xfrm>
+          <a:prstGeom prst="rect">
+            <a:avLst/>
+          </a:prstGeom>
+          <a:noFill/>
+          <a:extLst>
+            <a:ext uri="{909E8E84-426E-40DD-AFC4-6F175D3DCCD1}">
+              <a14:hiddenFill xmlns:a14="http://schemas.microsoft.com/office/drawing/2010/main">
+                <a:solidFill>
+                  <a:srgbClr val="FFFFFF"/>
+                </a:solidFill>
+              </a14:hiddenFill>
+            </a:ext>
+          </a:extLst>
+        </p:spPr>
+      </p:pic>
+      <p:sp>
+        <p:nvSpPr>
+          <p:cNvPr id="3" name="CuadroTexto 2">
+            <a:extLst>
+              <a:ext uri="{FF2B5EF4-FFF2-40B4-BE49-F238E27FC236}">
+                <a16:creationId xmlns:a16="http://schemas.microsoft.com/office/drawing/2014/main" id="{F19FE2EB-90BF-41A0-9FA3-3EFFC4CF00DA}"/>
+              </a:ext>
+            </a:extLst>
+          </p:cNvPr>
+          <p:cNvSpPr txBox="1"/>
+          <p:nvPr/>
+        </p:nvSpPr>
+        <p:spPr>
+          <a:xfrm>
+            <a:off x="3100352" y="2587246"/>
+            <a:ext cx="7154995" cy="2308324"/>
+          </a:xfrm>
+          <a:prstGeom prst="rect">
+            <a:avLst/>
+          </a:prstGeom>
+          <a:noFill/>
+        </p:spPr>
+        <p:txBody>
+          <a:bodyPr wrap="square" rtlCol="0">
+            <a:spAutoFit/>
+          </a:bodyPr>
+          <a:lstStyle/>
+          <a:p>
+            <a:pPr algn="just"/>
+            <a:r>
+              <a:rPr lang="es-ES" sz="2400" dirty="0"/>
+              <a:t>Un broker MQTT es un intermediario que permite la comunicación entre clientes MQTT. </a:t>
+            </a:r>
+          </a:p>
+          <a:p>
+            <a:pPr algn="just"/>
+            <a:r>
+              <a:rPr lang="es-ES" sz="2400" dirty="0"/>
+              <a:t>Específicamente, un broker va a recibir mensajes publicados por clientes (publicadores), filtra estos mensajes por tema (</a:t>
+            </a:r>
+            <a:r>
+              <a:rPr lang="es-ES" sz="2400" dirty="0" err="1"/>
+              <a:t>Topics</a:t>
+            </a:r>
+            <a:r>
+              <a:rPr lang="es-ES" sz="2400" dirty="0"/>
+              <a:t>) y los distribuye a los suscriptores de esos temas.</a:t>
+            </a:r>
+            <a:endParaRPr lang="es-CL" sz="2400" dirty="0"/>
+          </a:p>
+        </p:txBody>
+      </p:sp>
+      <p:pic>
+        <p:nvPicPr>
+          <p:cNvPr id="9" name="Gráfico 13">
+            <a:extLst>
+              <a:ext uri="{FF2B5EF4-FFF2-40B4-BE49-F238E27FC236}">
+                <a16:creationId xmlns:a16="http://schemas.microsoft.com/office/drawing/2014/main" id="{D8BB1F35-BA55-4387-8255-F8E848EEB21A}"/>
+              </a:ext>
+            </a:extLst>
+          </p:cNvPr>
+          <p:cNvPicPr>
+            <a:picLocks noChangeAspect="1"/>
+          </p:cNvPicPr>
+          <p:nvPr/>
+        </p:nvPicPr>
+        <p:blipFill>
+          <a:blip r:embed="rId4" cstate="print">
+            <a:extLst>
+              <a:ext uri="{28A0092B-C50C-407E-A947-70E740481C1C}">
+                <a14:useLocalDpi xmlns:a14="http://schemas.microsoft.com/office/drawing/2010/main" val="0"/>
+              </a:ext>
+              <a:ext uri="{96DAC541-7B7A-43D3-8B79-37D633B846F1}">
+                <asvg:svgBlip xmlns:asvg="http://schemas.microsoft.com/office/drawing/2016/SVG/main" r:embed="rId5"/>
+              </a:ext>
+            </a:extLst>
+          </a:blip>
+          <a:stretch>
+            <a:fillRect/>
+          </a:stretch>
+        </p:blipFill>
+        <p:spPr>
+          <a:xfrm>
+            <a:off x="520156" y="4167699"/>
+            <a:ext cx="1907367" cy="485512"/>
+          </a:xfrm>
+          <a:prstGeom prst="rect">
+            <a:avLst/>
+          </a:prstGeom>
+        </p:spPr>
+      </p:pic>
+    </p:spTree>
+    <p:extLst>
+      <p:ext uri="{BB962C8B-B14F-4D97-AF65-F5344CB8AC3E}">
+        <p14:creationId xmlns:p14="http://schemas.microsoft.com/office/powerpoint/2010/main" val="1270340617"/>
+      </p:ext>
+    </p:extLst>
+  </p:cSld>
+  <p:clrMapOvr>
+    <a:masterClrMapping/>
+  </p:clrMapOvr>
+  <mc:AlternateContent xmlns:mc="http://schemas.openxmlformats.org/markup-compatibility/2006">
+    <mc:Choice xmlns:p159="http://schemas.microsoft.com/office/powerpoint/2015/09/main" Requires="p159">
+      <p:transition xmlns:p14="http://schemas.microsoft.com/office/powerpoint/2010/main" spd="slow" p14:dur="2000">
+        <p159:morph option="byObject"/>
+      </p:transition>
+    </mc:Choice>
+    <mc:Fallback>
+      <p:transition spd="slow">
+        <p:fade/>
+      </p:transition>
+    </mc:Fallback>
+  </mc:AlternateContent>
+</p:sld>
+</file>
+
+<file path=ppt/slides/slide7.xml><?xml version="1.0" encoding="utf-8"?>
+<p:sld xmlns:a="http://schemas.openxmlformats.org/drawingml/2006/main" xmlns:r="http://schemas.openxmlformats.org/officeDocument/2006/relationships" xmlns:p="http://schemas.openxmlformats.org/presentationml/2006/main">
+  <p:cSld>
+    <p:spTree>
+      <p:nvGrpSpPr>
+        <p:cNvPr id="1" name=""/>
+        <p:cNvGrpSpPr/>
+        <p:nvPr/>
+      </p:nvGrpSpPr>
+      <p:grpSpPr>
+        <a:xfrm>
+          <a:off x="0" y="0"/>
+          <a:ext cx="0" cy="0"/>
+          <a:chOff x="0" y="0"/>
+          <a:chExt cx="0" cy="0"/>
+        </a:xfrm>
+      </p:grpSpPr>
+      <p:sp>
+        <p:nvSpPr>
+          <p:cNvPr id="5" name="Rectángulo 4">
+            <a:extLst>
+              <a:ext uri="{FF2B5EF4-FFF2-40B4-BE49-F238E27FC236}">
+                <a16:creationId xmlns:a16="http://schemas.microsoft.com/office/drawing/2014/main" id="{CF8E19B6-A807-4E83-A804-36128B910A0C}"/>
+              </a:ext>
+            </a:extLst>
+          </p:cNvPr>
+          <p:cNvSpPr/>
+          <p:nvPr/>
+        </p:nvSpPr>
+        <p:spPr>
+          <a:xfrm>
+            <a:off x="0" y="0"/>
+            <a:ext cx="2954215" cy="6898043"/>
+          </a:xfrm>
+          <a:prstGeom prst="rect">
+            <a:avLst/>
+          </a:prstGeom>
+          <a:gradFill flip="none" rotWithShape="1">
+            <a:gsLst>
+              <a:gs pos="0">
+                <a:schemeClr val="accent5">
+                  <a:lumMod val="40000"/>
+                  <a:lumOff val="60000"/>
+                </a:schemeClr>
+              </a:gs>
+              <a:gs pos="25000">
+                <a:schemeClr val="accent5">
+                  <a:lumMod val="95000"/>
+                  <a:lumOff val="5000"/>
+                </a:schemeClr>
+              </a:gs>
+              <a:gs pos="100000">
+                <a:schemeClr val="accent5">
+                  <a:lumMod val="60000"/>
+                </a:schemeClr>
+              </a:gs>
+            </a:gsLst>
+            <a:lin ang="16200000" scaled="1"/>
+            <a:tileRect/>
+          </a:gradFill>
+          <a:ln>
+            <a:noFill/>
+          </a:ln>
+        </p:spPr>
+        <p:style>
+          <a:lnRef idx="2">
+            <a:schemeClr val="accent1">
+              <a:shade val="50000"/>
+            </a:schemeClr>
+          </a:lnRef>
+          <a:fillRef idx="1">
+            <a:schemeClr val="accent1"/>
+          </a:fillRef>
+          <a:effectRef idx="0">
+            <a:schemeClr val="accent1"/>
+          </a:effectRef>
+          <a:fontRef idx="minor">
+            <a:schemeClr val="lt1"/>
+          </a:fontRef>
+        </p:style>
+        <p:txBody>
+          <a:bodyPr rtlCol="0" anchor="ctr"/>
+          <a:lstStyle/>
+          <a:p>
+            <a:pPr algn="ctr"/>
+            <a:endParaRPr lang="es-CL" sz="2700" dirty="0"/>
+          </a:p>
+        </p:txBody>
+      </p:sp>
+      <p:sp>
+        <p:nvSpPr>
+          <p:cNvPr id="7" name="CuadroTexto 6">
+            <a:extLst>
+              <a:ext uri="{FF2B5EF4-FFF2-40B4-BE49-F238E27FC236}">
+                <a16:creationId xmlns:a16="http://schemas.microsoft.com/office/drawing/2014/main" id="{3FFA1F71-1363-421C-9B2A-FA77D73DCEEA}"/>
+              </a:ext>
+            </a:extLst>
+          </p:cNvPr>
+          <p:cNvSpPr txBox="1"/>
+          <p:nvPr/>
+        </p:nvSpPr>
+        <p:spPr>
+          <a:xfrm>
+            <a:off x="99193" y="2971967"/>
+            <a:ext cx="2749295" cy="954107"/>
+          </a:xfrm>
+          <a:prstGeom prst="rect">
+            <a:avLst/>
+          </a:prstGeom>
+          <a:noFill/>
+        </p:spPr>
+        <p:txBody>
+          <a:bodyPr wrap="square">
+            <a:spAutoFit/>
+          </a:bodyPr>
+          <a:lstStyle/>
+          <a:p>
+            <a:pPr algn="ctr"/>
+            <a:r>
+              <a:rPr lang="es-ES" sz="2800" b="1" dirty="0">
+                <a:solidFill>
+                  <a:schemeClr val="bg1"/>
+                </a:solidFill>
+              </a:rPr>
+              <a:t>¿Cómo funciona MQTT?</a:t>
+            </a:r>
+            <a:endParaRPr lang="es-CL" sz="2800" b="1" dirty="0">
+              <a:solidFill>
+                <a:schemeClr val="bg1"/>
+              </a:solidFill>
+            </a:endParaRPr>
+          </a:p>
+        </p:txBody>
+      </p:sp>
+      <p:pic>
+        <p:nvPicPr>
+          <p:cNvPr id="8" name="Imagen 7">
+            <a:extLst>
+              <a:ext uri="{FF2B5EF4-FFF2-40B4-BE49-F238E27FC236}">
+                <a16:creationId xmlns:a16="http://schemas.microsoft.com/office/drawing/2014/main" id="{CAE717F1-1BA4-45EA-BAC8-BEBC0DB288B1}"/>
+              </a:ext>
+            </a:extLst>
+          </p:cNvPr>
+          <p:cNvPicPr>
+            <a:picLocks noChangeAspect="1"/>
+          </p:cNvPicPr>
+          <p:nvPr/>
+        </p:nvPicPr>
+        <p:blipFill>
+          <a:blip r:embed="rId2"/>
+          <a:stretch>
+            <a:fillRect/>
+          </a:stretch>
+        </p:blipFill>
+        <p:spPr>
+          <a:xfrm>
+            <a:off x="702876" y="282685"/>
+            <a:ext cx="1541935" cy="1418580"/>
+          </a:xfrm>
+          <a:prstGeom prst="rect">
+            <a:avLst/>
+          </a:prstGeom>
+        </p:spPr>
+      </p:pic>
+      <p:pic>
+        <p:nvPicPr>
+          <p:cNvPr id="2" name="Picture 2" descr="MQTT QoS | Aprendiendo Arduino">
+            <a:extLst>
+              <a:ext uri="{FF2B5EF4-FFF2-40B4-BE49-F238E27FC236}">
+                <a16:creationId xmlns:a16="http://schemas.microsoft.com/office/drawing/2014/main" id="{EA5754A0-C34A-490F-8D06-AD1A7BC673C6}"/>
+              </a:ext>
+            </a:extLst>
+          </p:cNvPr>
+          <p:cNvPicPr>
+            <a:picLocks noChangeAspect="1" noChangeArrowheads="1"/>
+          </p:cNvPicPr>
+          <p:nvPr/>
+        </p:nvPicPr>
+        <p:blipFill>
+          <a:blip r:embed="rId3">
+            <a:extLst>
+              <a:ext uri="{28A0092B-C50C-407E-A947-70E740481C1C}">
+                <a14:useLocalDpi xmlns:a14="http://schemas.microsoft.com/office/drawing/2010/main" val="0"/>
+              </a:ext>
+            </a:extLst>
+          </a:blip>
+          <a:srcRect/>
+          <a:stretch>
+            <a:fillRect/>
+          </a:stretch>
+        </p:blipFill>
+        <p:spPr bwMode="auto">
+          <a:xfrm>
+            <a:off x="3262917" y="2471367"/>
+            <a:ext cx="8543021" cy="2678744"/>
+          </a:xfrm>
+          <a:prstGeom prst="rect">
+            <a:avLst/>
+          </a:prstGeom>
+          <a:noFill/>
+          <a:extLst>
+            <a:ext uri="{909E8E84-426E-40DD-AFC4-6F175D3DCCD1}">
+              <a14:hiddenFill xmlns:a14="http://schemas.microsoft.com/office/drawing/2010/main">
+                <a:solidFill>
+                  <a:srgbClr val="FFFFFF"/>
+                </a:solidFill>
+              </a14:hiddenFill>
+            </a:ext>
+          </a:extLst>
+        </p:spPr>
+      </p:pic>
+      <p:sp>
+        <p:nvSpPr>
+          <p:cNvPr id="3" name="TextBox 2">
+            <a:extLst>
+              <a:ext uri="{FF2B5EF4-FFF2-40B4-BE49-F238E27FC236}">
+                <a16:creationId xmlns:a16="http://schemas.microsoft.com/office/drawing/2014/main" id="{2D9B6B95-121D-45AD-9B8F-F1D17C7D0157}"/>
+              </a:ext>
+            </a:extLst>
+          </p:cNvPr>
+          <p:cNvSpPr txBox="1"/>
+          <p:nvPr/>
+        </p:nvSpPr>
+        <p:spPr>
+          <a:xfrm>
+            <a:off x="5475671" y="407200"/>
+            <a:ext cx="4117514" cy="584775"/>
+          </a:xfrm>
+          <a:prstGeom prst="rect">
+            <a:avLst/>
+          </a:prstGeom>
+          <a:noFill/>
+        </p:spPr>
+        <p:txBody>
+          <a:bodyPr wrap="square" rtlCol="0">
+            <a:spAutoFit/>
+          </a:bodyPr>
+          <a:lstStyle/>
+          <a:p>
+            <a:r>
+              <a:rPr lang="es-ES" sz="3200" dirty="0" err="1"/>
+              <a:t>Quality</a:t>
+            </a:r>
+            <a:r>
+              <a:rPr lang="es-ES" sz="3200" dirty="0"/>
+              <a:t> </a:t>
+            </a:r>
+            <a:r>
+              <a:rPr lang="es-ES" sz="3200" dirty="0" err="1"/>
+              <a:t>of</a:t>
+            </a:r>
+            <a:r>
+              <a:rPr lang="es-ES" sz="3200" dirty="0"/>
+              <a:t> </a:t>
+            </a:r>
+            <a:r>
+              <a:rPr lang="es-ES" sz="3200" dirty="0" err="1"/>
+              <a:t>Service</a:t>
+            </a:r>
+            <a:r>
+              <a:rPr lang="es-ES" sz="3200" dirty="0"/>
+              <a:t> (</a:t>
+            </a:r>
+            <a:r>
+              <a:rPr lang="es-ES" sz="3200" dirty="0" err="1"/>
+              <a:t>QoS</a:t>
+            </a:r>
+            <a:r>
+              <a:rPr lang="es-ES" sz="3200" dirty="0"/>
+              <a:t>)</a:t>
+            </a:r>
+          </a:p>
+        </p:txBody>
+      </p:sp>
+      <p:pic>
+        <p:nvPicPr>
+          <p:cNvPr id="11" name="Gráfico 13">
+            <a:extLst>
+              <a:ext uri="{FF2B5EF4-FFF2-40B4-BE49-F238E27FC236}">
+                <a16:creationId xmlns:a16="http://schemas.microsoft.com/office/drawing/2014/main" id="{BA2327D3-7D7D-4C7B-8D0C-C4B36C822941}"/>
+              </a:ext>
+            </a:extLst>
+          </p:cNvPr>
+          <p:cNvPicPr>
+            <a:picLocks noChangeAspect="1"/>
+          </p:cNvPicPr>
+          <p:nvPr/>
+        </p:nvPicPr>
+        <p:blipFill>
+          <a:blip r:embed="rId4" cstate="print">
+            <a:extLst>
+              <a:ext uri="{28A0092B-C50C-407E-A947-70E740481C1C}">
+                <a14:useLocalDpi xmlns:a14="http://schemas.microsoft.com/office/drawing/2010/main" val="0"/>
+              </a:ext>
+              <a:ext uri="{96DAC541-7B7A-43D3-8B79-37D633B846F1}">
+                <asvg:svgBlip xmlns:asvg="http://schemas.microsoft.com/office/drawing/2016/SVG/main" r:embed="rId5"/>
+              </a:ext>
+            </a:extLst>
+          </a:blip>
+          <a:stretch>
+            <a:fillRect/>
+          </a:stretch>
+        </p:blipFill>
+        <p:spPr>
+          <a:xfrm>
+            <a:off x="520156" y="4167699"/>
+            <a:ext cx="1907367" cy="485512"/>
+          </a:xfrm>
+          <a:prstGeom prst="rect">
+            <a:avLst/>
+          </a:prstGeom>
+        </p:spPr>
+      </p:pic>
+    </p:spTree>
+    <p:extLst>
+      <p:ext uri="{BB962C8B-B14F-4D97-AF65-F5344CB8AC3E}">
+        <p14:creationId xmlns:p14="http://schemas.microsoft.com/office/powerpoint/2010/main" val="672499216"/>
+      </p:ext>
+    </p:extLst>
+  </p:cSld>
+  <p:clrMapOvr>
+    <a:masterClrMapping/>
+  </p:clrMapOvr>
+  <mc:AlternateContent xmlns:mc="http://schemas.openxmlformats.org/markup-compatibility/2006">
+    <mc:Choice xmlns:p159="http://schemas.microsoft.com/office/powerpoint/2015/09/main" Requires="p159">
+      <p:transition xmlns:p14="http://schemas.microsoft.com/office/powerpoint/2010/main" spd="slow" p14:dur="2000">
+        <p159:morph option="byObject"/>
+      </p:transition>
+    </mc:Choice>
+    <mc:Fallback>
+      <p:transition spd="slow">
+        <p:fade/>
+      </p:transition>
+    </mc:Fallback>
+  </mc:AlternateContent>
+</p:sld>
+</file>
+
+<file path=ppt/slides/slide8.xml><?xml version="1.0" encoding="utf-8"?>
+<p:sld xmlns:a="http://schemas.openxmlformats.org/drawingml/2006/main" xmlns:r="http://schemas.openxmlformats.org/officeDocument/2006/relationships" xmlns:p="http://schemas.openxmlformats.org/presentationml/2006/main">
+  <p:cSld>
+    <p:spTree>
+      <p:nvGrpSpPr>
+        <p:cNvPr id="1" name=""/>
+        <p:cNvGrpSpPr/>
+        <p:nvPr/>
+      </p:nvGrpSpPr>
+      <p:grpSpPr>
+        <a:xfrm>
+          <a:off x="0" y="0"/>
+          <a:ext cx="0" cy="0"/>
+          <a:chOff x="0" y="0"/>
+          <a:chExt cx="0" cy="0"/>
+        </a:xfrm>
+      </p:grpSpPr>
+      <p:sp>
+        <p:nvSpPr>
+          <p:cNvPr id="5" name="Rectángulo 4">
+            <a:extLst>
+              <a:ext uri="{FF2B5EF4-FFF2-40B4-BE49-F238E27FC236}">
+                <a16:creationId xmlns:a16="http://schemas.microsoft.com/office/drawing/2014/main" id="{CF8E19B6-A807-4E83-A804-36128B910A0C}"/>
+              </a:ext>
+            </a:extLst>
+          </p:cNvPr>
+          <p:cNvSpPr/>
+          <p:nvPr/>
+        </p:nvSpPr>
+        <p:spPr>
+          <a:xfrm>
+            <a:off x="0" y="0"/>
+            <a:ext cx="2954215" cy="6898043"/>
+          </a:xfrm>
+          <a:prstGeom prst="rect">
+            <a:avLst/>
+          </a:prstGeom>
+          <a:gradFill flip="none" rotWithShape="1">
+            <a:gsLst>
+              <a:gs pos="0">
+                <a:schemeClr val="accent5">
+                  <a:lumMod val="40000"/>
+                  <a:lumOff val="60000"/>
+                </a:schemeClr>
+              </a:gs>
+              <a:gs pos="25000">
+                <a:schemeClr val="accent5">
+                  <a:lumMod val="95000"/>
+                  <a:lumOff val="5000"/>
+                </a:schemeClr>
+              </a:gs>
+              <a:gs pos="100000">
+                <a:schemeClr val="accent5">
+                  <a:lumMod val="60000"/>
+                </a:schemeClr>
+              </a:gs>
+            </a:gsLst>
+            <a:lin ang="16200000" scaled="1"/>
+            <a:tileRect/>
+          </a:gradFill>
+          <a:ln>
+            <a:noFill/>
+          </a:ln>
+        </p:spPr>
+        <p:style>
+          <a:lnRef idx="2">
+            <a:schemeClr val="accent1">
+              <a:shade val="50000"/>
+            </a:schemeClr>
+          </a:lnRef>
+          <a:fillRef idx="1">
+            <a:schemeClr val="accent1"/>
+          </a:fillRef>
+          <a:effectRef idx="0">
+            <a:schemeClr val="accent1"/>
+          </a:effectRef>
+          <a:fontRef idx="minor">
+            <a:schemeClr val="lt1"/>
+          </a:fontRef>
+        </p:style>
+        <p:txBody>
+          <a:bodyPr rtlCol="0" anchor="ctr"/>
+          <a:lstStyle/>
+          <a:p>
+            <a:pPr algn="ctr"/>
+            <a:endParaRPr lang="es-CL" sz="2700" dirty="0"/>
+          </a:p>
+        </p:txBody>
+      </p:sp>
+      <p:sp>
+        <p:nvSpPr>
+          <p:cNvPr id="7" name="CuadroTexto 6">
+            <a:extLst>
+              <a:ext uri="{FF2B5EF4-FFF2-40B4-BE49-F238E27FC236}">
+                <a16:creationId xmlns:a16="http://schemas.microsoft.com/office/drawing/2014/main" id="{3FFA1F71-1363-421C-9B2A-FA77D73DCEEA}"/>
+              </a:ext>
+            </a:extLst>
+          </p:cNvPr>
+          <p:cNvSpPr txBox="1"/>
+          <p:nvPr/>
+        </p:nvSpPr>
+        <p:spPr>
+          <a:xfrm>
+            <a:off x="99193" y="2971967"/>
+            <a:ext cx="2749295" cy="954107"/>
+          </a:xfrm>
+          <a:prstGeom prst="rect">
+            <a:avLst/>
+          </a:prstGeom>
+          <a:noFill/>
+        </p:spPr>
+        <p:txBody>
+          <a:bodyPr wrap="square">
+            <a:spAutoFit/>
+          </a:bodyPr>
+          <a:lstStyle/>
+          <a:p>
+            <a:pPr algn="ctr"/>
+            <a:r>
+              <a:rPr lang="es-ES" sz="2800" b="1" dirty="0">
+                <a:solidFill>
+                  <a:schemeClr val="bg1"/>
+                </a:solidFill>
+              </a:rPr>
+              <a:t>¿Cómo funciona MQTT?</a:t>
+            </a:r>
+            <a:endParaRPr lang="es-CL" sz="2800" b="1" dirty="0">
+              <a:solidFill>
+                <a:schemeClr val="bg1"/>
+              </a:solidFill>
+            </a:endParaRPr>
+          </a:p>
+        </p:txBody>
+      </p:sp>
+      <p:pic>
+        <p:nvPicPr>
+          <p:cNvPr id="8" name="Imagen 7">
+            <a:extLst>
+              <a:ext uri="{FF2B5EF4-FFF2-40B4-BE49-F238E27FC236}">
+                <a16:creationId xmlns:a16="http://schemas.microsoft.com/office/drawing/2014/main" id="{CAE717F1-1BA4-45EA-BAC8-BEBC0DB288B1}"/>
+              </a:ext>
+            </a:extLst>
+          </p:cNvPr>
+          <p:cNvPicPr>
+            <a:picLocks noChangeAspect="1"/>
+          </p:cNvPicPr>
+          <p:nvPr/>
+        </p:nvPicPr>
+        <p:blipFill>
+          <a:blip r:embed="rId2"/>
+          <a:stretch>
+            <a:fillRect/>
+          </a:stretch>
+        </p:blipFill>
+        <p:spPr>
+          <a:xfrm>
+            <a:off x="702876" y="282685"/>
+            <a:ext cx="1541935" cy="1418580"/>
+          </a:xfrm>
+          <a:prstGeom prst="rect">
+            <a:avLst/>
+          </a:prstGeom>
+        </p:spPr>
+      </p:pic>
+      <p:sp>
+        <p:nvSpPr>
+          <p:cNvPr id="3" name="TextBox 2">
+            <a:extLst>
+              <a:ext uri="{FF2B5EF4-FFF2-40B4-BE49-F238E27FC236}">
+                <a16:creationId xmlns:a16="http://schemas.microsoft.com/office/drawing/2014/main" id="{2D9B6B95-121D-45AD-9B8F-F1D17C7D0157}"/>
+              </a:ext>
+            </a:extLst>
+          </p:cNvPr>
+          <p:cNvSpPr txBox="1"/>
+          <p:nvPr/>
+        </p:nvSpPr>
+        <p:spPr>
+          <a:xfrm>
+            <a:off x="6967120" y="149747"/>
+            <a:ext cx="1209214" cy="584775"/>
+          </a:xfrm>
+          <a:prstGeom prst="rect">
+            <a:avLst/>
+          </a:prstGeom>
+          <a:noFill/>
+        </p:spPr>
+        <p:txBody>
+          <a:bodyPr wrap="square" rtlCol="0">
+            <a:spAutoFit/>
+          </a:bodyPr>
+          <a:lstStyle/>
+          <a:p>
+            <a:r>
+              <a:rPr lang="es-ES" sz="3200" dirty="0" err="1"/>
+              <a:t>Topics</a:t>
+            </a:r>
+            <a:endParaRPr lang="es-ES" sz="3200" dirty="0"/>
+          </a:p>
+        </p:txBody>
+      </p:sp>
+      <p:pic>
+        <p:nvPicPr>
+          <p:cNvPr id="11" name="Gráfico 13">
+            <a:extLst>
+              <a:ext uri="{FF2B5EF4-FFF2-40B4-BE49-F238E27FC236}">
+                <a16:creationId xmlns:a16="http://schemas.microsoft.com/office/drawing/2014/main" id="{BA2327D3-7D7D-4C7B-8D0C-C4B36C822941}"/>
+              </a:ext>
+            </a:extLst>
+          </p:cNvPr>
+          <p:cNvPicPr>
+            <a:picLocks noChangeAspect="1"/>
+          </p:cNvPicPr>
+          <p:nvPr/>
+        </p:nvPicPr>
+        <p:blipFill>
+          <a:blip r:embed="rId3" cstate="print">
+            <a:extLst>
+              <a:ext uri="{28A0092B-C50C-407E-A947-70E740481C1C}">
+                <a14:useLocalDpi xmlns:a14="http://schemas.microsoft.com/office/drawing/2010/main" val="0"/>
+              </a:ext>
+              <a:ext uri="{96DAC541-7B7A-43D3-8B79-37D633B846F1}">
+                <asvg:svgBlip xmlns:asvg="http://schemas.microsoft.com/office/drawing/2016/SVG/main" r:embed="rId4"/>
+              </a:ext>
+            </a:extLst>
+          </a:blip>
+          <a:stretch>
+            <a:fillRect/>
+          </a:stretch>
+        </p:blipFill>
+        <p:spPr>
+          <a:xfrm>
+            <a:off x="520156" y="4167699"/>
+            <a:ext cx="1907367" cy="485512"/>
+          </a:xfrm>
+          <a:prstGeom prst="rect">
+            <a:avLst/>
+          </a:prstGeom>
+        </p:spPr>
+      </p:pic>
+      <p:pic>
+        <p:nvPicPr>
+          <p:cNvPr id="2050" name="Picture 2" descr="Qué son y cómo usar los Topics en MQTT correctamente">
+            <a:extLst>
+              <a:ext uri="{FF2B5EF4-FFF2-40B4-BE49-F238E27FC236}">
+                <a16:creationId xmlns:a16="http://schemas.microsoft.com/office/drawing/2014/main" id="{9542ED2A-840C-4A24-B83D-7981A1EF17D2}"/>
+              </a:ext>
+            </a:extLst>
+          </p:cNvPr>
+          <p:cNvPicPr>
+            <a:picLocks noChangeAspect="1" noChangeArrowheads="1"/>
+          </p:cNvPicPr>
+          <p:nvPr/>
+        </p:nvPicPr>
+        <p:blipFill>
+          <a:blip r:embed="rId5">
+            <a:extLst>
+              <a:ext uri="{28A0092B-C50C-407E-A947-70E740481C1C}">
+                <a14:useLocalDpi xmlns:a14="http://schemas.microsoft.com/office/drawing/2010/main" val="0"/>
+              </a:ext>
+            </a:extLst>
+          </a:blip>
+          <a:srcRect/>
+          <a:stretch>
+            <a:fillRect/>
+          </a:stretch>
+        </p:blipFill>
+        <p:spPr bwMode="auto">
+          <a:xfrm>
+            <a:off x="4714227" y="846847"/>
+            <a:ext cx="5715000" cy="3228975"/>
+          </a:xfrm>
+          <a:prstGeom prst="rect">
+            <a:avLst/>
+          </a:prstGeom>
+          <a:noFill/>
+          <a:extLst>
+            <a:ext uri="{909E8E84-426E-40DD-AFC4-6F175D3DCCD1}">
+              <a14:hiddenFill xmlns:a14="http://schemas.microsoft.com/office/drawing/2010/main">
+                <a:solidFill>
+                  <a:srgbClr val="FFFFFF"/>
+                </a:solidFill>
+              </a14:hiddenFill>
+            </a:ext>
+          </a:extLst>
+        </p:spPr>
+      </p:pic>
+      <p:pic>
+        <p:nvPicPr>
+          <p:cNvPr id="2052" name="Picture 4" descr="MQTT Topics &amp;amp; Best Practices - MQTT Essentials: Part 5">
+            <a:extLst>
+              <a:ext uri="{FF2B5EF4-FFF2-40B4-BE49-F238E27FC236}">
+                <a16:creationId xmlns:a16="http://schemas.microsoft.com/office/drawing/2014/main" id="{2FFA4ECB-2ADE-41E5-812A-ED71461D7E00}"/>
+              </a:ext>
+            </a:extLst>
+          </p:cNvPr>
+          <p:cNvPicPr>
+            <a:picLocks noChangeAspect="1" noChangeArrowheads="1"/>
+          </p:cNvPicPr>
+          <p:nvPr/>
+        </p:nvPicPr>
+        <p:blipFill>
+          <a:blip r:embed="rId6">
+            <a:extLst>
+              <a:ext uri="{28A0092B-C50C-407E-A947-70E740481C1C}">
+                <a14:useLocalDpi xmlns:a14="http://schemas.microsoft.com/office/drawing/2010/main" val="0"/>
+              </a:ext>
+            </a:extLst>
+          </a:blip>
+          <a:srcRect/>
+          <a:stretch>
+            <a:fillRect/>
+          </a:stretch>
+        </p:blipFill>
+        <p:spPr bwMode="auto">
+          <a:xfrm>
+            <a:off x="4523727" y="4653211"/>
+            <a:ext cx="6096000" cy="1419225"/>
+          </a:xfrm>
+          <a:prstGeom prst="rect">
+            <a:avLst/>
+          </a:prstGeom>
+          <a:noFill/>
+          <a:extLst>
+            <a:ext uri="{909E8E84-426E-40DD-AFC4-6F175D3DCCD1}">
+              <a14:hiddenFill xmlns:a14="http://schemas.microsoft.com/office/drawing/2010/main">
+                <a:solidFill>
+                  <a:srgbClr val="FFFFFF"/>
+                </a:solidFill>
+              </a14:hiddenFill>
+            </a:ext>
+          </a:extLst>
+        </p:spPr>
+      </p:pic>
+    </p:spTree>
+    <p:extLst>
+      <p:ext uri="{BB962C8B-B14F-4D97-AF65-F5344CB8AC3E}">
+        <p14:creationId xmlns:p14="http://schemas.microsoft.com/office/powerpoint/2010/main" val="2284868911"/>
+      </p:ext>
+    </p:extLst>
+  </p:cSld>
+  <p:clrMapOvr>
+    <a:masterClrMapping/>
+  </p:clrMapOvr>
+  <mc:AlternateContent xmlns:mc="http://schemas.openxmlformats.org/markup-compatibility/2006">
+    <mc:Choice xmlns:p159="http://schemas.microsoft.com/office/powerpoint/2015/09/main" Requires="p159">
+      <p:transition xmlns:p14="http://schemas.microsoft.com/office/powerpoint/2010/main" spd="slow" p14:dur="2000">
+        <p159:morph option="byObject"/>
+      </p:transition>
+    </mc:Choice>
+    <mc:Fallback>
+      <p:transition spd="slow">
+        <p:fade/>
+      </p:transition>
+    </mc:Fallback>
+  </mc:AlternateContent>
+</p:sld>
+</file>
+
+<file path=ppt/slides/slide9.xml><?xml version="1.0" encoding="utf-8"?>
+<p:sld xmlns:a="http://schemas.openxmlformats.org/drawingml/2006/main" xmlns:r="http://schemas.openxmlformats.org/officeDocument/2006/relationships" xmlns:p="http://schemas.openxmlformats.org/presentationml/2006/main">
+  <p:cSld>
+    <p:spTree>
+      <p:nvGrpSpPr>
+        <p:cNvPr id="1" name=""/>
+        <p:cNvGrpSpPr/>
+        <p:nvPr/>
+      </p:nvGrpSpPr>
+      <p:grpSpPr>
+        <a:xfrm>
+          <a:off x="0" y="0"/>
+          <a:ext cx="0" cy="0"/>
+          <a:chOff x="0" y="0"/>
+          <a:chExt cx="0" cy="0"/>
+        </a:xfrm>
+      </p:grpSpPr>
+      <p:sp>
+        <p:nvSpPr>
+          <p:cNvPr id="5" name="Rectángulo 4">
+            <a:extLst>
+              <a:ext uri="{FF2B5EF4-FFF2-40B4-BE49-F238E27FC236}">
+                <a16:creationId xmlns:a16="http://schemas.microsoft.com/office/drawing/2014/main" id="{CF8E19B6-A807-4E83-A804-36128B910A0C}"/>
+              </a:ext>
+            </a:extLst>
+          </p:cNvPr>
+          <p:cNvSpPr/>
+          <p:nvPr/>
+        </p:nvSpPr>
+        <p:spPr>
+          <a:xfrm>
+            <a:off x="0" y="0"/>
+            <a:ext cx="2954215" cy="6898043"/>
+          </a:xfrm>
+          <a:prstGeom prst="rect">
+            <a:avLst/>
+          </a:prstGeom>
+          <a:gradFill flip="none" rotWithShape="1">
+            <a:gsLst>
+              <a:gs pos="0">
+                <a:schemeClr val="accent5">
+                  <a:lumMod val="40000"/>
+                  <a:lumOff val="60000"/>
+                </a:schemeClr>
+              </a:gs>
+              <a:gs pos="25000">
+                <a:schemeClr val="accent5">
+                  <a:lumMod val="95000"/>
+                  <a:lumOff val="5000"/>
+                </a:schemeClr>
+              </a:gs>
+              <a:gs pos="100000">
+                <a:schemeClr val="accent5">
+                  <a:lumMod val="60000"/>
+                </a:schemeClr>
+              </a:gs>
+            </a:gsLst>
+            <a:lin ang="16200000" scaled="1"/>
+            <a:tileRect/>
+          </a:gradFill>
+          <a:ln>
+            <a:noFill/>
+          </a:ln>
+        </p:spPr>
+        <p:style>
+          <a:lnRef idx="2">
+            <a:schemeClr val="accent1">
+              <a:shade val="50000"/>
+            </a:schemeClr>
+          </a:lnRef>
+          <a:fillRef idx="1">
+            <a:schemeClr val="accent1"/>
+          </a:fillRef>
+          <a:effectRef idx="0">
+            <a:schemeClr val="accent1"/>
+          </a:effectRef>
+          <a:fontRef idx="minor">
+            <a:schemeClr val="lt1"/>
+          </a:fontRef>
+        </p:style>
+        <p:txBody>
+          <a:bodyPr rtlCol="0" anchor="ctr"/>
+          <a:lstStyle/>
+          <a:p>
+            <a:pPr algn="ctr"/>
+            <a:endParaRPr lang="es-CL" sz="2700" dirty="0"/>
+          </a:p>
+        </p:txBody>
+      </p:sp>
+      <p:sp>
+        <p:nvSpPr>
+          <p:cNvPr id="7" name="CuadroTexto 6">
+            <a:extLst>
+              <a:ext uri="{FF2B5EF4-FFF2-40B4-BE49-F238E27FC236}">
+                <a16:creationId xmlns:a16="http://schemas.microsoft.com/office/drawing/2014/main" id="{3FFA1F71-1363-421C-9B2A-FA77D73DCEEA}"/>
+              </a:ext>
+            </a:extLst>
+          </p:cNvPr>
+          <p:cNvSpPr txBox="1"/>
+          <p:nvPr/>
+        </p:nvSpPr>
+        <p:spPr>
+          <a:xfrm>
+            <a:off x="99193" y="2971967"/>
+            <a:ext cx="2749295" cy="954107"/>
+          </a:xfrm>
+          <a:prstGeom prst="rect">
+            <a:avLst/>
+          </a:prstGeom>
+          <a:noFill/>
+        </p:spPr>
+        <p:txBody>
+          <a:bodyPr wrap="square">
+            <a:spAutoFit/>
+          </a:bodyPr>
+          <a:lstStyle/>
+          <a:p>
+            <a:pPr algn="ctr"/>
+            <a:r>
+              <a:rPr lang="es-ES" sz="2800" b="1" dirty="0">
+                <a:solidFill>
+                  <a:schemeClr val="bg1"/>
+                </a:solidFill>
+              </a:rPr>
+              <a:t>¿Cómo funciona MQTT?</a:t>
+            </a:r>
+            <a:endParaRPr lang="es-CL" sz="2800" b="1" dirty="0">
+              <a:solidFill>
+                <a:schemeClr val="bg1"/>
+              </a:solidFill>
+            </a:endParaRPr>
+          </a:p>
+        </p:txBody>
+      </p:sp>
+      <p:pic>
+        <p:nvPicPr>
+          <p:cNvPr id="8" name="Imagen 7">
+            <a:extLst>
+              <a:ext uri="{FF2B5EF4-FFF2-40B4-BE49-F238E27FC236}">
+                <a16:creationId xmlns:a16="http://schemas.microsoft.com/office/drawing/2014/main" id="{CAE717F1-1BA4-45EA-BAC8-BEBC0DB288B1}"/>
+              </a:ext>
+            </a:extLst>
+          </p:cNvPr>
+          <p:cNvPicPr>
+            <a:picLocks noChangeAspect="1"/>
+          </p:cNvPicPr>
+          <p:nvPr/>
+        </p:nvPicPr>
+        <p:blipFill>
+          <a:blip r:embed="rId2"/>
+          <a:stretch>
+            <a:fillRect/>
+          </a:stretch>
+        </p:blipFill>
+        <p:spPr>
+          <a:xfrm>
+            <a:off x="702876" y="282685"/>
+            <a:ext cx="1541935" cy="1418580"/>
+          </a:xfrm>
+          <a:prstGeom prst="rect">
+            <a:avLst/>
+          </a:prstGeom>
+        </p:spPr>
+      </p:pic>
+      <p:sp>
+        <p:nvSpPr>
+          <p:cNvPr id="3" name="TextBox 2">
+            <a:extLst>
+              <a:ext uri="{FF2B5EF4-FFF2-40B4-BE49-F238E27FC236}">
+                <a16:creationId xmlns:a16="http://schemas.microsoft.com/office/drawing/2014/main" id="{2D9B6B95-121D-45AD-9B8F-F1D17C7D0157}"/>
+              </a:ext>
+            </a:extLst>
+          </p:cNvPr>
+          <p:cNvSpPr txBox="1"/>
+          <p:nvPr/>
+        </p:nvSpPr>
+        <p:spPr>
+          <a:xfrm>
+            <a:off x="6771811" y="123114"/>
+            <a:ext cx="1848406" cy="584775"/>
+          </a:xfrm>
+          <a:prstGeom prst="rect">
+            <a:avLst/>
+          </a:prstGeom>
+          <a:noFill/>
+        </p:spPr>
+        <p:txBody>
+          <a:bodyPr wrap="square" rtlCol="0">
+            <a:spAutoFit/>
+          </a:bodyPr>
+          <a:lstStyle/>
+          <a:p>
+            <a:r>
+              <a:rPr lang="es-ES" sz="3200" dirty="0" err="1"/>
+              <a:t>Wildcards</a:t>
+            </a:r>
+            <a:endParaRPr lang="es-ES" sz="3200" dirty="0"/>
+          </a:p>
+        </p:txBody>
+      </p:sp>
+      <p:pic>
+        <p:nvPicPr>
+          <p:cNvPr id="11" name="Gráfico 13">
+            <a:extLst>
+              <a:ext uri="{FF2B5EF4-FFF2-40B4-BE49-F238E27FC236}">
+                <a16:creationId xmlns:a16="http://schemas.microsoft.com/office/drawing/2014/main" id="{BA2327D3-7D7D-4C7B-8D0C-C4B36C822941}"/>
+              </a:ext>
+            </a:extLst>
+          </p:cNvPr>
+          <p:cNvPicPr>
+            <a:picLocks noChangeAspect="1"/>
+          </p:cNvPicPr>
+          <p:nvPr/>
+        </p:nvPicPr>
+        <p:blipFill>
+          <a:blip r:embed="rId3" cstate="print">
+            <a:extLst>
+              <a:ext uri="{28A0092B-C50C-407E-A947-70E740481C1C}">
+                <a14:useLocalDpi xmlns:a14="http://schemas.microsoft.com/office/drawing/2010/main" val="0"/>
+              </a:ext>
+              <a:ext uri="{96DAC541-7B7A-43D3-8B79-37D633B846F1}">
+                <asvg:svgBlip xmlns:asvg="http://schemas.microsoft.com/office/drawing/2016/SVG/main" r:embed="rId4"/>
+              </a:ext>
+            </a:extLst>
+          </a:blip>
+          <a:stretch>
+            <a:fillRect/>
+          </a:stretch>
+        </p:blipFill>
+        <p:spPr>
+          <a:xfrm>
+            <a:off x="520156" y="4167699"/>
+            <a:ext cx="1907367" cy="485512"/>
+          </a:xfrm>
+          <a:prstGeom prst="rect">
+            <a:avLst/>
+          </a:prstGeom>
+        </p:spPr>
+      </p:pic>
+      <p:pic>
+        <p:nvPicPr>
+          <p:cNvPr id="2052" name="Picture 4" descr="MQTT Topics &amp;amp; Best Practices - MQTT Essentials: Part 5">
+            <a:extLst>
+              <a:ext uri="{FF2B5EF4-FFF2-40B4-BE49-F238E27FC236}">
+                <a16:creationId xmlns:a16="http://schemas.microsoft.com/office/drawing/2014/main" id="{2FFA4ECB-2ADE-41E5-812A-ED71461D7E00}"/>
+              </a:ext>
+            </a:extLst>
+          </p:cNvPr>
+          <p:cNvPicPr>
+            <a:picLocks noChangeAspect="1" noChangeArrowheads="1"/>
+          </p:cNvPicPr>
+          <p:nvPr/>
+        </p:nvPicPr>
+        <p:blipFill>
+          <a:blip r:embed="rId5">
+            <a:extLst>
+              <a:ext uri="{28A0092B-C50C-407E-A947-70E740481C1C}">
+                <a14:useLocalDpi xmlns:a14="http://schemas.microsoft.com/office/drawing/2010/main" val="0"/>
+              </a:ext>
+            </a:extLst>
+          </a:blip>
+          <a:srcRect/>
+          <a:stretch>
+            <a:fillRect/>
+          </a:stretch>
+        </p:blipFill>
+        <p:spPr bwMode="auto">
+          <a:xfrm>
+            <a:off x="4648014" y="707889"/>
+            <a:ext cx="6096000" cy="1419225"/>
+          </a:xfrm>
+          <a:prstGeom prst="rect">
+            <a:avLst/>
+          </a:prstGeom>
+          <a:noFill/>
+          <a:extLst>
+            <a:ext uri="{909E8E84-426E-40DD-AFC4-6F175D3DCCD1}">
+              <a14:hiddenFill xmlns:a14="http://schemas.microsoft.com/office/drawing/2010/main">
+                <a:solidFill>
+                  <a:srgbClr val="FFFFFF"/>
+                </a:solidFill>
+              </a14:hiddenFill>
+            </a:ext>
+          </a:extLst>
+        </p:spPr>
+      </p:pic>
+      <p:pic>
+        <p:nvPicPr>
+          <p:cNvPr id="5122" name="Picture 2" descr="MQTT Topics &amp;amp; Best Practices - MQTT Essentials: Part 5">
+            <a:extLst>
+              <a:ext uri="{FF2B5EF4-FFF2-40B4-BE49-F238E27FC236}">
+                <a16:creationId xmlns:a16="http://schemas.microsoft.com/office/drawing/2014/main" id="{0D5360CC-D420-4902-AC91-443C42E5352F}"/>
+              </a:ext>
+            </a:extLst>
+          </p:cNvPr>
+          <p:cNvPicPr>
+            <a:picLocks noChangeAspect="1" noChangeArrowheads="1"/>
+          </p:cNvPicPr>
+          <p:nvPr/>
+        </p:nvPicPr>
+        <p:blipFill>
+          <a:blip r:embed="rId6">
+            <a:extLst>
+              <a:ext uri="{28A0092B-C50C-407E-A947-70E740481C1C}">
+                <a14:useLocalDpi xmlns:a14="http://schemas.microsoft.com/office/drawing/2010/main" val="0"/>
+              </a:ext>
+            </a:extLst>
+          </a:blip>
+          <a:srcRect/>
+          <a:stretch>
+            <a:fillRect/>
+          </a:stretch>
+        </p:blipFill>
+        <p:spPr bwMode="auto">
+          <a:xfrm>
+            <a:off x="4648014" y="2733675"/>
+            <a:ext cx="6096000" cy="1390650"/>
+          </a:xfrm>
+          <a:prstGeom prst="rect">
+            <a:avLst/>
+          </a:prstGeom>
+          <a:noFill/>
+          <a:extLst>
+            <a:ext uri="{909E8E84-426E-40DD-AFC4-6F175D3DCCD1}">
+              <a14:hiddenFill xmlns:a14="http://schemas.microsoft.com/office/drawing/2010/main">
+                <a:solidFill>
+                  <a:srgbClr val="FFFFFF"/>
+                </a:solidFill>
+              </a14:hiddenFill>
+            </a:ext>
+          </a:extLst>
+        </p:spPr>
+      </p:pic>
+      <p:pic>
+        <p:nvPicPr>
+          <p:cNvPr id="5124" name="Picture 4" descr="MQTT Topics &amp;amp; Best Practices - MQTT Essentials: Part 5">
+            <a:extLst>
+              <a:ext uri="{FF2B5EF4-FFF2-40B4-BE49-F238E27FC236}">
+                <a16:creationId xmlns:a16="http://schemas.microsoft.com/office/drawing/2014/main" id="{97571CDA-16A2-45DE-BFCC-F67E05FBF474}"/>
+              </a:ext>
+            </a:extLst>
+          </p:cNvPr>
+          <p:cNvPicPr>
+            <a:picLocks noChangeAspect="1" noChangeArrowheads="1"/>
+          </p:cNvPicPr>
+          <p:nvPr/>
+        </p:nvPicPr>
+        <p:blipFill>
+          <a:blip r:embed="rId7">
+            <a:extLst>
+              <a:ext uri="{28A0092B-C50C-407E-A947-70E740481C1C}">
+                <a14:useLocalDpi xmlns:a14="http://schemas.microsoft.com/office/drawing/2010/main" val="0"/>
+              </a:ext>
+            </a:extLst>
+          </a:blip>
+          <a:srcRect/>
+          <a:stretch>
+            <a:fillRect/>
+          </a:stretch>
+        </p:blipFill>
+        <p:spPr bwMode="auto">
+          <a:xfrm>
+            <a:off x="4648014" y="5035686"/>
+            <a:ext cx="6096000" cy="1114425"/>
+          </a:xfrm>
+          <a:prstGeom prst="rect">
+            <a:avLst/>
+          </a:prstGeom>
+          <a:noFill/>
+          <a:extLst>
+            <a:ext uri="{909E8E84-426E-40DD-AFC4-6F175D3DCCD1}">
+              <a14:hiddenFill xmlns:a14="http://schemas.microsoft.com/office/drawing/2010/main">
+                <a:solidFill>
+                  <a:srgbClr val="FFFFFF"/>
+                </a:solidFill>
+              </a14:hiddenFill>
+            </a:ext>
+          </a:extLst>
+        </p:spPr>
+      </p:pic>
+      <p:cxnSp>
+        <p:nvCxnSpPr>
+          <p:cNvPr id="4" name="Straight Connector 3">
+            <a:extLst>
+              <a:ext uri="{FF2B5EF4-FFF2-40B4-BE49-F238E27FC236}">
+                <a16:creationId xmlns:a16="http://schemas.microsoft.com/office/drawing/2014/main" id="{F0CFB1EB-1D1F-4148-8080-6622B2CCBAD9}"/>
+              </a:ext>
+            </a:extLst>
+          </p:cNvPr>
+          <p:cNvCxnSpPr/>
+          <p:nvPr/>
+        </p:nvCxnSpPr>
+        <p:spPr>
+          <a:xfrm>
+            <a:off x="3551068" y="2388093"/>
+            <a:ext cx="8034291" cy="0"/>
+          </a:xfrm>
+          <a:prstGeom prst="line">
+            <a:avLst/>
+          </a:prstGeom>
+        </p:spPr>
+        <p:style>
+          <a:lnRef idx="3">
+            <a:schemeClr val="accent1"/>
+          </a:lnRef>
+          <a:fillRef idx="0">
+            <a:schemeClr val="accent1"/>
+          </a:fillRef>
+          <a:effectRef idx="2">
+            <a:schemeClr val="accent1"/>
+          </a:effectRef>
+          <a:fontRef idx="minor">
+            <a:schemeClr val="tx1"/>
+          </a:fontRef>
+        </p:style>
+      </p:cxnSp>
+      <p:cxnSp>
+        <p:nvCxnSpPr>
+          <p:cNvPr id="13" name="Straight Connector 12">
+            <a:extLst>
+              <a:ext uri="{FF2B5EF4-FFF2-40B4-BE49-F238E27FC236}">
+                <a16:creationId xmlns:a16="http://schemas.microsoft.com/office/drawing/2014/main" id="{2408EB4C-ED4E-4481-BABF-7253CEA92E2D}"/>
+              </a:ext>
+            </a:extLst>
+          </p:cNvPr>
+          <p:cNvCxnSpPr/>
+          <p:nvPr/>
+        </p:nvCxnSpPr>
+        <p:spPr>
+          <a:xfrm>
+            <a:off x="3551068" y="4653211"/>
+            <a:ext cx="8034291" cy="0"/>
+          </a:xfrm>
+          <a:prstGeom prst="line">
+            <a:avLst/>
+          </a:prstGeom>
+        </p:spPr>
+        <p:style>
+          <a:lnRef idx="3">
+            <a:schemeClr val="accent1"/>
+          </a:lnRef>
+          <a:fillRef idx="0">
+            <a:schemeClr val="accent1"/>
+          </a:fillRef>
+          <a:effectRef idx="2">
+            <a:schemeClr val="accent1"/>
+          </a:effectRef>
+          <a:fontRef idx="minor">
+            <a:schemeClr val="tx1"/>
+          </a:fontRef>
+        </p:style>
+      </p:cxnSp>
+    </p:spTree>
+    <p:extLst>
+      <p:ext uri="{BB962C8B-B14F-4D97-AF65-F5344CB8AC3E}">
+        <p14:creationId xmlns:p14="http://schemas.microsoft.com/office/powerpoint/2010/main" val="851313206"/>
+      </p:ext>
+    </p:extLst>
+  </p:cSld>
+  <p:clrMapOvr>
+    <a:masterClrMapping/>
+  </p:clrMapOvr>
+  <mc:AlternateContent xmlns:mc="http://schemas.openxmlformats.org/markup-compatibility/2006">
+    <mc:Choice xmlns:p159="http://schemas.microsoft.com/office/powerpoint/2015/09/main" Requires="p159">
+      <p:transition xmlns:p14="http://schemas.microsoft.com/office/powerpoint/2010/main" spd="slow" p14:dur="2000">
+        <p159:morph option="byObject"/>
+      </p:transition>
+    </mc:Choice>
+    <mc:Fallback>
+      <p:transition spd="slow">
+        <p:fade/>
+      </p:transition>
+    </mc:Fallback>
+  </mc:AlternateContent>
 </p:sld>
 </file>
 

--- a/Presentación final/Presentación Final.pptx
+++ b/Presentación final/Presentación Final.pptx
@@ -5348,13 +5348,13 @@
   <p:clrMapOvr>
     <a:masterClrMapping/>
   </p:clrMapOvr>
-  <mc:AlternateContent xmlns:mc="http://schemas.openxmlformats.org/markup-compatibility/2006">
-    <mc:Choice xmlns:p159="http://schemas.microsoft.com/office/powerpoint/2015/09/main" Requires="p159">
+  <mc:AlternateContent xmlns:mc="http://schemas.openxmlformats.org/markup-compatibility/2006" xmlns:p159="http://schemas.microsoft.com/office/powerpoint/2015/09/main">
+    <mc:Choice Requires="p159">
       <p:transition xmlns:p14="http://schemas.microsoft.com/office/powerpoint/2010/main" spd="slow" p14:dur="2000">
         <p159:morph option="byObject"/>
       </p:transition>
     </mc:Choice>
-    <mc:Fallback>
+    <mc:Fallback xmlns="">
       <p:transition spd="slow">
         <p:fade/>
       </p:transition>
@@ -5691,13 +5691,13 @@
   <p:clrMapOvr>
     <a:masterClrMapping/>
   </p:clrMapOvr>
-  <mc:AlternateContent xmlns:mc="http://schemas.openxmlformats.org/markup-compatibility/2006">
-    <mc:Choice xmlns:p159="http://schemas.microsoft.com/office/powerpoint/2015/09/main" Requires="p159">
+  <mc:AlternateContent xmlns:mc="http://schemas.openxmlformats.org/markup-compatibility/2006" xmlns:p159="http://schemas.microsoft.com/office/powerpoint/2015/09/main">
+    <mc:Choice Requires="p159">
       <p:transition xmlns:p14="http://schemas.microsoft.com/office/powerpoint/2010/main" spd="slow" p14:dur="2000">
         <p159:morph option="byObject"/>
       </p:transition>
     </mc:Choice>
-    <mc:Fallback>
+    <mc:Fallback xmlns="">
       <p:transition spd="slow">
         <p:fade/>
       </p:transition>
@@ -6015,13 +6015,13 @@
   <p:clrMapOvr>
     <a:masterClrMapping/>
   </p:clrMapOvr>
-  <mc:AlternateContent xmlns:mc="http://schemas.openxmlformats.org/markup-compatibility/2006">
-    <mc:Choice xmlns:p159="http://schemas.microsoft.com/office/powerpoint/2015/09/main" Requires="p159">
+  <mc:AlternateContent xmlns:mc="http://schemas.openxmlformats.org/markup-compatibility/2006" xmlns:p159="http://schemas.microsoft.com/office/powerpoint/2015/09/main">
+    <mc:Choice Requires="p159">
       <p:transition xmlns:p14="http://schemas.microsoft.com/office/powerpoint/2010/main" spd="slow" p14:dur="2000">
         <p159:morph option="byObject"/>
       </p:transition>
     </mc:Choice>
-    <mc:Fallback>
+    <mc:Fallback xmlns="">
       <p:transition spd="slow">
         <p:fade/>
       </p:transition>
@@ -7525,13 +7525,13 @@
   <p:clrMapOvr>
     <a:masterClrMapping/>
   </p:clrMapOvr>
-  <mc:AlternateContent xmlns:mc="http://schemas.openxmlformats.org/markup-compatibility/2006">
-    <mc:Choice xmlns:p159="http://schemas.microsoft.com/office/powerpoint/2015/09/main" Requires="p159">
+  <mc:AlternateContent xmlns:mc="http://schemas.openxmlformats.org/markup-compatibility/2006" xmlns:p159="http://schemas.microsoft.com/office/powerpoint/2015/09/main">
+    <mc:Choice Requires="p159">
       <p:transition xmlns:p14="http://schemas.microsoft.com/office/powerpoint/2010/main" spd="slow" p14:dur="2000">
         <p159:morph option="byObject"/>
       </p:transition>
     </mc:Choice>
-    <mc:Fallback>
+    <mc:Fallback xmlns="">
       <p:transition spd="slow">
         <p:fade/>
       </p:transition>
@@ -7874,13 +7874,13 @@
   <p:clrMapOvr>
     <a:masterClrMapping/>
   </p:clrMapOvr>
-  <mc:AlternateContent xmlns:mc="http://schemas.openxmlformats.org/markup-compatibility/2006">
-    <mc:Choice xmlns:p159="http://schemas.microsoft.com/office/powerpoint/2015/09/main" Requires="p159">
+  <mc:AlternateContent xmlns:mc="http://schemas.openxmlformats.org/markup-compatibility/2006" xmlns:p159="http://schemas.microsoft.com/office/powerpoint/2015/09/main">
+    <mc:Choice Requires="p159">
       <p:transition xmlns:p14="http://schemas.microsoft.com/office/powerpoint/2010/main" spd="slow" p14:dur="2000">
         <p159:morph option="byObject"/>
       </p:transition>
     </mc:Choice>
-    <mc:Fallback>
+    <mc:Fallback xmlns="">
       <p:transition spd="slow">
         <p:fade/>
       </p:transition>
@@ -8340,13 +8340,13 @@
   <p:clrMapOvr>
     <a:masterClrMapping/>
   </p:clrMapOvr>
-  <mc:AlternateContent xmlns:mc="http://schemas.openxmlformats.org/markup-compatibility/2006">
-    <mc:Choice xmlns:p159="http://schemas.microsoft.com/office/powerpoint/2015/09/main" Requires="p159">
+  <mc:AlternateContent xmlns:mc="http://schemas.openxmlformats.org/markup-compatibility/2006" xmlns:p159="http://schemas.microsoft.com/office/powerpoint/2015/09/main">
+    <mc:Choice Requires="p159">
       <p:transition xmlns:p14="http://schemas.microsoft.com/office/powerpoint/2010/main" spd="slow" p14:dur="2000">
         <p159:morph option="byObject"/>
       </p:transition>
     </mc:Choice>
-    <mc:Fallback>
+    <mc:Fallback xmlns="">
       <p:transition spd="slow">
         <p:fade/>
       </p:transition>
@@ -8718,13 +8718,13 @@
   <p:clrMapOvr>
     <a:masterClrMapping/>
   </p:clrMapOvr>
-  <mc:AlternateContent xmlns:mc="http://schemas.openxmlformats.org/markup-compatibility/2006">
-    <mc:Choice xmlns:p159="http://schemas.microsoft.com/office/powerpoint/2015/09/main" Requires="p159">
+  <mc:AlternateContent xmlns:mc="http://schemas.openxmlformats.org/markup-compatibility/2006" xmlns:p159="http://schemas.microsoft.com/office/powerpoint/2015/09/main">
+    <mc:Choice Requires="p159">
       <p:transition xmlns:p14="http://schemas.microsoft.com/office/powerpoint/2010/main" spd="slow" p14:dur="2000">
         <p159:morph option="byObject"/>
       </p:transition>
     </mc:Choice>
-    <mc:Fallback>
+    <mc:Fallback xmlns="">
       <p:transition spd="slow">
         <p:fade/>
       </p:transition>
@@ -9070,13 +9070,13 @@
   <p:clrMapOvr>
     <a:masterClrMapping/>
   </p:clrMapOvr>
-  <mc:AlternateContent xmlns:mc="http://schemas.openxmlformats.org/markup-compatibility/2006">
-    <mc:Choice xmlns:p159="http://schemas.microsoft.com/office/powerpoint/2015/09/main" Requires="p159">
+  <mc:AlternateContent xmlns:mc="http://schemas.openxmlformats.org/markup-compatibility/2006" xmlns:p159="http://schemas.microsoft.com/office/powerpoint/2015/09/main">
+    <mc:Choice Requires="p159">
       <p:transition xmlns:p14="http://schemas.microsoft.com/office/powerpoint/2010/main" spd="slow" p14:dur="2000">
         <p159:morph option="byObject"/>
       </p:transition>
     </mc:Choice>
-    <mc:Fallback>
+    <mc:Fallback xmlns="">
       <p:transition spd="slow">
         <p:fade/>
       </p:transition>
@@ -9397,13 +9397,13 @@
   <p:clrMapOvr>
     <a:masterClrMapping/>
   </p:clrMapOvr>
-  <mc:AlternateContent xmlns:mc="http://schemas.openxmlformats.org/markup-compatibility/2006">
-    <mc:Choice xmlns:p159="http://schemas.microsoft.com/office/powerpoint/2015/09/main" Requires="p159">
+  <mc:AlternateContent xmlns:mc="http://schemas.openxmlformats.org/markup-compatibility/2006" xmlns:p159="http://schemas.microsoft.com/office/powerpoint/2015/09/main">
+    <mc:Choice Requires="p159">
       <p:transition xmlns:p14="http://schemas.microsoft.com/office/powerpoint/2010/main" spd="slow" p14:dur="2000">
         <p159:morph option="byObject"/>
       </p:transition>
     </mc:Choice>
-    <mc:Fallback>
+    <mc:Fallback xmlns="">
       <p:transition spd="slow">
         <p:fade/>
       </p:transition>
@@ -9735,13 +9735,13 @@
   <p:clrMapOvr>
     <a:masterClrMapping/>
   </p:clrMapOvr>
-  <mc:AlternateContent xmlns:mc="http://schemas.openxmlformats.org/markup-compatibility/2006">
-    <mc:Choice xmlns:p159="http://schemas.microsoft.com/office/powerpoint/2015/09/main" Requires="p159">
+  <mc:AlternateContent xmlns:mc="http://schemas.openxmlformats.org/markup-compatibility/2006" xmlns:p159="http://schemas.microsoft.com/office/powerpoint/2015/09/main">
+    <mc:Choice Requires="p159">
       <p:transition xmlns:p14="http://schemas.microsoft.com/office/powerpoint/2010/main" spd="slow" p14:dur="2000">
         <p159:morph option="byObject"/>
       </p:transition>
     </mc:Choice>
-    <mc:Fallback>
+    <mc:Fallback xmlns="">
       <p:transition spd="slow">
         <p:fade/>
       </p:transition>
@@ -10093,13 +10093,13 @@
   <p:clrMapOvr>
     <a:masterClrMapping/>
   </p:clrMapOvr>
-  <mc:AlternateContent xmlns:mc="http://schemas.openxmlformats.org/markup-compatibility/2006">
-    <mc:Choice xmlns:p159="http://schemas.microsoft.com/office/powerpoint/2015/09/main" Requires="p159">
+  <mc:AlternateContent xmlns:mc="http://schemas.openxmlformats.org/markup-compatibility/2006" xmlns:p159="http://schemas.microsoft.com/office/powerpoint/2015/09/main">
+    <mc:Choice Requires="p159">
       <p:transition xmlns:p14="http://schemas.microsoft.com/office/powerpoint/2010/main" spd="slow" p14:dur="2000">
         <p159:morph option="byObject"/>
       </p:transition>
     </mc:Choice>
-    <mc:Fallback>
+    <mc:Fallback xmlns="">
       <p:transition spd="slow">
         <p:fade/>
       </p:transition>
@@ -10570,13 +10570,13 @@
   <p:clrMapOvr>
     <a:masterClrMapping/>
   </p:clrMapOvr>
-  <mc:AlternateContent xmlns:mc="http://schemas.openxmlformats.org/markup-compatibility/2006">
-    <mc:Choice xmlns:p159="http://schemas.microsoft.com/office/powerpoint/2015/09/main" Requires="p159">
+  <mc:AlternateContent xmlns:mc="http://schemas.openxmlformats.org/markup-compatibility/2006" xmlns:p159="http://schemas.microsoft.com/office/powerpoint/2015/09/main">
+    <mc:Choice Requires="p159">
       <p:transition xmlns:p14="http://schemas.microsoft.com/office/powerpoint/2010/main" spd="slow" p14:dur="2000">
         <p159:morph option="byObject"/>
       </p:transition>
     </mc:Choice>
-    <mc:Fallback>
+    <mc:Fallback xmlns="">
       <p:transition spd="slow">
         <p:fade/>
       </p:transition>
@@ -11176,12 +11176,6 @@
 </file>
 
 <file path=customXml/item2.xml><?xml version="1.0" encoding="utf-8"?>
-<p:properties xmlns:p="http://schemas.microsoft.com/office/2006/metadata/properties" xmlns:xsi="http://www.w3.org/2001/XMLSchema-instance" xmlns:pc="http://schemas.microsoft.com/office/infopath/2007/PartnerControls">
-  <documentManagement/>
-</p:properties>
-</file>
-
-<file path=customXml/item3.xml><?xml version="1.0" encoding="utf-8"?>
 <ct:contentTypeSchema xmlns:ct="http://schemas.microsoft.com/office/2006/metadata/contentType" xmlns:ma="http://schemas.microsoft.com/office/2006/metadata/properties/metaAttributes" ct:_="" ma:_="" ma:contentTypeName="Documento" ma:contentTypeID="0x0101008CD10DCFC7F43044A8B6BA697B542451" ma:contentTypeVersion="7" ma:contentTypeDescription="Crear nuevo documento." ma:contentTypeScope="" ma:versionID="71fe53d898f7794126c276bb8ac64101">
   <xsd:schema xmlns:xsd="http://www.w3.org/2001/XMLSchema" xmlns:xs="http://www.w3.org/2001/XMLSchema" xmlns:p="http://schemas.microsoft.com/office/2006/metadata/properties" xmlns:ns2="9684db4f-286b-483b-99d2-229a7a0f0238" xmlns:ns3="b79a9ac4-57bd-4b76-a849-162a3ee7ab3a" targetNamespace="http://schemas.microsoft.com/office/2006/metadata/properties" ma:root="true" ma:fieldsID="a8df7d9dcb4e13af79b6aba6aa93c97b" ns2:_="" ns3:_="">
     <xsd:import namespace="9684db4f-286b-483b-99d2-229a7a0f0238"/>
@@ -11364,6 +11358,12 @@
 </ct:contentTypeSchema>
 </file>
 
+<file path=customXml/item3.xml><?xml version="1.0" encoding="utf-8"?>
+<p:properties xmlns:p="http://schemas.microsoft.com/office/2006/metadata/properties" xmlns:xsi="http://www.w3.org/2001/XMLSchema-instance" xmlns:pc="http://schemas.microsoft.com/office/infopath/2007/PartnerControls">
+  <documentManagement/>
+</p:properties>
+</file>
+
 <file path=customXml/itemProps1.xml><?xml version="1.0" encoding="utf-8"?>
 <ds:datastoreItem xmlns:ds="http://schemas.openxmlformats.org/officeDocument/2006/customXml" ds:itemID="{15FF7D0B-A910-492B-8570-2EA0FD7FF489}">
   <ds:schemaRefs>
@@ -11373,22 +11373,6 @@
 </file>
 
 <file path=customXml/itemProps2.xml><?xml version="1.0" encoding="utf-8"?>
-<ds:datastoreItem xmlns:ds="http://schemas.openxmlformats.org/officeDocument/2006/customXml" ds:itemID="{0CC5E14C-82A8-412D-B97B-F7B6AAAA6DC6}">
-  <ds:schemaRefs>
-    <ds:schemaRef ds:uri="9684db4f-286b-483b-99d2-229a7a0f0238"/>
-    <ds:schemaRef ds:uri="http://purl.org/dc/dcmitype/"/>
-    <ds:schemaRef ds:uri="http://purl.org/dc/elements/1.1/"/>
-    <ds:schemaRef ds:uri="http://purl.org/dc/terms/"/>
-    <ds:schemaRef ds:uri="http://schemas.microsoft.com/office/2006/documentManagement/types"/>
-    <ds:schemaRef ds:uri="http://schemas.microsoft.com/office/2006/metadata/properties"/>
-    <ds:schemaRef ds:uri="http://schemas.microsoft.com/office/infopath/2007/PartnerControls"/>
-    <ds:schemaRef ds:uri="http://schemas.openxmlformats.org/package/2006/metadata/core-properties"/>
-    <ds:schemaRef ds:uri="http://www.w3.org/XML/1998/namespace"/>
-  </ds:schemaRefs>
-</ds:datastoreItem>
-</file>
-
-<file path=customXml/itemProps3.xml><?xml version="1.0" encoding="utf-8"?>
 <ds:datastoreItem xmlns:ds="http://schemas.openxmlformats.org/officeDocument/2006/customXml" ds:itemID="{277812C0-F0A5-448C-A999-443F07D3294B}">
   <ds:schemaRefs>
     <ds:schemaRef ds:uri="9684db4f-286b-483b-99d2-229a7a0f0238"/>
@@ -11405,4 +11389,20 @@
     <ds:schemaRef ds:uri="http://www.w3.org/2001/XMLSchema"/>
   </ds:schemaRefs>
 </ds:datastoreItem>
+</file>
+
+<file path=customXml/itemProps3.xml><?xml version="1.0" encoding="utf-8"?>
+<ds:datastoreItem xmlns:ds="http://schemas.openxmlformats.org/officeDocument/2006/customXml" ds:itemID="{0CC5E14C-82A8-412D-B97B-F7B6AAAA6DC6}">
+  <ds:schemaRefs>
+    <ds:schemaRef ds:uri="9684db4f-286b-483b-99d2-229a7a0f0238"/>
+    <ds:schemaRef ds:uri="http://purl.org/dc/dcmitype/"/>
+    <ds:schemaRef ds:uri="http://purl.org/dc/elements/1.1/"/>
+    <ds:schemaRef ds:uri="http://purl.org/dc/terms/"/>
+    <ds:schemaRef ds:uri="http://schemas.microsoft.com/office/2006/documentManagement/types"/>
+    <ds:schemaRef ds:uri="http://schemas.microsoft.com/office/2006/metadata/properties"/>
+    <ds:schemaRef ds:uri="http://schemas.microsoft.com/office/infopath/2007/PartnerControls"/>
+    <ds:schemaRef ds:uri="http://schemas.openxmlformats.org/package/2006/metadata/core-properties"/>
+    <ds:schemaRef ds:uri="http://www.w3.org/XML/1998/namespace"/>
+  </ds:schemaRefs>
+</ds:datastoreItem>
 </file>